--- a/ПЗ/SoftwareAccounting.pptx
+++ b/ПЗ/SoftwareAccounting.pptx
@@ -121,6 +121,11 @@
       </a:defRPr>
     </a:lvl9pPr>
   </p:defaultTextStyle>
+  <p:extLst>
+    <p:ext uri="{EFAFB233-063F-42B5-8137-9DF3F51BA10A}">
+      <p15:sldGuideLst xmlns:p15="http://schemas.microsoft.com/office/powerpoint/2012/main"/>
+    </p:ext>
+  </p:extLst>
 </p:presentation>
 </file>
 
@@ -146,7 +151,7 @@
           <p:cNvPr id="2" name="Заголовок 1">
             <a:extLst>
               <a:ext uri="{FF2B5EF4-FFF2-40B4-BE49-F238E27FC236}">
-                <a16:creationId xmlns="" xmlns:a16="http://schemas.microsoft.com/office/drawing/2014/main" id="{0A0D4E15-8A51-4299-9012-BAD6F55FD592}"/>
+                <a16:creationId xmlns:a16="http://schemas.microsoft.com/office/drawing/2014/main" xmlns="" id="{0A0D4E15-8A51-4299-9012-BAD6F55FD592}"/>
               </a:ext>
             </a:extLst>
           </p:cNvPr>
@@ -183,7 +188,7 @@
           <p:cNvPr id="3" name="Подзаголовок 2">
             <a:extLst>
               <a:ext uri="{FF2B5EF4-FFF2-40B4-BE49-F238E27FC236}">
-                <a16:creationId xmlns="" xmlns:a16="http://schemas.microsoft.com/office/drawing/2014/main" id="{36E08218-4EDA-45D3-AFAA-980ED054C2F0}"/>
+                <a16:creationId xmlns:a16="http://schemas.microsoft.com/office/drawing/2014/main" xmlns="" id="{36E08218-4EDA-45D3-AFAA-980ED054C2F0}"/>
               </a:ext>
             </a:extLst>
           </p:cNvPr>
@@ -253,7 +258,7 @@
           <p:cNvPr id="4" name="Дата 3">
             <a:extLst>
               <a:ext uri="{FF2B5EF4-FFF2-40B4-BE49-F238E27FC236}">
-                <a16:creationId xmlns="" xmlns:a16="http://schemas.microsoft.com/office/drawing/2014/main" id="{0C03B076-E891-438D-9EA2-A26EC370E018}"/>
+                <a16:creationId xmlns:a16="http://schemas.microsoft.com/office/drawing/2014/main" xmlns="" id="{0C03B076-E891-438D-9EA2-A26EC370E018}"/>
               </a:ext>
             </a:extLst>
           </p:cNvPr>
@@ -278,7 +283,7 @@
                 </a:solidFill>
               </a:rPr>
               <a:pPr/>
-              <a:t>11.12.2024</a:t>
+              <a:t>15.12.2024</a:t>
             </a:fld>
             <a:endParaRPr lang="ru-RU">
               <a:solidFill>
@@ -295,7 +300,7 @@
           <p:cNvPr id="5" name="Нижний колонтитул 4">
             <a:extLst>
               <a:ext uri="{FF2B5EF4-FFF2-40B4-BE49-F238E27FC236}">
-                <a16:creationId xmlns="" xmlns:a16="http://schemas.microsoft.com/office/drawing/2014/main" id="{03A0EEB7-CD0F-4AD2-BC74-0C8A23CF5C94}"/>
+                <a16:creationId xmlns:a16="http://schemas.microsoft.com/office/drawing/2014/main" xmlns="" id="{03A0EEB7-CD0F-4AD2-BC74-0C8A23CF5C94}"/>
               </a:ext>
             </a:extLst>
           </p:cNvPr>
@@ -326,7 +331,7 @@
           <p:cNvPr id="6" name="Номер слайда 5">
             <a:extLst>
               <a:ext uri="{FF2B5EF4-FFF2-40B4-BE49-F238E27FC236}">
-                <a16:creationId xmlns="" xmlns:a16="http://schemas.microsoft.com/office/drawing/2014/main" id="{C3C1B7AF-0B2C-4DF5-B40D-49BC5B419BA4}"/>
+                <a16:creationId xmlns:a16="http://schemas.microsoft.com/office/drawing/2014/main" xmlns="" id="{C3C1B7AF-0B2C-4DF5-B40D-49BC5B419BA4}"/>
               </a:ext>
             </a:extLst>
           </p:cNvPr>
@@ -398,7 +403,7 @@
           <p:cNvPr id="2" name="Заголовок 1">
             <a:extLst>
               <a:ext uri="{FF2B5EF4-FFF2-40B4-BE49-F238E27FC236}">
-                <a16:creationId xmlns="" xmlns:a16="http://schemas.microsoft.com/office/drawing/2014/main" id="{6CF49AB5-D37A-48B1-B073-EAAC30C9FDEE}"/>
+                <a16:creationId xmlns:a16="http://schemas.microsoft.com/office/drawing/2014/main" xmlns="" id="{6CF49AB5-D37A-48B1-B073-EAAC30C9FDEE}"/>
               </a:ext>
             </a:extLst>
           </p:cNvPr>
@@ -426,7 +431,7 @@
           <p:cNvPr id="3" name="Вертикальный текст 2">
             <a:extLst>
               <a:ext uri="{FF2B5EF4-FFF2-40B4-BE49-F238E27FC236}">
-                <a16:creationId xmlns="" xmlns:a16="http://schemas.microsoft.com/office/drawing/2014/main" id="{7CE38227-3CF8-4F77-9CF2-1DB07A09D09E}"/>
+                <a16:creationId xmlns:a16="http://schemas.microsoft.com/office/drawing/2014/main" xmlns="" id="{7CE38227-3CF8-4F77-9CF2-1DB07A09D09E}"/>
               </a:ext>
             </a:extLst>
           </p:cNvPr>
@@ -483,7 +488,7 @@
           <p:cNvPr id="4" name="Дата 3">
             <a:extLst>
               <a:ext uri="{FF2B5EF4-FFF2-40B4-BE49-F238E27FC236}">
-                <a16:creationId xmlns="" xmlns:a16="http://schemas.microsoft.com/office/drawing/2014/main" id="{9AC2B907-4341-4FB3-8A7B-E872FFC8FB3D}"/>
+                <a16:creationId xmlns:a16="http://schemas.microsoft.com/office/drawing/2014/main" xmlns="" id="{9AC2B907-4341-4FB3-8A7B-E872FFC8FB3D}"/>
               </a:ext>
             </a:extLst>
           </p:cNvPr>
@@ -508,7 +513,7 @@
                 </a:solidFill>
               </a:rPr>
               <a:pPr/>
-              <a:t>11.12.2024</a:t>
+              <a:t>15.12.2024</a:t>
             </a:fld>
             <a:endParaRPr lang="ru-RU">
               <a:solidFill>
@@ -525,7 +530,7 @@
           <p:cNvPr id="5" name="Нижний колонтитул 4">
             <a:extLst>
               <a:ext uri="{FF2B5EF4-FFF2-40B4-BE49-F238E27FC236}">
-                <a16:creationId xmlns="" xmlns:a16="http://schemas.microsoft.com/office/drawing/2014/main" id="{DCA55E7E-1D8C-4B23-B3F6-1F61A2D7BE80}"/>
+                <a16:creationId xmlns:a16="http://schemas.microsoft.com/office/drawing/2014/main" xmlns="" id="{DCA55E7E-1D8C-4B23-B3F6-1F61A2D7BE80}"/>
               </a:ext>
             </a:extLst>
           </p:cNvPr>
@@ -556,7 +561,7 @@
           <p:cNvPr id="6" name="Номер слайда 5">
             <a:extLst>
               <a:ext uri="{FF2B5EF4-FFF2-40B4-BE49-F238E27FC236}">
-                <a16:creationId xmlns="" xmlns:a16="http://schemas.microsoft.com/office/drawing/2014/main" id="{83625A07-2FBB-4E11-A78A-F766603D93E9}"/>
+                <a16:creationId xmlns:a16="http://schemas.microsoft.com/office/drawing/2014/main" xmlns="" id="{83625A07-2FBB-4E11-A78A-F766603D93E9}"/>
               </a:ext>
             </a:extLst>
           </p:cNvPr>
@@ -628,7 +633,7 @@
           <p:cNvPr id="2" name="Вертикальный заголовок 1">
             <a:extLst>
               <a:ext uri="{FF2B5EF4-FFF2-40B4-BE49-F238E27FC236}">
-                <a16:creationId xmlns="" xmlns:a16="http://schemas.microsoft.com/office/drawing/2014/main" id="{F4698497-17CC-470F-98BB-C3A02E07D528}"/>
+                <a16:creationId xmlns:a16="http://schemas.microsoft.com/office/drawing/2014/main" xmlns="" id="{F4698497-17CC-470F-98BB-C3A02E07D528}"/>
               </a:ext>
             </a:extLst>
           </p:cNvPr>
@@ -661,7 +666,7 @@
           <p:cNvPr id="3" name="Вертикальный текст 2">
             <a:extLst>
               <a:ext uri="{FF2B5EF4-FFF2-40B4-BE49-F238E27FC236}">
-                <a16:creationId xmlns="" xmlns:a16="http://schemas.microsoft.com/office/drawing/2014/main" id="{49633681-BE9E-4E45-9190-12C77604575A}"/>
+                <a16:creationId xmlns:a16="http://schemas.microsoft.com/office/drawing/2014/main" xmlns="" id="{49633681-BE9E-4E45-9190-12C77604575A}"/>
               </a:ext>
             </a:extLst>
           </p:cNvPr>
@@ -723,7 +728,7 @@
           <p:cNvPr id="4" name="Дата 3">
             <a:extLst>
               <a:ext uri="{FF2B5EF4-FFF2-40B4-BE49-F238E27FC236}">
-                <a16:creationId xmlns="" xmlns:a16="http://schemas.microsoft.com/office/drawing/2014/main" id="{7DB77614-ECA3-4C9C-B413-883C6117EA91}"/>
+                <a16:creationId xmlns:a16="http://schemas.microsoft.com/office/drawing/2014/main" xmlns="" id="{7DB77614-ECA3-4C9C-B413-883C6117EA91}"/>
               </a:ext>
             </a:extLst>
           </p:cNvPr>
@@ -748,7 +753,7 @@
                 </a:solidFill>
               </a:rPr>
               <a:pPr/>
-              <a:t>11.12.2024</a:t>
+              <a:t>15.12.2024</a:t>
             </a:fld>
             <a:endParaRPr lang="ru-RU">
               <a:solidFill>
@@ -765,7 +770,7 @@
           <p:cNvPr id="5" name="Нижний колонтитул 4">
             <a:extLst>
               <a:ext uri="{FF2B5EF4-FFF2-40B4-BE49-F238E27FC236}">
-                <a16:creationId xmlns="" xmlns:a16="http://schemas.microsoft.com/office/drawing/2014/main" id="{85B8077F-087A-4957-A24F-19D421D28FDB}"/>
+                <a16:creationId xmlns:a16="http://schemas.microsoft.com/office/drawing/2014/main" xmlns="" id="{85B8077F-087A-4957-A24F-19D421D28FDB}"/>
               </a:ext>
             </a:extLst>
           </p:cNvPr>
@@ -796,7 +801,7 @@
           <p:cNvPr id="6" name="Номер слайда 5">
             <a:extLst>
               <a:ext uri="{FF2B5EF4-FFF2-40B4-BE49-F238E27FC236}">
-                <a16:creationId xmlns="" xmlns:a16="http://schemas.microsoft.com/office/drawing/2014/main" id="{E360F1AB-0A66-47A8-BBA1-0C3C8765F374}"/>
+                <a16:creationId xmlns:a16="http://schemas.microsoft.com/office/drawing/2014/main" xmlns="" id="{E360F1AB-0A66-47A8-BBA1-0C3C8765F374}"/>
               </a:ext>
             </a:extLst>
           </p:cNvPr>
@@ -868,7 +873,7 @@
           <p:cNvPr id="2" name="Заголовок 1">
             <a:extLst>
               <a:ext uri="{FF2B5EF4-FFF2-40B4-BE49-F238E27FC236}">
-                <a16:creationId xmlns="" xmlns:a16="http://schemas.microsoft.com/office/drawing/2014/main" id="{0A0D4E15-8A51-4299-9012-BAD6F55FD592}"/>
+                <a16:creationId xmlns:a16="http://schemas.microsoft.com/office/drawing/2014/main" xmlns="" id="{0A0D4E15-8A51-4299-9012-BAD6F55FD592}"/>
               </a:ext>
             </a:extLst>
           </p:cNvPr>
@@ -905,7 +910,7 @@
           <p:cNvPr id="3" name="Подзаголовок 2">
             <a:extLst>
               <a:ext uri="{FF2B5EF4-FFF2-40B4-BE49-F238E27FC236}">
-                <a16:creationId xmlns="" xmlns:a16="http://schemas.microsoft.com/office/drawing/2014/main" id="{36E08218-4EDA-45D3-AFAA-980ED054C2F0}"/>
+                <a16:creationId xmlns:a16="http://schemas.microsoft.com/office/drawing/2014/main" xmlns="" id="{36E08218-4EDA-45D3-AFAA-980ED054C2F0}"/>
               </a:ext>
             </a:extLst>
           </p:cNvPr>
@@ -975,7 +980,7 @@
           <p:cNvPr id="4" name="Дата 3">
             <a:extLst>
               <a:ext uri="{FF2B5EF4-FFF2-40B4-BE49-F238E27FC236}">
-                <a16:creationId xmlns="" xmlns:a16="http://schemas.microsoft.com/office/drawing/2014/main" id="{0C03B076-E891-438D-9EA2-A26EC370E018}"/>
+                <a16:creationId xmlns:a16="http://schemas.microsoft.com/office/drawing/2014/main" xmlns="" id="{0C03B076-E891-438D-9EA2-A26EC370E018}"/>
               </a:ext>
             </a:extLst>
           </p:cNvPr>
@@ -1000,7 +1005,7 @@
                 </a:solidFill>
               </a:rPr>
               <a:pPr/>
-              <a:t>11.12.2024</a:t>
+              <a:t>15.12.2024</a:t>
             </a:fld>
             <a:endParaRPr lang="ru-RU">
               <a:solidFill>
@@ -1017,7 +1022,7 @@
           <p:cNvPr id="5" name="Нижний колонтитул 4">
             <a:extLst>
               <a:ext uri="{FF2B5EF4-FFF2-40B4-BE49-F238E27FC236}">
-                <a16:creationId xmlns="" xmlns:a16="http://schemas.microsoft.com/office/drawing/2014/main" id="{03A0EEB7-CD0F-4AD2-BC74-0C8A23CF5C94}"/>
+                <a16:creationId xmlns:a16="http://schemas.microsoft.com/office/drawing/2014/main" xmlns="" id="{03A0EEB7-CD0F-4AD2-BC74-0C8A23CF5C94}"/>
               </a:ext>
             </a:extLst>
           </p:cNvPr>
@@ -1048,7 +1053,7 @@
           <p:cNvPr id="6" name="Номер слайда 5">
             <a:extLst>
               <a:ext uri="{FF2B5EF4-FFF2-40B4-BE49-F238E27FC236}">
-                <a16:creationId xmlns="" xmlns:a16="http://schemas.microsoft.com/office/drawing/2014/main" id="{C3C1B7AF-0B2C-4DF5-B40D-49BC5B419BA4}"/>
+                <a16:creationId xmlns:a16="http://schemas.microsoft.com/office/drawing/2014/main" xmlns="" id="{C3C1B7AF-0B2C-4DF5-B40D-49BC5B419BA4}"/>
               </a:ext>
             </a:extLst>
           </p:cNvPr>
@@ -1120,7 +1125,7 @@
           <p:cNvPr id="2" name="Заголовок 1">
             <a:extLst>
               <a:ext uri="{FF2B5EF4-FFF2-40B4-BE49-F238E27FC236}">
-                <a16:creationId xmlns="" xmlns:a16="http://schemas.microsoft.com/office/drawing/2014/main" id="{152195FB-2CE5-4E65-B9F8-5F1F3EC868D5}"/>
+                <a16:creationId xmlns:a16="http://schemas.microsoft.com/office/drawing/2014/main" xmlns="" id="{152195FB-2CE5-4E65-B9F8-5F1F3EC868D5}"/>
               </a:ext>
             </a:extLst>
           </p:cNvPr>
@@ -1148,7 +1153,7 @@
           <p:cNvPr id="3" name="Объект 2">
             <a:extLst>
               <a:ext uri="{FF2B5EF4-FFF2-40B4-BE49-F238E27FC236}">
-                <a16:creationId xmlns="" xmlns:a16="http://schemas.microsoft.com/office/drawing/2014/main" id="{47EBCDDF-3185-47D1-869B-6A6654E69730}"/>
+                <a16:creationId xmlns:a16="http://schemas.microsoft.com/office/drawing/2014/main" xmlns="" id="{47EBCDDF-3185-47D1-869B-6A6654E69730}"/>
               </a:ext>
             </a:extLst>
           </p:cNvPr>
@@ -1205,7 +1210,7 @@
           <p:cNvPr id="4" name="Дата 3">
             <a:extLst>
               <a:ext uri="{FF2B5EF4-FFF2-40B4-BE49-F238E27FC236}">
-                <a16:creationId xmlns="" xmlns:a16="http://schemas.microsoft.com/office/drawing/2014/main" id="{C701CEEF-C1DB-4DE4-BA25-598908BC0618}"/>
+                <a16:creationId xmlns:a16="http://schemas.microsoft.com/office/drawing/2014/main" xmlns="" id="{C701CEEF-C1DB-4DE4-BA25-598908BC0618}"/>
               </a:ext>
             </a:extLst>
           </p:cNvPr>
@@ -1230,7 +1235,7 @@
                 </a:solidFill>
               </a:rPr>
               <a:pPr/>
-              <a:t>11.12.2024</a:t>
+              <a:t>15.12.2024</a:t>
             </a:fld>
             <a:endParaRPr lang="ru-RU">
               <a:solidFill>
@@ -1247,7 +1252,7 @@
           <p:cNvPr id="5" name="Нижний колонтитул 4">
             <a:extLst>
               <a:ext uri="{FF2B5EF4-FFF2-40B4-BE49-F238E27FC236}">
-                <a16:creationId xmlns="" xmlns:a16="http://schemas.microsoft.com/office/drawing/2014/main" id="{83DDA5F6-7099-42A6-A39A-EB62D4B4D186}"/>
+                <a16:creationId xmlns:a16="http://schemas.microsoft.com/office/drawing/2014/main" xmlns="" id="{83DDA5F6-7099-42A6-A39A-EB62D4B4D186}"/>
               </a:ext>
             </a:extLst>
           </p:cNvPr>
@@ -1278,7 +1283,7 @@
           <p:cNvPr id="6" name="Номер слайда 5">
             <a:extLst>
               <a:ext uri="{FF2B5EF4-FFF2-40B4-BE49-F238E27FC236}">
-                <a16:creationId xmlns="" xmlns:a16="http://schemas.microsoft.com/office/drawing/2014/main" id="{A79188D9-3D73-4899-BA1C-F32851467359}"/>
+                <a16:creationId xmlns:a16="http://schemas.microsoft.com/office/drawing/2014/main" xmlns="" id="{A79188D9-3D73-4899-BA1C-F32851467359}"/>
               </a:ext>
             </a:extLst>
           </p:cNvPr>
@@ -1350,7 +1355,7 @@
           <p:cNvPr id="2" name="Заголовок 1">
             <a:extLst>
               <a:ext uri="{FF2B5EF4-FFF2-40B4-BE49-F238E27FC236}">
-                <a16:creationId xmlns="" xmlns:a16="http://schemas.microsoft.com/office/drawing/2014/main" id="{00B9177C-0711-487F-BF30-9BF41BD8A675}"/>
+                <a16:creationId xmlns:a16="http://schemas.microsoft.com/office/drawing/2014/main" xmlns="" id="{00B9177C-0711-487F-BF30-9BF41BD8A675}"/>
               </a:ext>
             </a:extLst>
           </p:cNvPr>
@@ -1387,7 +1392,7 @@
           <p:cNvPr id="3" name="Текст 2">
             <a:extLst>
               <a:ext uri="{FF2B5EF4-FFF2-40B4-BE49-F238E27FC236}">
-                <a16:creationId xmlns="" xmlns:a16="http://schemas.microsoft.com/office/drawing/2014/main" id="{F30EAC3C-217F-49B7-82B3-467ECA6F1B74}"/>
+                <a16:creationId xmlns:a16="http://schemas.microsoft.com/office/drawing/2014/main" xmlns="" id="{F30EAC3C-217F-49B7-82B3-467ECA6F1B74}"/>
               </a:ext>
             </a:extLst>
           </p:cNvPr>
@@ -1512,7 +1517,7 @@
           <p:cNvPr id="4" name="Дата 3">
             <a:extLst>
               <a:ext uri="{FF2B5EF4-FFF2-40B4-BE49-F238E27FC236}">
-                <a16:creationId xmlns="" xmlns:a16="http://schemas.microsoft.com/office/drawing/2014/main" id="{18D79551-1602-4AC2-93FE-1FB31A631BB5}"/>
+                <a16:creationId xmlns:a16="http://schemas.microsoft.com/office/drawing/2014/main" xmlns="" id="{18D79551-1602-4AC2-93FE-1FB31A631BB5}"/>
               </a:ext>
             </a:extLst>
           </p:cNvPr>
@@ -1537,7 +1542,7 @@
                 </a:solidFill>
               </a:rPr>
               <a:pPr/>
-              <a:t>11.12.2024</a:t>
+              <a:t>15.12.2024</a:t>
             </a:fld>
             <a:endParaRPr lang="ru-RU">
               <a:solidFill>
@@ -1554,7 +1559,7 @@
           <p:cNvPr id="5" name="Нижний колонтитул 4">
             <a:extLst>
               <a:ext uri="{FF2B5EF4-FFF2-40B4-BE49-F238E27FC236}">
-                <a16:creationId xmlns="" xmlns:a16="http://schemas.microsoft.com/office/drawing/2014/main" id="{03377386-1C75-422F-8DB9-56166B016305}"/>
+                <a16:creationId xmlns:a16="http://schemas.microsoft.com/office/drawing/2014/main" xmlns="" id="{03377386-1C75-422F-8DB9-56166B016305}"/>
               </a:ext>
             </a:extLst>
           </p:cNvPr>
@@ -1585,7 +1590,7 @@
           <p:cNvPr id="6" name="Номер слайда 5">
             <a:extLst>
               <a:ext uri="{FF2B5EF4-FFF2-40B4-BE49-F238E27FC236}">
-                <a16:creationId xmlns="" xmlns:a16="http://schemas.microsoft.com/office/drawing/2014/main" id="{4663C5E2-76E5-416B-86F4-A224FE476321}"/>
+                <a16:creationId xmlns:a16="http://schemas.microsoft.com/office/drawing/2014/main" xmlns="" id="{4663C5E2-76E5-416B-86F4-A224FE476321}"/>
               </a:ext>
             </a:extLst>
           </p:cNvPr>
@@ -1657,7 +1662,7 @@
           <p:cNvPr id="2" name="Заголовок 1">
             <a:extLst>
               <a:ext uri="{FF2B5EF4-FFF2-40B4-BE49-F238E27FC236}">
-                <a16:creationId xmlns="" xmlns:a16="http://schemas.microsoft.com/office/drawing/2014/main" id="{5D39CE7B-0C5D-4B82-A8B9-67695D68B497}"/>
+                <a16:creationId xmlns:a16="http://schemas.microsoft.com/office/drawing/2014/main" xmlns="" id="{5D39CE7B-0C5D-4B82-A8B9-67695D68B497}"/>
               </a:ext>
             </a:extLst>
           </p:cNvPr>
@@ -1685,7 +1690,7 @@
           <p:cNvPr id="3" name="Объект 2">
             <a:extLst>
               <a:ext uri="{FF2B5EF4-FFF2-40B4-BE49-F238E27FC236}">
-                <a16:creationId xmlns="" xmlns:a16="http://schemas.microsoft.com/office/drawing/2014/main" id="{C7C7F9EE-DD1E-402C-A4E3-EBF1A5D3B67E}"/>
+                <a16:creationId xmlns:a16="http://schemas.microsoft.com/office/drawing/2014/main" xmlns="" id="{C7C7F9EE-DD1E-402C-A4E3-EBF1A5D3B67E}"/>
               </a:ext>
             </a:extLst>
           </p:cNvPr>
@@ -1747,7 +1752,7 @@
           <p:cNvPr id="4" name="Объект 3">
             <a:extLst>
               <a:ext uri="{FF2B5EF4-FFF2-40B4-BE49-F238E27FC236}">
-                <a16:creationId xmlns="" xmlns:a16="http://schemas.microsoft.com/office/drawing/2014/main" id="{6640E14A-646E-4C70-8003-474DE5596FD6}"/>
+                <a16:creationId xmlns:a16="http://schemas.microsoft.com/office/drawing/2014/main" xmlns="" id="{6640E14A-646E-4C70-8003-474DE5596FD6}"/>
               </a:ext>
             </a:extLst>
           </p:cNvPr>
@@ -1809,7 +1814,7 @@
           <p:cNvPr id="5" name="Дата 4">
             <a:extLst>
               <a:ext uri="{FF2B5EF4-FFF2-40B4-BE49-F238E27FC236}">
-                <a16:creationId xmlns="" xmlns:a16="http://schemas.microsoft.com/office/drawing/2014/main" id="{F11DF215-3DFA-4224-B272-581EC99739FA}"/>
+                <a16:creationId xmlns:a16="http://schemas.microsoft.com/office/drawing/2014/main" xmlns="" id="{F11DF215-3DFA-4224-B272-581EC99739FA}"/>
               </a:ext>
             </a:extLst>
           </p:cNvPr>
@@ -1834,7 +1839,7 @@
                 </a:solidFill>
               </a:rPr>
               <a:pPr/>
-              <a:t>11.12.2024</a:t>
+              <a:t>15.12.2024</a:t>
             </a:fld>
             <a:endParaRPr lang="ru-RU">
               <a:solidFill>
@@ -1851,7 +1856,7 @@
           <p:cNvPr id="6" name="Нижний колонтитул 5">
             <a:extLst>
               <a:ext uri="{FF2B5EF4-FFF2-40B4-BE49-F238E27FC236}">
-                <a16:creationId xmlns="" xmlns:a16="http://schemas.microsoft.com/office/drawing/2014/main" id="{56ED47A9-A9F4-4F09-ACC8-551503988E95}"/>
+                <a16:creationId xmlns:a16="http://schemas.microsoft.com/office/drawing/2014/main" xmlns="" id="{56ED47A9-A9F4-4F09-ACC8-551503988E95}"/>
               </a:ext>
             </a:extLst>
           </p:cNvPr>
@@ -1882,7 +1887,7 @@
           <p:cNvPr id="7" name="Номер слайда 6">
             <a:extLst>
               <a:ext uri="{FF2B5EF4-FFF2-40B4-BE49-F238E27FC236}">
-                <a16:creationId xmlns="" xmlns:a16="http://schemas.microsoft.com/office/drawing/2014/main" id="{5781A6D9-A361-45E0-BC53-73CE9A64F236}"/>
+                <a16:creationId xmlns:a16="http://schemas.microsoft.com/office/drawing/2014/main" xmlns="" id="{5781A6D9-A361-45E0-BC53-73CE9A64F236}"/>
               </a:ext>
             </a:extLst>
           </p:cNvPr>
@@ -1954,7 +1959,7 @@
           <p:cNvPr id="2" name="Заголовок 1">
             <a:extLst>
               <a:ext uri="{FF2B5EF4-FFF2-40B4-BE49-F238E27FC236}">
-                <a16:creationId xmlns="" xmlns:a16="http://schemas.microsoft.com/office/drawing/2014/main" id="{DA7D677C-C7F0-4F3B-A6EA-AB20DE296BCE}"/>
+                <a16:creationId xmlns:a16="http://schemas.microsoft.com/office/drawing/2014/main" xmlns="" id="{DA7D677C-C7F0-4F3B-A6EA-AB20DE296BCE}"/>
               </a:ext>
             </a:extLst>
           </p:cNvPr>
@@ -1987,7 +1992,7 @@
           <p:cNvPr id="3" name="Текст 2">
             <a:extLst>
               <a:ext uri="{FF2B5EF4-FFF2-40B4-BE49-F238E27FC236}">
-                <a16:creationId xmlns="" xmlns:a16="http://schemas.microsoft.com/office/drawing/2014/main" id="{97D014BC-7ACA-49E6-A096-CCB619349370}"/>
+                <a16:creationId xmlns:a16="http://schemas.microsoft.com/office/drawing/2014/main" xmlns="" id="{97D014BC-7ACA-49E6-A096-CCB619349370}"/>
               </a:ext>
             </a:extLst>
           </p:cNvPr>
@@ -2058,7 +2063,7 @@
           <p:cNvPr id="4" name="Объект 3">
             <a:extLst>
               <a:ext uri="{FF2B5EF4-FFF2-40B4-BE49-F238E27FC236}">
-                <a16:creationId xmlns="" xmlns:a16="http://schemas.microsoft.com/office/drawing/2014/main" id="{BB8DE8A6-1AAA-4684-864D-FDB47C7D96F0}"/>
+                <a16:creationId xmlns:a16="http://schemas.microsoft.com/office/drawing/2014/main" xmlns="" id="{BB8DE8A6-1AAA-4684-864D-FDB47C7D96F0}"/>
               </a:ext>
             </a:extLst>
           </p:cNvPr>
@@ -2120,7 +2125,7 @@
           <p:cNvPr id="5" name="Текст 4">
             <a:extLst>
               <a:ext uri="{FF2B5EF4-FFF2-40B4-BE49-F238E27FC236}">
-                <a16:creationId xmlns="" xmlns:a16="http://schemas.microsoft.com/office/drawing/2014/main" id="{CBE1B1AE-17C6-467B-892C-7AC3F562B5D9}"/>
+                <a16:creationId xmlns:a16="http://schemas.microsoft.com/office/drawing/2014/main" xmlns="" id="{CBE1B1AE-17C6-467B-892C-7AC3F562B5D9}"/>
               </a:ext>
             </a:extLst>
           </p:cNvPr>
@@ -2191,7 +2196,7 @@
           <p:cNvPr id="6" name="Объект 5">
             <a:extLst>
               <a:ext uri="{FF2B5EF4-FFF2-40B4-BE49-F238E27FC236}">
-                <a16:creationId xmlns="" xmlns:a16="http://schemas.microsoft.com/office/drawing/2014/main" id="{614941AE-3D3C-4829-A8E8-DEF5ABA1A136}"/>
+                <a16:creationId xmlns:a16="http://schemas.microsoft.com/office/drawing/2014/main" xmlns="" id="{614941AE-3D3C-4829-A8E8-DEF5ABA1A136}"/>
               </a:ext>
             </a:extLst>
           </p:cNvPr>
@@ -2253,7 +2258,7 @@
           <p:cNvPr id="7" name="Дата 6">
             <a:extLst>
               <a:ext uri="{FF2B5EF4-FFF2-40B4-BE49-F238E27FC236}">
-                <a16:creationId xmlns="" xmlns:a16="http://schemas.microsoft.com/office/drawing/2014/main" id="{8788D684-D1C1-486C-A345-ED103447255A}"/>
+                <a16:creationId xmlns:a16="http://schemas.microsoft.com/office/drawing/2014/main" xmlns="" id="{8788D684-D1C1-486C-A345-ED103447255A}"/>
               </a:ext>
             </a:extLst>
           </p:cNvPr>
@@ -2278,7 +2283,7 @@
                 </a:solidFill>
               </a:rPr>
               <a:pPr/>
-              <a:t>11.12.2024</a:t>
+              <a:t>15.12.2024</a:t>
             </a:fld>
             <a:endParaRPr lang="ru-RU">
               <a:solidFill>
@@ -2295,7 +2300,7 @@
           <p:cNvPr id="8" name="Нижний колонтитул 7">
             <a:extLst>
               <a:ext uri="{FF2B5EF4-FFF2-40B4-BE49-F238E27FC236}">
-                <a16:creationId xmlns="" xmlns:a16="http://schemas.microsoft.com/office/drawing/2014/main" id="{BC79A696-74AE-453A-987B-08CFEED0915D}"/>
+                <a16:creationId xmlns:a16="http://schemas.microsoft.com/office/drawing/2014/main" xmlns="" id="{BC79A696-74AE-453A-987B-08CFEED0915D}"/>
               </a:ext>
             </a:extLst>
           </p:cNvPr>
@@ -2326,7 +2331,7 @@
           <p:cNvPr id="9" name="Номер слайда 8">
             <a:extLst>
               <a:ext uri="{FF2B5EF4-FFF2-40B4-BE49-F238E27FC236}">
-                <a16:creationId xmlns="" xmlns:a16="http://schemas.microsoft.com/office/drawing/2014/main" id="{865CC8BD-2946-4A70-B528-28D3A4731D3E}"/>
+                <a16:creationId xmlns:a16="http://schemas.microsoft.com/office/drawing/2014/main" xmlns="" id="{865CC8BD-2946-4A70-B528-28D3A4731D3E}"/>
               </a:ext>
             </a:extLst>
           </p:cNvPr>
@@ -2398,7 +2403,7 @@
           <p:cNvPr id="2" name="Заголовок 1">
             <a:extLst>
               <a:ext uri="{FF2B5EF4-FFF2-40B4-BE49-F238E27FC236}">
-                <a16:creationId xmlns="" xmlns:a16="http://schemas.microsoft.com/office/drawing/2014/main" id="{BBE3E4DA-137A-4AB1-A414-8BAABB289B44}"/>
+                <a16:creationId xmlns:a16="http://schemas.microsoft.com/office/drawing/2014/main" xmlns="" id="{BBE3E4DA-137A-4AB1-A414-8BAABB289B44}"/>
               </a:ext>
             </a:extLst>
           </p:cNvPr>
@@ -2426,7 +2431,7 @@
           <p:cNvPr id="3" name="Дата 2">
             <a:extLst>
               <a:ext uri="{FF2B5EF4-FFF2-40B4-BE49-F238E27FC236}">
-                <a16:creationId xmlns="" xmlns:a16="http://schemas.microsoft.com/office/drawing/2014/main" id="{92A8EBDB-DD44-4DFD-A719-27154064888D}"/>
+                <a16:creationId xmlns:a16="http://schemas.microsoft.com/office/drawing/2014/main" xmlns="" id="{92A8EBDB-DD44-4DFD-A719-27154064888D}"/>
               </a:ext>
             </a:extLst>
           </p:cNvPr>
@@ -2451,7 +2456,7 @@
                 </a:solidFill>
               </a:rPr>
               <a:pPr/>
-              <a:t>11.12.2024</a:t>
+              <a:t>15.12.2024</a:t>
             </a:fld>
             <a:endParaRPr lang="ru-RU">
               <a:solidFill>
@@ -2468,7 +2473,7 @@
           <p:cNvPr id="4" name="Нижний колонтитул 3">
             <a:extLst>
               <a:ext uri="{FF2B5EF4-FFF2-40B4-BE49-F238E27FC236}">
-                <a16:creationId xmlns="" xmlns:a16="http://schemas.microsoft.com/office/drawing/2014/main" id="{7FCB1F9F-2AC9-4B3B-BB3D-75DE2BC6AC22}"/>
+                <a16:creationId xmlns:a16="http://schemas.microsoft.com/office/drawing/2014/main" xmlns="" id="{7FCB1F9F-2AC9-4B3B-BB3D-75DE2BC6AC22}"/>
               </a:ext>
             </a:extLst>
           </p:cNvPr>
@@ -2499,7 +2504,7 @@
           <p:cNvPr id="5" name="Номер слайда 4">
             <a:extLst>
               <a:ext uri="{FF2B5EF4-FFF2-40B4-BE49-F238E27FC236}">
-                <a16:creationId xmlns="" xmlns:a16="http://schemas.microsoft.com/office/drawing/2014/main" id="{702C7962-6E0C-4704-9944-6A1F7320ABC2}"/>
+                <a16:creationId xmlns:a16="http://schemas.microsoft.com/office/drawing/2014/main" xmlns="" id="{702C7962-6E0C-4704-9944-6A1F7320ABC2}"/>
               </a:ext>
             </a:extLst>
           </p:cNvPr>
@@ -2571,7 +2576,7 @@
           <p:cNvPr id="2" name="Дата 1">
             <a:extLst>
               <a:ext uri="{FF2B5EF4-FFF2-40B4-BE49-F238E27FC236}">
-                <a16:creationId xmlns="" xmlns:a16="http://schemas.microsoft.com/office/drawing/2014/main" id="{FD7FC50E-5817-46DD-8AA2-395CCDBFE9FE}"/>
+                <a16:creationId xmlns:a16="http://schemas.microsoft.com/office/drawing/2014/main" xmlns="" id="{FD7FC50E-5817-46DD-8AA2-395CCDBFE9FE}"/>
               </a:ext>
             </a:extLst>
           </p:cNvPr>
@@ -2596,7 +2601,7 @@
                 </a:solidFill>
               </a:rPr>
               <a:pPr/>
-              <a:t>11.12.2024</a:t>
+              <a:t>15.12.2024</a:t>
             </a:fld>
             <a:endParaRPr lang="ru-RU">
               <a:solidFill>
@@ -2613,7 +2618,7 @@
           <p:cNvPr id="3" name="Нижний колонтитул 2">
             <a:extLst>
               <a:ext uri="{FF2B5EF4-FFF2-40B4-BE49-F238E27FC236}">
-                <a16:creationId xmlns="" xmlns:a16="http://schemas.microsoft.com/office/drawing/2014/main" id="{CFE81D92-EF85-4BA2-ADF0-838A9EF7ACCD}"/>
+                <a16:creationId xmlns:a16="http://schemas.microsoft.com/office/drawing/2014/main" xmlns="" id="{CFE81D92-EF85-4BA2-ADF0-838A9EF7ACCD}"/>
               </a:ext>
             </a:extLst>
           </p:cNvPr>
@@ -2644,7 +2649,7 @@
           <p:cNvPr id="4" name="Номер слайда 3">
             <a:extLst>
               <a:ext uri="{FF2B5EF4-FFF2-40B4-BE49-F238E27FC236}">
-                <a16:creationId xmlns="" xmlns:a16="http://schemas.microsoft.com/office/drawing/2014/main" id="{1CC181DA-FE2B-4E21-A375-7C6D4117A643}"/>
+                <a16:creationId xmlns:a16="http://schemas.microsoft.com/office/drawing/2014/main" xmlns="" id="{1CC181DA-FE2B-4E21-A375-7C6D4117A643}"/>
               </a:ext>
             </a:extLst>
           </p:cNvPr>
@@ -2716,7 +2721,7 @@
           <p:cNvPr id="2" name="Заголовок 1">
             <a:extLst>
               <a:ext uri="{FF2B5EF4-FFF2-40B4-BE49-F238E27FC236}">
-                <a16:creationId xmlns="" xmlns:a16="http://schemas.microsoft.com/office/drawing/2014/main" id="{123BFBA1-CC3D-4B94-841F-0296C1B78C7C}"/>
+                <a16:creationId xmlns:a16="http://schemas.microsoft.com/office/drawing/2014/main" xmlns="" id="{123BFBA1-CC3D-4B94-841F-0296C1B78C7C}"/>
               </a:ext>
             </a:extLst>
           </p:cNvPr>
@@ -2753,7 +2758,7 @@
           <p:cNvPr id="3" name="Объект 2">
             <a:extLst>
               <a:ext uri="{FF2B5EF4-FFF2-40B4-BE49-F238E27FC236}">
-                <a16:creationId xmlns="" xmlns:a16="http://schemas.microsoft.com/office/drawing/2014/main" id="{0AC1F87B-6400-4BB3-AC66-BFBD258E4F92}"/>
+                <a16:creationId xmlns:a16="http://schemas.microsoft.com/office/drawing/2014/main" xmlns="" id="{0AC1F87B-6400-4BB3-AC66-BFBD258E4F92}"/>
               </a:ext>
             </a:extLst>
           </p:cNvPr>
@@ -2843,7 +2848,7 @@
           <p:cNvPr id="4" name="Текст 3">
             <a:extLst>
               <a:ext uri="{FF2B5EF4-FFF2-40B4-BE49-F238E27FC236}">
-                <a16:creationId xmlns="" xmlns:a16="http://schemas.microsoft.com/office/drawing/2014/main" id="{72703A69-584B-47AF-8D54-B70BE0313C83}"/>
+                <a16:creationId xmlns:a16="http://schemas.microsoft.com/office/drawing/2014/main" xmlns="" id="{72703A69-584B-47AF-8D54-B70BE0313C83}"/>
               </a:ext>
             </a:extLst>
           </p:cNvPr>
@@ -2914,7 +2919,7 @@
           <p:cNvPr id="5" name="Дата 4">
             <a:extLst>
               <a:ext uri="{FF2B5EF4-FFF2-40B4-BE49-F238E27FC236}">
-                <a16:creationId xmlns="" xmlns:a16="http://schemas.microsoft.com/office/drawing/2014/main" id="{62040FA1-DD22-410A-9B4B-E485A4186111}"/>
+                <a16:creationId xmlns:a16="http://schemas.microsoft.com/office/drawing/2014/main" xmlns="" id="{62040FA1-DD22-410A-9B4B-E485A4186111}"/>
               </a:ext>
             </a:extLst>
           </p:cNvPr>
@@ -2939,7 +2944,7 @@
                 </a:solidFill>
               </a:rPr>
               <a:pPr/>
-              <a:t>11.12.2024</a:t>
+              <a:t>15.12.2024</a:t>
             </a:fld>
             <a:endParaRPr lang="ru-RU">
               <a:solidFill>
@@ -2956,7 +2961,7 @@
           <p:cNvPr id="6" name="Нижний колонтитул 5">
             <a:extLst>
               <a:ext uri="{FF2B5EF4-FFF2-40B4-BE49-F238E27FC236}">
-                <a16:creationId xmlns="" xmlns:a16="http://schemas.microsoft.com/office/drawing/2014/main" id="{D0E47DFF-90BF-4691-8599-8924CCFA96BA}"/>
+                <a16:creationId xmlns:a16="http://schemas.microsoft.com/office/drawing/2014/main" xmlns="" id="{D0E47DFF-90BF-4691-8599-8924CCFA96BA}"/>
               </a:ext>
             </a:extLst>
           </p:cNvPr>
@@ -2987,7 +2992,7 @@
           <p:cNvPr id="7" name="Номер слайда 6">
             <a:extLst>
               <a:ext uri="{FF2B5EF4-FFF2-40B4-BE49-F238E27FC236}">
-                <a16:creationId xmlns="" xmlns:a16="http://schemas.microsoft.com/office/drawing/2014/main" id="{D74EA17A-D4D9-494E-BE29-1ADEC6502A6A}"/>
+                <a16:creationId xmlns:a16="http://schemas.microsoft.com/office/drawing/2014/main" xmlns="" id="{D74EA17A-D4D9-494E-BE29-1ADEC6502A6A}"/>
               </a:ext>
             </a:extLst>
           </p:cNvPr>
@@ -3059,7 +3064,7 @@
           <p:cNvPr id="2" name="Заголовок 1">
             <a:extLst>
               <a:ext uri="{FF2B5EF4-FFF2-40B4-BE49-F238E27FC236}">
-                <a16:creationId xmlns="" xmlns:a16="http://schemas.microsoft.com/office/drawing/2014/main" id="{152195FB-2CE5-4E65-B9F8-5F1F3EC868D5}"/>
+                <a16:creationId xmlns:a16="http://schemas.microsoft.com/office/drawing/2014/main" xmlns="" id="{152195FB-2CE5-4E65-B9F8-5F1F3EC868D5}"/>
               </a:ext>
             </a:extLst>
           </p:cNvPr>
@@ -3087,7 +3092,7 @@
           <p:cNvPr id="3" name="Объект 2">
             <a:extLst>
               <a:ext uri="{FF2B5EF4-FFF2-40B4-BE49-F238E27FC236}">
-                <a16:creationId xmlns="" xmlns:a16="http://schemas.microsoft.com/office/drawing/2014/main" id="{47EBCDDF-3185-47D1-869B-6A6654E69730}"/>
+                <a16:creationId xmlns:a16="http://schemas.microsoft.com/office/drawing/2014/main" xmlns="" id="{47EBCDDF-3185-47D1-869B-6A6654E69730}"/>
               </a:ext>
             </a:extLst>
           </p:cNvPr>
@@ -3144,7 +3149,7 @@
           <p:cNvPr id="4" name="Дата 3">
             <a:extLst>
               <a:ext uri="{FF2B5EF4-FFF2-40B4-BE49-F238E27FC236}">
-                <a16:creationId xmlns="" xmlns:a16="http://schemas.microsoft.com/office/drawing/2014/main" id="{C701CEEF-C1DB-4DE4-BA25-598908BC0618}"/>
+                <a16:creationId xmlns:a16="http://schemas.microsoft.com/office/drawing/2014/main" xmlns="" id="{C701CEEF-C1DB-4DE4-BA25-598908BC0618}"/>
               </a:ext>
             </a:extLst>
           </p:cNvPr>
@@ -3169,7 +3174,7 @@
                 </a:solidFill>
               </a:rPr>
               <a:pPr/>
-              <a:t>11.12.2024</a:t>
+              <a:t>15.12.2024</a:t>
             </a:fld>
             <a:endParaRPr lang="ru-RU">
               <a:solidFill>
@@ -3186,7 +3191,7 @@
           <p:cNvPr id="5" name="Нижний колонтитул 4">
             <a:extLst>
               <a:ext uri="{FF2B5EF4-FFF2-40B4-BE49-F238E27FC236}">
-                <a16:creationId xmlns="" xmlns:a16="http://schemas.microsoft.com/office/drawing/2014/main" id="{83DDA5F6-7099-42A6-A39A-EB62D4B4D186}"/>
+                <a16:creationId xmlns:a16="http://schemas.microsoft.com/office/drawing/2014/main" xmlns="" id="{83DDA5F6-7099-42A6-A39A-EB62D4B4D186}"/>
               </a:ext>
             </a:extLst>
           </p:cNvPr>
@@ -3217,7 +3222,7 @@
           <p:cNvPr id="6" name="Номер слайда 5">
             <a:extLst>
               <a:ext uri="{FF2B5EF4-FFF2-40B4-BE49-F238E27FC236}">
-                <a16:creationId xmlns="" xmlns:a16="http://schemas.microsoft.com/office/drawing/2014/main" id="{A79188D9-3D73-4899-BA1C-F32851467359}"/>
+                <a16:creationId xmlns:a16="http://schemas.microsoft.com/office/drawing/2014/main" xmlns="" id="{A79188D9-3D73-4899-BA1C-F32851467359}"/>
               </a:ext>
             </a:extLst>
           </p:cNvPr>
@@ -3289,7 +3294,7 @@
           <p:cNvPr id="2" name="Заголовок 1">
             <a:extLst>
               <a:ext uri="{FF2B5EF4-FFF2-40B4-BE49-F238E27FC236}">
-                <a16:creationId xmlns="" xmlns:a16="http://schemas.microsoft.com/office/drawing/2014/main" id="{F49B463B-25E4-4D8B-9C8B-7A482EB6BE3D}"/>
+                <a16:creationId xmlns:a16="http://schemas.microsoft.com/office/drawing/2014/main" xmlns="" id="{F49B463B-25E4-4D8B-9C8B-7A482EB6BE3D}"/>
               </a:ext>
             </a:extLst>
           </p:cNvPr>
@@ -3326,7 +3331,7 @@
           <p:cNvPr id="3" name="Рисунок 2">
             <a:extLst>
               <a:ext uri="{FF2B5EF4-FFF2-40B4-BE49-F238E27FC236}">
-                <a16:creationId xmlns="" xmlns:a16="http://schemas.microsoft.com/office/drawing/2014/main" id="{83F0F355-59FE-4038-8971-D3ED35E922E9}"/>
+                <a16:creationId xmlns:a16="http://schemas.microsoft.com/office/drawing/2014/main" xmlns="" id="{83F0F355-59FE-4038-8971-D3ED35E922E9}"/>
               </a:ext>
             </a:extLst>
           </p:cNvPr>
@@ -3393,7 +3398,7 @@
           <p:cNvPr id="4" name="Текст 3">
             <a:extLst>
               <a:ext uri="{FF2B5EF4-FFF2-40B4-BE49-F238E27FC236}">
-                <a16:creationId xmlns="" xmlns:a16="http://schemas.microsoft.com/office/drawing/2014/main" id="{FDFB660D-13A9-4F42-8C06-195206E03A22}"/>
+                <a16:creationId xmlns:a16="http://schemas.microsoft.com/office/drawing/2014/main" xmlns="" id="{FDFB660D-13A9-4F42-8C06-195206E03A22}"/>
               </a:ext>
             </a:extLst>
           </p:cNvPr>
@@ -3464,7 +3469,7 @@
           <p:cNvPr id="5" name="Дата 4">
             <a:extLst>
               <a:ext uri="{FF2B5EF4-FFF2-40B4-BE49-F238E27FC236}">
-                <a16:creationId xmlns="" xmlns:a16="http://schemas.microsoft.com/office/drawing/2014/main" id="{32D3507F-9B66-4576-B797-A56FB4D769EA}"/>
+                <a16:creationId xmlns:a16="http://schemas.microsoft.com/office/drawing/2014/main" xmlns="" id="{32D3507F-9B66-4576-B797-A56FB4D769EA}"/>
               </a:ext>
             </a:extLst>
           </p:cNvPr>
@@ -3489,7 +3494,7 @@
                 </a:solidFill>
               </a:rPr>
               <a:pPr/>
-              <a:t>11.12.2024</a:t>
+              <a:t>15.12.2024</a:t>
             </a:fld>
             <a:endParaRPr lang="ru-RU">
               <a:solidFill>
@@ -3506,7 +3511,7 @@
           <p:cNvPr id="6" name="Нижний колонтитул 5">
             <a:extLst>
               <a:ext uri="{FF2B5EF4-FFF2-40B4-BE49-F238E27FC236}">
-                <a16:creationId xmlns="" xmlns:a16="http://schemas.microsoft.com/office/drawing/2014/main" id="{33E1C823-22DA-4E16-9A64-EAE2690E2671}"/>
+                <a16:creationId xmlns:a16="http://schemas.microsoft.com/office/drawing/2014/main" xmlns="" id="{33E1C823-22DA-4E16-9A64-EAE2690E2671}"/>
               </a:ext>
             </a:extLst>
           </p:cNvPr>
@@ -3537,7 +3542,7 @@
           <p:cNvPr id="7" name="Номер слайда 6">
             <a:extLst>
               <a:ext uri="{FF2B5EF4-FFF2-40B4-BE49-F238E27FC236}">
-                <a16:creationId xmlns="" xmlns:a16="http://schemas.microsoft.com/office/drawing/2014/main" id="{84A46F45-E6EA-41A3-A4D8-184446A9274B}"/>
+                <a16:creationId xmlns:a16="http://schemas.microsoft.com/office/drawing/2014/main" xmlns="" id="{84A46F45-E6EA-41A3-A4D8-184446A9274B}"/>
               </a:ext>
             </a:extLst>
           </p:cNvPr>
@@ -3609,7 +3614,7 @@
           <p:cNvPr id="2" name="Заголовок 1">
             <a:extLst>
               <a:ext uri="{FF2B5EF4-FFF2-40B4-BE49-F238E27FC236}">
-                <a16:creationId xmlns="" xmlns:a16="http://schemas.microsoft.com/office/drawing/2014/main" id="{6CF49AB5-D37A-48B1-B073-EAAC30C9FDEE}"/>
+                <a16:creationId xmlns:a16="http://schemas.microsoft.com/office/drawing/2014/main" xmlns="" id="{6CF49AB5-D37A-48B1-B073-EAAC30C9FDEE}"/>
               </a:ext>
             </a:extLst>
           </p:cNvPr>
@@ -3637,7 +3642,7 @@
           <p:cNvPr id="3" name="Вертикальный текст 2">
             <a:extLst>
               <a:ext uri="{FF2B5EF4-FFF2-40B4-BE49-F238E27FC236}">
-                <a16:creationId xmlns="" xmlns:a16="http://schemas.microsoft.com/office/drawing/2014/main" id="{7CE38227-3CF8-4F77-9CF2-1DB07A09D09E}"/>
+                <a16:creationId xmlns:a16="http://schemas.microsoft.com/office/drawing/2014/main" xmlns="" id="{7CE38227-3CF8-4F77-9CF2-1DB07A09D09E}"/>
               </a:ext>
             </a:extLst>
           </p:cNvPr>
@@ -3694,7 +3699,7 @@
           <p:cNvPr id="4" name="Дата 3">
             <a:extLst>
               <a:ext uri="{FF2B5EF4-FFF2-40B4-BE49-F238E27FC236}">
-                <a16:creationId xmlns="" xmlns:a16="http://schemas.microsoft.com/office/drawing/2014/main" id="{9AC2B907-4341-4FB3-8A7B-E872FFC8FB3D}"/>
+                <a16:creationId xmlns:a16="http://schemas.microsoft.com/office/drawing/2014/main" xmlns="" id="{9AC2B907-4341-4FB3-8A7B-E872FFC8FB3D}"/>
               </a:ext>
             </a:extLst>
           </p:cNvPr>
@@ -3719,7 +3724,7 @@
                 </a:solidFill>
               </a:rPr>
               <a:pPr/>
-              <a:t>11.12.2024</a:t>
+              <a:t>15.12.2024</a:t>
             </a:fld>
             <a:endParaRPr lang="ru-RU">
               <a:solidFill>
@@ -3736,7 +3741,7 @@
           <p:cNvPr id="5" name="Нижний колонтитул 4">
             <a:extLst>
               <a:ext uri="{FF2B5EF4-FFF2-40B4-BE49-F238E27FC236}">
-                <a16:creationId xmlns="" xmlns:a16="http://schemas.microsoft.com/office/drawing/2014/main" id="{DCA55E7E-1D8C-4B23-B3F6-1F61A2D7BE80}"/>
+                <a16:creationId xmlns:a16="http://schemas.microsoft.com/office/drawing/2014/main" xmlns="" id="{DCA55E7E-1D8C-4B23-B3F6-1F61A2D7BE80}"/>
               </a:ext>
             </a:extLst>
           </p:cNvPr>
@@ -3767,7 +3772,7 @@
           <p:cNvPr id="6" name="Номер слайда 5">
             <a:extLst>
               <a:ext uri="{FF2B5EF4-FFF2-40B4-BE49-F238E27FC236}">
-                <a16:creationId xmlns="" xmlns:a16="http://schemas.microsoft.com/office/drawing/2014/main" id="{83625A07-2FBB-4E11-A78A-F766603D93E9}"/>
+                <a16:creationId xmlns:a16="http://schemas.microsoft.com/office/drawing/2014/main" xmlns="" id="{83625A07-2FBB-4E11-A78A-F766603D93E9}"/>
               </a:ext>
             </a:extLst>
           </p:cNvPr>
@@ -3839,7 +3844,7 @@
           <p:cNvPr id="2" name="Вертикальный заголовок 1">
             <a:extLst>
               <a:ext uri="{FF2B5EF4-FFF2-40B4-BE49-F238E27FC236}">
-                <a16:creationId xmlns="" xmlns:a16="http://schemas.microsoft.com/office/drawing/2014/main" id="{F4698497-17CC-470F-98BB-C3A02E07D528}"/>
+                <a16:creationId xmlns:a16="http://schemas.microsoft.com/office/drawing/2014/main" xmlns="" id="{F4698497-17CC-470F-98BB-C3A02E07D528}"/>
               </a:ext>
             </a:extLst>
           </p:cNvPr>
@@ -3872,7 +3877,7 @@
           <p:cNvPr id="3" name="Вертикальный текст 2">
             <a:extLst>
               <a:ext uri="{FF2B5EF4-FFF2-40B4-BE49-F238E27FC236}">
-                <a16:creationId xmlns="" xmlns:a16="http://schemas.microsoft.com/office/drawing/2014/main" id="{49633681-BE9E-4E45-9190-12C77604575A}"/>
+                <a16:creationId xmlns:a16="http://schemas.microsoft.com/office/drawing/2014/main" xmlns="" id="{49633681-BE9E-4E45-9190-12C77604575A}"/>
               </a:ext>
             </a:extLst>
           </p:cNvPr>
@@ -3934,7 +3939,7 @@
           <p:cNvPr id="4" name="Дата 3">
             <a:extLst>
               <a:ext uri="{FF2B5EF4-FFF2-40B4-BE49-F238E27FC236}">
-                <a16:creationId xmlns="" xmlns:a16="http://schemas.microsoft.com/office/drawing/2014/main" id="{7DB77614-ECA3-4C9C-B413-883C6117EA91}"/>
+                <a16:creationId xmlns:a16="http://schemas.microsoft.com/office/drawing/2014/main" xmlns="" id="{7DB77614-ECA3-4C9C-B413-883C6117EA91}"/>
               </a:ext>
             </a:extLst>
           </p:cNvPr>
@@ -3959,7 +3964,7 @@
                 </a:solidFill>
               </a:rPr>
               <a:pPr/>
-              <a:t>11.12.2024</a:t>
+              <a:t>15.12.2024</a:t>
             </a:fld>
             <a:endParaRPr lang="ru-RU">
               <a:solidFill>
@@ -3976,7 +3981,7 @@
           <p:cNvPr id="5" name="Нижний колонтитул 4">
             <a:extLst>
               <a:ext uri="{FF2B5EF4-FFF2-40B4-BE49-F238E27FC236}">
-                <a16:creationId xmlns="" xmlns:a16="http://schemas.microsoft.com/office/drawing/2014/main" id="{85B8077F-087A-4957-A24F-19D421D28FDB}"/>
+                <a16:creationId xmlns:a16="http://schemas.microsoft.com/office/drawing/2014/main" xmlns="" id="{85B8077F-087A-4957-A24F-19D421D28FDB}"/>
               </a:ext>
             </a:extLst>
           </p:cNvPr>
@@ -4007,7 +4012,7 @@
           <p:cNvPr id="6" name="Номер слайда 5">
             <a:extLst>
               <a:ext uri="{FF2B5EF4-FFF2-40B4-BE49-F238E27FC236}">
-                <a16:creationId xmlns="" xmlns:a16="http://schemas.microsoft.com/office/drawing/2014/main" id="{E360F1AB-0A66-47A8-BBA1-0C3C8765F374}"/>
+                <a16:creationId xmlns:a16="http://schemas.microsoft.com/office/drawing/2014/main" xmlns="" id="{E360F1AB-0A66-47A8-BBA1-0C3C8765F374}"/>
               </a:ext>
             </a:extLst>
           </p:cNvPr>
@@ -4079,7 +4084,7 @@
           <p:cNvPr id="2" name="Заголовок 1">
             <a:extLst>
               <a:ext uri="{FF2B5EF4-FFF2-40B4-BE49-F238E27FC236}">
-                <a16:creationId xmlns="" xmlns:a16="http://schemas.microsoft.com/office/drawing/2014/main" id="{0A0D4E15-8A51-4299-9012-BAD6F55FD592}"/>
+                <a16:creationId xmlns:a16="http://schemas.microsoft.com/office/drawing/2014/main" xmlns="" id="{0A0D4E15-8A51-4299-9012-BAD6F55FD592}"/>
               </a:ext>
             </a:extLst>
           </p:cNvPr>
@@ -4116,7 +4121,7 @@
           <p:cNvPr id="3" name="Подзаголовок 2">
             <a:extLst>
               <a:ext uri="{FF2B5EF4-FFF2-40B4-BE49-F238E27FC236}">
-                <a16:creationId xmlns="" xmlns:a16="http://schemas.microsoft.com/office/drawing/2014/main" id="{36E08218-4EDA-45D3-AFAA-980ED054C2F0}"/>
+                <a16:creationId xmlns:a16="http://schemas.microsoft.com/office/drawing/2014/main" xmlns="" id="{36E08218-4EDA-45D3-AFAA-980ED054C2F0}"/>
               </a:ext>
             </a:extLst>
           </p:cNvPr>
@@ -4186,7 +4191,7 @@
           <p:cNvPr id="4" name="Дата 3">
             <a:extLst>
               <a:ext uri="{FF2B5EF4-FFF2-40B4-BE49-F238E27FC236}">
-                <a16:creationId xmlns="" xmlns:a16="http://schemas.microsoft.com/office/drawing/2014/main" id="{0C03B076-E891-438D-9EA2-A26EC370E018}"/>
+                <a16:creationId xmlns:a16="http://schemas.microsoft.com/office/drawing/2014/main" xmlns="" id="{0C03B076-E891-438D-9EA2-A26EC370E018}"/>
               </a:ext>
             </a:extLst>
           </p:cNvPr>
@@ -4211,7 +4216,7 @@
                 </a:solidFill>
               </a:rPr>
               <a:pPr/>
-              <a:t>11.12.2024</a:t>
+              <a:t>15.12.2024</a:t>
             </a:fld>
             <a:endParaRPr lang="ru-RU">
               <a:solidFill>
@@ -4228,7 +4233,7 @@
           <p:cNvPr id="5" name="Нижний колонтитул 4">
             <a:extLst>
               <a:ext uri="{FF2B5EF4-FFF2-40B4-BE49-F238E27FC236}">
-                <a16:creationId xmlns="" xmlns:a16="http://schemas.microsoft.com/office/drawing/2014/main" id="{03A0EEB7-CD0F-4AD2-BC74-0C8A23CF5C94}"/>
+                <a16:creationId xmlns:a16="http://schemas.microsoft.com/office/drawing/2014/main" xmlns="" id="{03A0EEB7-CD0F-4AD2-BC74-0C8A23CF5C94}"/>
               </a:ext>
             </a:extLst>
           </p:cNvPr>
@@ -4259,7 +4264,7 @@
           <p:cNvPr id="6" name="Номер слайда 5">
             <a:extLst>
               <a:ext uri="{FF2B5EF4-FFF2-40B4-BE49-F238E27FC236}">
-                <a16:creationId xmlns="" xmlns:a16="http://schemas.microsoft.com/office/drawing/2014/main" id="{C3C1B7AF-0B2C-4DF5-B40D-49BC5B419BA4}"/>
+                <a16:creationId xmlns:a16="http://schemas.microsoft.com/office/drawing/2014/main" xmlns="" id="{C3C1B7AF-0B2C-4DF5-B40D-49BC5B419BA4}"/>
               </a:ext>
             </a:extLst>
           </p:cNvPr>
@@ -4331,7 +4336,7 @@
           <p:cNvPr id="2" name="Заголовок 1">
             <a:extLst>
               <a:ext uri="{FF2B5EF4-FFF2-40B4-BE49-F238E27FC236}">
-                <a16:creationId xmlns="" xmlns:a16="http://schemas.microsoft.com/office/drawing/2014/main" id="{152195FB-2CE5-4E65-B9F8-5F1F3EC868D5}"/>
+                <a16:creationId xmlns:a16="http://schemas.microsoft.com/office/drawing/2014/main" xmlns="" id="{152195FB-2CE5-4E65-B9F8-5F1F3EC868D5}"/>
               </a:ext>
             </a:extLst>
           </p:cNvPr>
@@ -4359,7 +4364,7 @@
           <p:cNvPr id="3" name="Объект 2">
             <a:extLst>
               <a:ext uri="{FF2B5EF4-FFF2-40B4-BE49-F238E27FC236}">
-                <a16:creationId xmlns="" xmlns:a16="http://schemas.microsoft.com/office/drawing/2014/main" id="{47EBCDDF-3185-47D1-869B-6A6654E69730}"/>
+                <a16:creationId xmlns:a16="http://schemas.microsoft.com/office/drawing/2014/main" xmlns="" id="{47EBCDDF-3185-47D1-869B-6A6654E69730}"/>
               </a:ext>
             </a:extLst>
           </p:cNvPr>
@@ -4416,7 +4421,7 @@
           <p:cNvPr id="4" name="Дата 3">
             <a:extLst>
               <a:ext uri="{FF2B5EF4-FFF2-40B4-BE49-F238E27FC236}">
-                <a16:creationId xmlns="" xmlns:a16="http://schemas.microsoft.com/office/drawing/2014/main" id="{C701CEEF-C1DB-4DE4-BA25-598908BC0618}"/>
+                <a16:creationId xmlns:a16="http://schemas.microsoft.com/office/drawing/2014/main" xmlns="" id="{C701CEEF-C1DB-4DE4-BA25-598908BC0618}"/>
               </a:ext>
             </a:extLst>
           </p:cNvPr>
@@ -4441,7 +4446,7 @@
                 </a:solidFill>
               </a:rPr>
               <a:pPr/>
-              <a:t>11.12.2024</a:t>
+              <a:t>15.12.2024</a:t>
             </a:fld>
             <a:endParaRPr lang="ru-RU">
               <a:solidFill>
@@ -4458,7 +4463,7 @@
           <p:cNvPr id="5" name="Нижний колонтитул 4">
             <a:extLst>
               <a:ext uri="{FF2B5EF4-FFF2-40B4-BE49-F238E27FC236}">
-                <a16:creationId xmlns="" xmlns:a16="http://schemas.microsoft.com/office/drawing/2014/main" id="{83DDA5F6-7099-42A6-A39A-EB62D4B4D186}"/>
+                <a16:creationId xmlns:a16="http://schemas.microsoft.com/office/drawing/2014/main" xmlns="" id="{83DDA5F6-7099-42A6-A39A-EB62D4B4D186}"/>
               </a:ext>
             </a:extLst>
           </p:cNvPr>
@@ -4489,7 +4494,7 @@
           <p:cNvPr id="6" name="Номер слайда 5">
             <a:extLst>
               <a:ext uri="{FF2B5EF4-FFF2-40B4-BE49-F238E27FC236}">
-                <a16:creationId xmlns="" xmlns:a16="http://schemas.microsoft.com/office/drawing/2014/main" id="{A79188D9-3D73-4899-BA1C-F32851467359}"/>
+                <a16:creationId xmlns:a16="http://schemas.microsoft.com/office/drawing/2014/main" xmlns="" id="{A79188D9-3D73-4899-BA1C-F32851467359}"/>
               </a:ext>
             </a:extLst>
           </p:cNvPr>
@@ -4561,7 +4566,7 @@
           <p:cNvPr id="2" name="Заголовок 1">
             <a:extLst>
               <a:ext uri="{FF2B5EF4-FFF2-40B4-BE49-F238E27FC236}">
-                <a16:creationId xmlns="" xmlns:a16="http://schemas.microsoft.com/office/drawing/2014/main" id="{00B9177C-0711-487F-BF30-9BF41BD8A675}"/>
+                <a16:creationId xmlns:a16="http://schemas.microsoft.com/office/drawing/2014/main" xmlns="" id="{00B9177C-0711-487F-BF30-9BF41BD8A675}"/>
               </a:ext>
             </a:extLst>
           </p:cNvPr>
@@ -4598,7 +4603,7 @@
           <p:cNvPr id="3" name="Текст 2">
             <a:extLst>
               <a:ext uri="{FF2B5EF4-FFF2-40B4-BE49-F238E27FC236}">
-                <a16:creationId xmlns="" xmlns:a16="http://schemas.microsoft.com/office/drawing/2014/main" id="{F30EAC3C-217F-49B7-82B3-467ECA6F1B74}"/>
+                <a16:creationId xmlns:a16="http://schemas.microsoft.com/office/drawing/2014/main" xmlns="" id="{F30EAC3C-217F-49B7-82B3-467ECA6F1B74}"/>
               </a:ext>
             </a:extLst>
           </p:cNvPr>
@@ -4723,7 +4728,7 @@
           <p:cNvPr id="4" name="Дата 3">
             <a:extLst>
               <a:ext uri="{FF2B5EF4-FFF2-40B4-BE49-F238E27FC236}">
-                <a16:creationId xmlns="" xmlns:a16="http://schemas.microsoft.com/office/drawing/2014/main" id="{18D79551-1602-4AC2-93FE-1FB31A631BB5}"/>
+                <a16:creationId xmlns:a16="http://schemas.microsoft.com/office/drawing/2014/main" xmlns="" id="{18D79551-1602-4AC2-93FE-1FB31A631BB5}"/>
               </a:ext>
             </a:extLst>
           </p:cNvPr>
@@ -4748,7 +4753,7 @@
                 </a:solidFill>
               </a:rPr>
               <a:pPr/>
-              <a:t>11.12.2024</a:t>
+              <a:t>15.12.2024</a:t>
             </a:fld>
             <a:endParaRPr lang="ru-RU">
               <a:solidFill>
@@ -4765,7 +4770,7 @@
           <p:cNvPr id="5" name="Нижний колонтитул 4">
             <a:extLst>
               <a:ext uri="{FF2B5EF4-FFF2-40B4-BE49-F238E27FC236}">
-                <a16:creationId xmlns="" xmlns:a16="http://schemas.microsoft.com/office/drawing/2014/main" id="{03377386-1C75-422F-8DB9-56166B016305}"/>
+                <a16:creationId xmlns:a16="http://schemas.microsoft.com/office/drawing/2014/main" xmlns="" id="{03377386-1C75-422F-8DB9-56166B016305}"/>
               </a:ext>
             </a:extLst>
           </p:cNvPr>
@@ -4796,7 +4801,7 @@
           <p:cNvPr id="6" name="Номер слайда 5">
             <a:extLst>
               <a:ext uri="{FF2B5EF4-FFF2-40B4-BE49-F238E27FC236}">
-                <a16:creationId xmlns="" xmlns:a16="http://schemas.microsoft.com/office/drawing/2014/main" id="{4663C5E2-76E5-416B-86F4-A224FE476321}"/>
+                <a16:creationId xmlns:a16="http://schemas.microsoft.com/office/drawing/2014/main" xmlns="" id="{4663C5E2-76E5-416B-86F4-A224FE476321}"/>
               </a:ext>
             </a:extLst>
           </p:cNvPr>
@@ -4868,7 +4873,7 @@
           <p:cNvPr id="2" name="Заголовок 1">
             <a:extLst>
               <a:ext uri="{FF2B5EF4-FFF2-40B4-BE49-F238E27FC236}">
-                <a16:creationId xmlns="" xmlns:a16="http://schemas.microsoft.com/office/drawing/2014/main" id="{5D39CE7B-0C5D-4B82-A8B9-67695D68B497}"/>
+                <a16:creationId xmlns:a16="http://schemas.microsoft.com/office/drawing/2014/main" xmlns="" id="{5D39CE7B-0C5D-4B82-A8B9-67695D68B497}"/>
               </a:ext>
             </a:extLst>
           </p:cNvPr>
@@ -4896,7 +4901,7 @@
           <p:cNvPr id="3" name="Объект 2">
             <a:extLst>
               <a:ext uri="{FF2B5EF4-FFF2-40B4-BE49-F238E27FC236}">
-                <a16:creationId xmlns="" xmlns:a16="http://schemas.microsoft.com/office/drawing/2014/main" id="{C7C7F9EE-DD1E-402C-A4E3-EBF1A5D3B67E}"/>
+                <a16:creationId xmlns:a16="http://schemas.microsoft.com/office/drawing/2014/main" xmlns="" id="{C7C7F9EE-DD1E-402C-A4E3-EBF1A5D3B67E}"/>
               </a:ext>
             </a:extLst>
           </p:cNvPr>
@@ -4958,7 +4963,7 @@
           <p:cNvPr id="4" name="Объект 3">
             <a:extLst>
               <a:ext uri="{FF2B5EF4-FFF2-40B4-BE49-F238E27FC236}">
-                <a16:creationId xmlns="" xmlns:a16="http://schemas.microsoft.com/office/drawing/2014/main" id="{6640E14A-646E-4C70-8003-474DE5596FD6}"/>
+                <a16:creationId xmlns:a16="http://schemas.microsoft.com/office/drawing/2014/main" xmlns="" id="{6640E14A-646E-4C70-8003-474DE5596FD6}"/>
               </a:ext>
             </a:extLst>
           </p:cNvPr>
@@ -5020,7 +5025,7 @@
           <p:cNvPr id="5" name="Дата 4">
             <a:extLst>
               <a:ext uri="{FF2B5EF4-FFF2-40B4-BE49-F238E27FC236}">
-                <a16:creationId xmlns="" xmlns:a16="http://schemas.microsoft.com/office/drawing/2014/main" id="{F11DF215-3DFA-4224-B272-581EC99739FA}"/>
+                <a16:creationId xmlns:a16="http://schemas.microsoft.com/office/drawing/2014/main" xmlns="" id="{F11DF215-3DFA-4224-B272-581EC99739FA}"/>
               </a:ext>
             </a:extLst>
           </p:cNvPr>
@@ -5045,7 +5050,7 @@
                 </a:solidFill>
               </a:rPr>
               <a:pPr/>
-              <a:t>11.12.2024</a:t>
+              <a:t>15.12.2024</a:t>
             </a:fld>
             <a:endParaRPr lang="ru-RU">
               <a:solidFill>
@@ -5062,7 +5067,7 @@
           <p:cNvPr id="6" name="Нижний колонтитул 5">
             <a:extLst>
               <a:ext uri="{FF2B5EF4-FFF2-40B4-BE49-F238E27FC236}">
-                <a16:creationId xmlns="" xmlns:a16="http://schemas.microsoft.com/office/drawing/2014/main" id="{56ED47A9-A9F4-4F09-ACC8-551503988E95}"/>
+                <a16:creationId xmlns:a16="http://schemas.microsoft.com/office/drawing/2014/main" xmlns="" id="{56ED47A9-A9F4-4F09-ACC8-551503988E95}"/>
               </a:ext>
             </a:extLst>
           </p:cNvPr>
@@ -5093,7 +5098,7 @@
           <p:cNvPr id="7" name="Номер слайда 6">
             <a:extLst>
               <a:ext uri="{FF2B5EF4-FFF2-40B4-BE49-F238E27FC236}">
-                <a16:creationId xmlns="" xmlns:a16="http://schemas.microsoft.com/office/drawing/2014/main" id="{5781A6D9-A361-45E0-BC53-73CE9A64F236}"/>
+                <a16:creationId xmlns:a16="http://schemas.microsoft.com/office/drawing/2014/main" xmlns="" id="{5781A6D9-A361-45E0-BC53-73CE9A64F236}"/>
               </a:ext>
             </a:extLst>
           </p:cNvPr>
@@ -5165,7 +5170,7 @@
           <p:cNvPr id="2" name="Заголовок 1">
             <a:extLst>
               <a:ext uri="{FF2B5EF4-FFF2-40B4-BE49-F238E27FC236}">
-                <a16:creationId xmlns="" xmlns:a16="http://schemas.microsoft.com/office/drawing/2014/main" id="{DA7D677C-C7F0-4F3B-A6EA-AB20DE296BCE}"/>
+                <a16:creationId xmlns:a16="http://schemas.microsoft.com/office/drawing/2014/main" xmlns="" id="{DA7D677C-C7F0-4F3B-A6EA-AB20DE296BCE}"/>
               </a:ext>
             </a:extLst>
           </p:cNvPr>
@@ -5198,7 +5203,7 @@
           <p:cNvPr id="3" name="Текст 2">
             <a:extLst>
               <a:ext uri="{FF2B5EF4-FFF2-40B4-BE49-F238E27FC236}">
-                <a16:creationId xmlns="" xmlns:a16="http://schemas.microsoft.com/office/drawing/2014/main" id="{97D014BC-7ACA-49E6-A096-CCB619349370}"/>
+                <a16:creationId xmlns:a16="http://schemas.microsoft.com/office/drawing/2014/main" xmlns="" id="{97D014BC-7ACA-49E6-A096-CCB619349370}"/>
               </a:ext>
             </a:extLst>
           </p:cNvPr>
@@ -5269,7 +5274,7 @@
           <p:cNvPr id="4" name="Объект 3">
             <a:extLst>
               <a:ext uri="{FF2B5EF4-FFF2-40B4-BE49-F238E27FC236}">
-                <a16:creationId xmlns="" xmlns:a16="http://schemas.microsoft.com/office/drawing/2014/main" id="{BB8DE8A6-1AAA-4684-864D-FDB47C7D96F0}"/>
+                <a16:creationId xmlns:a16="http://schemas.microsoft.com/office/drawing/2014/main" xmlns="" id="{BB8DE8A6-1AAA-4684-864D-FDB47C7D96F0}"/>
               </a:ext>
             </a:extLst>
           </p:cNvPr>
@@ -5331,7 +5336,7 @@
           <p:cNvPr id="5" name="Текст 4">
             <a:extLst>
               <a:ext uri="{FF2B5EF4-FFF2-40B4-BE49-F238E27FC236}">
-                <a16:creationId xmlns="" xmlns:a16="http://schemas.microsoft.com/office/drawing/2014/main" id="{CBE1B1AE-17C6-467B-892C-7AC3F562B5D9}"/>
+                <a16:creationId xmlns:a16="http://schemas.microsoft.com/office/drawing/2014/main" xmlns="" id="{CBE1B1AE-17C6-467B-892C-7AC3F562B5D9}"/>
               </a:ext>
             </a:extLst>
           </p:cNvPr>
@@ -5402,7 +5407,7 @@
           <p:cNvPr id="6" name="Объект 5">
             <a:extLst>
               <a:ext uri="{FF2B5EF4-FFF2-40B4-BE49-F238E27FC236}">
-                <a16:creationId xmlns="" xmlns:a16="http://schemas.microsoft.com/office/drawing/2014/main" id="{614941AE-3D3C-4829-A8E8-DEF5ABA1A136}"/>
+                <a16:creationId xmlns:a16="http://schemas.microsoft.com/office/drawing/2014/main" xmlns="" id="{614941AE-3D3C-4829-A8E8-DEF5ABA1A136}"/>
               </a:ext>
             </a:extLst>
           </p:cNvPr>
@@ -5464,7 +5469,7 @@
           <p:cNvPr id="7" name="Дата 6">
             <a:extLst>
               <a:ext uri="{FF2B5EF4-FFF2-40B4-BE49-F238E27FC236}">
-                <a16:creationId xmlns="" xmlns:a16="http://schemas.microsoft.com/office/drawing/2014/main" id="{8788D684-D1C1-486C-A345-ED103447255A}"/>
+                <a16:creationId xmlns:a16="http://schemas.microsoft.com/office/drawing/2014/main" xmlns="" id="{8788D684-D1C1-486C-A345-ED103447255A}"/>
               </a:ext>
             </a:extLst>
           </p:cNvPr>
@@ -5489,7 +5494,7 @@
                 </a:solidFill>
               </a:rPr>
               <a:pPr/>
-              <a:t>11.12.2024</a:t>
+              <a:t>15.12.2024</a:t>
             </a:fld>
             <a:endParaRPr lang="ru-RU">
               <a:solidFill>
@@ -5506,7 +5511,7 @@
           <p:cNvPr id="8" name="Нижний колонтитул 7">
             <a:extLst>
               <a:ext uri="{FF2B5EF4-FFF2-40B4-BE49-F238E27FC236}">
-                <a16:creationId xmlns="" xmlns:a16="http://schemas.microsoft.com/office/drawing/2014/main" id="{BC79A696-74AE-453A-987B-08CFEED0915D}"/>
+                <a16:creationId xmlns:a16="http://schemas.microsoft.com/office/drawing/2014/main" xmlns="" id="{BC79A696-74AE-453A-987B-08CFEED0915D}"/>
               </a:ext>
             </a:extLst>
           </p:cNvPr>
@@ -5537,7 +5542,7 @@
           <p:cNvPr id="9" name="Номер слайда 8">
             <a:extLst>
               <a:ext uri="{FF2B5EF4-FFF2-40B4-BE49-F238E27FC236}">
-                <a16:creationId xmlns="" xmlns:a16="http://schemas.microsoft.com/office/drawing/2014/main" id="{865CC8BD-2946-4A70-B528-28D3A4731D3E}"/>
+                <a16:creationId xmlns:a16="http://schemas.microsoft.com/office/drawing/2014/main" xmlns="" id="{865CC8BD-2946-4A70-B528-28D3A4731D3E}"/>
               </a:ext>
             </a:extLst>
           </p:cNvPr>
@@ -5609,7 +5614,7 @@
           <p:cNvPr id="2" name="Заголовок 1">
             <a:extLst>
               <a:ext uri="{FF2B5EF4-FFF2-40B4-BE49-F238E27FC236}">
-                <a16:creationId xmlns="" xmlns:a16="http://schemas.microsoft.com/office/drawing/2014/main" id="{BBE3E4DA-137A-4AB1-A414-8BAABB289B44}"/>
+                <a16:creationId xmlns:a16="http://schemas.microsoft.com/office/drawing/2014/main" xmlns="" id="{BBE3E4DA-137A-4AB1-A414-8BAABB289B44}"/>
               </a:ext>
             </a:extLst>
           </p:cNvPr>
@@ -5637,7 +5642,7 @@
           <p:cNvPr id="3" name="Дата 2">
             <a:extLst>
               <a:ext uri="{FF2B5EF4-FFF2-40B4-BE49-F238E27FC236}">
-                <a16:creationId xmlns="" xmlns:a16="http://schemas.microsoft.com/office/drawing/2014/main" id="{92A8EBDB-DD44-4DFD-A719-27154064888D}"/>
+                <a16:creationId xmlns:a16="http://schemas.microsoft.com/office/drawing/2014/main" xmlns="" id="{92A8EBDB-DD44-4DFD-A719-27154064888D}"/>
               </a:ext>
             </a:extLst>
           </p:cNvPr>
@@ -5662,7 +5667,7 @@
                 </a:solidFill>
               </a:rPr>
               <a:pPr/>
-              <a:t>11.12.2024</a:t>
+              <a:t>15.12.2024</a:t>
             </a:fld>
             <a:endParaRPr lang="ru-RU">
               <a:solidFill>
@@ -5679,7 +5684,7 @@
           <p:cNvPr id="4" name="Нижний колонтитул 3">
             <a:extLst>
               <a:ext uri="{FF2B5EF4-FFF2-40B4-BE49-F238E27FC236}">
-                <a16:creationId xmlns="" xmlns:a16="http://schemas.microsoft.com/office/drawing/2014/main" id="{7FCB1F9F-2AC9-4B3B-BB3D-75DE2BC6AC22}"/>
+                <a16:creationId xmlns:a16="http://schemas.microsoft.com/office/drawing/2014/main" xmlns="" id="{7FCB1F9F-2AC9-4B3B-BB3D-75DE2BC6AC22}"/>
               </a:ext>
             </a:extLst>
           </p:cNvPr>
@@ -5710,7 +5715,7 @@
           <p:cNvPr id="5" name="Номер слайда 4">
             <a:extLst>
               <a:ext uri="{FF2B5EF4-FFF2-40B4-BE49-F238E27FC236}">
-                <a16:creationId xmlns="" xmlns:a16="http://schemas.microsoft.com/office/drawing/2014/main" id="{702C7962-6E0C-4704-9944-6A1F7320ABC2}"/>
+                <a16:creationId xmlns:a16="http://schemas.microsoft.com/office/drawing/2014/main" xmlns="" id="{702C7962-6E0C-4704-9944-6A1F7320ABC2}"/>
               </a:ext>
             </a:extLst>
           </p:cNvPr>
@@ -5782,7 +5787,7 @@
           <p:cNvPr id="2" name="Дата 1">
             <a:extLst>
               <a:ext uri="{FF2B5EF4-FFF2-40B4-BE49-F238E27FC236}">
-                <a16:creationId xmlns="" xmlns:a16="http://schemas.microsoft.com/office/drawing/2014/main" id="{FD7FC50E-5817-46DD-8AA2-395CCDBFE9FE}"/>
+                <a16:creationId xmlns:a16="http://schemas.microsoft.com/office/drawing/2014/main" xmlns="" id="{FD7FC50E-5817-46DD-8AA2-395CCDBFE9FE}"/>
               </a:ext>
             </a:extLst>
           </p:cNvPr>
@@ -5807,7 +5812,7 @@
                 </a:solidFill>
               </a:rPr>
               <a:pPr/>
-              <a:t>11.12.2024</a:t>
+              <a:t>15.12.2024</a:t>
             </a:fld>
             <a:endParaRPr lang="ru-RU">
               <a:solidFill>
@@ -5824,7 +5829,7 @@
           <p:cNvPr id="3" name="Нижний колонтитул 2">
             <a:extLst>
               <a:ext uri="{FF2B5EF4-FFF2-40B4-BE49-F238E27FC236}">
-                <a16:creationId xmlns="" xmlns:a16="http://schemas.microsoft.com/office/drawing/2014/main" id="{CFE81D92-EF85-4BA2-ADF0-838A9EF7ACCD}"/>
+                <a16:creationId xmlns:a16="http://schemas.microsoft.com/office/drawing/2014/main" xmlns="" id="{CFE81D92-EF85-4BA2-ADF0-838A9EF7ACCD}"/>
               </a:ext>
             </a:extLst>
           </p:cNvPr>
@@ -5855,7 +5860,7 @@
           <p:cNvPr id="4" name="Номер слайда 3">
             <a:extLst>
               <a:ext uri="{FF2B5EF4-FFF2-40B4-BE49-F238E27FC236}">
-                <a16:creationId xmlns="" xmlns:a16="http://schemas.microsoft.com/office/drawing/2014/main" id="{1CC181DA-FE2B-4E21-A375-7C6D4117A643}"/>
+                <a16:creationId xmlns:a16="http://schemas.microsoft.com/office/drawing/2014/main" xmlns="" id="{1CC181DA-FE2B-4E21-A375-7C6D4117A643}"/>
               </a:ext>
             </a:extLst>
           </p:cNvPr>
@@ -5927,7 +5932,7 @@
           <p:cNvPr id="2" name="Заголовок 1">
             <a:extLst>
               <a:ext uri="{FF2B5EF4-FFF2-40B4-BE49-F238E27FC236}">
-                <a16:creationId xmlns="" xmlns:a16="http://schemas.microsoft.com/office/drawing/2014/main" id="{00B9177C-0711-487F-BF30-9BF41BD8A675}"/>
+                <a16:creationId xmlns:a16="http://schemas.microsoft.com/office/drawing/2014/main" xmlns="" id="{00B9177C-0711-487F-BF30-9BF41BD8A675}"/>
               </a:ext>
             </a:extLst>
           </p:cNvPr>
@@ -5964,7 +5969,7 @@
           <p:cNvPr id="3" name="Текст 2">
             <a:extLst>
               <a:ext uri="{FF2B5EF4-FFF2-40B4-BE49-F238E27FC236}">
-                <a16:creationId xmlns="" xmlns:a16="http://schemas.microsoft.com/office/drawing/2014/main" id="{F30EAC3C-217F-49B7-82B3-467ECA6F1B74}"/>
+                <a16:creationId xmlns:a16="http://schemas.microsoft.com/office/drawing/2014/main" xmlns="" id="{F30EAC3C-217F-49B7-82B3-467ECA6F1B74}"/>
               </a:ext>
             </a:extLst>
           </p:cNvPr>
@@ -6089,7 +6094,7 @@
           <p:cNvPr id="4" name="Дата 3">
             <a:extLst>
               <a:ext uri="{FF2B5EF4-FFF2-40B4-BE49-F238E27FC236}">
-                <a16:creationId xmlns="" xmlns:a16="http://schemas.microsoft.com/office/drawing/2014/main" id="{18D79551-1602-4AC2-93FE-1FB31A631BB5}"/>
+                <a16:creationId xmlns:a16="http://schemas.microsoft.com/office/drawing/2014/main" xmlns="" id="{18D79551-1602-4AC2-93FE-1FB31A631BB5}"/>
               </a:ext>
             </a:extLst>
           </p:cNvPr>
@@ -6114,7 +6119,7 @@
                 </a:solidFill>
               </a:rPr>
               <a:pPr/>
-              <a:t>11.12.2024</a:t>
+              <a:t>15.12.2024</a:t>
             </a:fld>
             <a:endParaRPr lang="ru-RU">
               <a:solidFill>
@@ -6131,7 +6136,7 @@
           <p:cNvPr id="5" name="Нижний колонтитул 4">
             <a:extLst>
               <a:ext uri="{FF2B5EF4-FFF2-40B4-BE49-F238E27FC236}">
-                <a16:creationId xmlns="" xmlns:a16="http://schemas.microsoft.com/office/drawing/2014/main" id="{03377386-1C75-422F-8DB9-56166B016305}"/>
+                <a16:creationId xmlns:a16="http://schemas.microsoft.com/office/drawing/2014/main" xmlns="" id="{03377386-1C75-422F-8DB9-56166B016305}"/>
               </a:ext>
             </a:extLst>
           </p:cNvPr>
@@ -6162,7 +6167,7 @@
           <p:cNvPr id="6" name="Номер слайда 5">
             <a:extLst>
               <a:ext uri="{FF2B5EF4-FFF2-40B4-BE49-F238E27FC236}">
-                <a16:creationId xmlns="" xmlns:a16="http://schemas.microsoft.com/office/drawing/2014/main" id="{4663C5E2-76E5-416B-86F4-A224FE476321}"/>
+                <a16:creationId xmlns:a16="http://schemas.microsoft.com/office/drawing/2014/main" xmlns="" id="{4663C5E2-76E5-416B-86F4-A224FE476321}"/>
               </a:ext>
             </a:extLst>
           </p:cNvPr>
@@ -6234,7 +6239,7 @@
           <p:cNvPr id="2" name="Заголовок 1">
             <a:extLst>
               <a:ext uri="{FF2B5EF4-FFF2-40B4-BE49-F238E27FC236}">
-                <a16:creationId xmlns="" xmlns:a16="http://schemas.microsoft.com/office/drawing/2014/main" id="{123BFBA1-CC3D-4B94-841F-0296C1B78C7C}"/>
+                <a16:creationId xmlns:a16="http://schemas.microsoft.com/office/drawing/2014/main" xmlns="" id="{123BFBA1-CC3D-4B94-841F-0296C1B78C7C}"/>
               </a:ext>
             </a:extLst>
           </p:cNvPr>
@@ -6271,7 +6276,7 @@
           <p:cNvPr id="3" name="Объект 2">
             <a:extLst>
               <a:ext uri="{FF2B5EF4-FFF2-40B4-BE49-F238E27FC236}">
-                <a16:creationId xmlns="" xmlns:a16="http://schemas.microsoft.com/office/drawing/2014/main" id="{0AC1F87B-6400-4BB3-AC66-BFBD258E4F92}"/>
+                <a16:creationId xmlns:a16="http://schemas.microsoft.com/office/drawing/2014/main" xmlns="" id="{0AC1F87B-6400-4BB3-AC66-BFBD258E4F92}"/>
               </a:ext>
             </a:extLst>
           </p:cNvPr>
@@ -6361,7 +6366,7 @@
           <p:cNvPr id="4" name="Текст 3">
             <a:extLst>
               <a:ext uri="{FF2B5EF4-FFF2-40B4-BE49-F238E27FC236}">
-                <a16:creationId xmlns="" xmlns:a16="http://schemas.microsoft.com/office/drawing/2014/main" id="{72703A69-584B-47AF-8D54-B70BE0313C83}"/>
+                <a16:creationId xmlns:a16="http://schemas.microsoft.com/office/drawing/2014/main" xmlns="" id="{72703A69-584B-47AF-8D54-B70BE0313C83}"/>
               </a:ext>
             </a:extLst>
           </p:cNvPr>
@@ -6432,7 +6437,7 @@
           <p:cNvPr id="5" name="Дата 4">
             <a:extLst>
               <a:ext uri="{FF2B5EF4-FFF2-40B4-BE49-F238E27FC236}">
-                <a16:creationId xmlns="" xmlns:a16="http://schemas.microsoft.com/office/drawing/2014/main" id="{62040FA1-DD22-410A-9B4B-E485A4186111}"/>
+                <a16:creationId xmlns:a16="http://schemas.microsoft.com/office/drawing/2014/main" xmlns="" id="{62040FA1-DD22-410A-9B4B-E485A4186111}"/>
               </a:ext>
             </a:extLst>
           </p:cNvPr>
@@ -6457,7 +6462,7 @@
                 </a:solidFill>
               </a:rPr>
               <a:pPr/>
-              <a:t>11.12.2024</a:t>
+              <a:t>15.12.2024</a:t>
             </a:fld>
             <a:endParaRPr lang="ru-RU">
               <a:solidFill>
@@ -6474,7 +6479,7 @@
           <p:cNvPr id="6" name="Нижний колонтитул 5">
             <a:extLst>
               <a:ext uri="{FF2B5EF4-FFF2-40B4-BE49-F238E27FC236}">
-                <a16:creationId xmlns="" xmlns:a16="http://schemas.microsoft.com/office/drawing/2014/main" id="{D0E47DFF-90BF-4691-8599-8924CCFA96BA}"/>
+                <a16:creationId xmlns:a16="http://schemas.microsoft.com/office/drawing/2014/main" xmlns="" id="{D0E47DFF-90BF-4691-8599-8924CCFA96BA}"/>
               </a:ext>
             </a:extLst>
           </p:cNvPr>
@@ -6505,7 +6510,7 @@
           <p:cNvPr id="7" name="Номер слайда 6">
             <a:extLst>
               <a:ext uri="{FF2B5EF4-FFF2-40B4-BE49-F238E27FC236}">
-                <a16:creationId xmlns="" xmlns:a16="http://schemas.microsoft.com/office/drawing/2014/main" id="{D74EA17A-D4D9-494E-BE29-1ADEC6502A6A}"/>
+                <a16:creationId xmlns:a16="http://schemas.microsoft.com/office/drawing/2014/main" xmlns="" id="{D74EA17A-D4D9-494E-BE29-1ADEC6502A6A}"/>
               </a:ext>
             </a:extLst>
           </p:cNvPr>
@@ -6577,7 +6582,7 @@
           <p:cNvPr id="2" name="Заголовок 1">
             <a:extLst>
               <a:ext uri="{FF2B5EF4-FFF2-40B4-BE49-F238E27FC236}">
-                <a16:creationId xmlns="" xmlns:a16="http://schemas.microsoft.com/office/drawing/2014/main" id="{F49B463B-25E4-4D8B-9C8B-7A482EB6BE3D}"/>
+                <a16:creationId xmlns:a16="http://schemas.microsoft.com/office/drawing/2014/main" xmlns="" id="{F49B463B-25E4-4D8B-9C8B-7A482EB6BE3D}"/>
               </a:ext>
             </a:extLst>
           </p:cNvPr>
@@ -6614,7 +6619,7 @@
           <p:cNvPr id="3" name="Рисунок 2">
             <a:extLst>
               <a:ext uri="{FF2B5EF4-FFF2-40B4-BE49-F238E27FC236}">
-                <a16:creationId xmlns="" xmlns:a16="http://schemas.microsoft.com/office/drawing/2014/main" id="{83F0F355-59FE-4038-8971-D3ED35E922E9}"/>
+                <a16:creationId xmlns:a16="http://schemas.microsoft.com/office/drawing/2014/main" xmlns="" id="{83F0F355-59FE-4038-8971-D3ED35E922E9}"/>
               </a:ext>
             </a:extLst>
           </p:cNvPr>
@@ -6681,7 +6686,7 @@
           <p:cNvPr id="4" name="Текст 3">
             <a:extLst>
               <a:ext uri="{FF2B5EF4-FFF2-40B4-BE49-F238E27FC236}">
-                <a16:creationId xmlns="" xmlns:a16="http://schemas.microsoft.com/office/drawing/2014/main" id="{FDFB660D-13A9-4F42-8C06-195206E03A22}"/>
+                <a16:creationId xmlns:a16="http://schemas.microsoft.com/office/drawing/2014/main" xmlns="" id="{FDFB660D-13A9-4F42-8C06-195206E03A22}"/>
               </a:ext>
             </a:extLst>
           </p:cNvPr>
@@ -6752,7 +6757,7 @@
           <p:cNvPr id="5" name="Дата 4">
             <a:extLst>
               <a:ext uri="{FF2B5EF4-FFF2-40B4-BE49-F238E27FC236}">
-                <a16:creationId xmlns="" xmlns:a16="http://schemas.microsoft.com/office/drawing/2014/main" id="{32D3507F-9B66-4576-B797-A56FB4D769EA}"/>
+                <a16:creationId xmlns:a16="http://schemas.microsoft.com/office/drawing/2014/main" xmlns="" id="{32D3507F-9B66-4576-B797-A56FB4D769EA}"/>
               </a:ext>
             </a:extLst>
           </p:cNvPr>
@@ -6777,7 +6782,7 @@
                 </a:solidFill>
               </a:rPr>
               <a:pPr/>
-              <a:t>11.12.2024</a:t>
+              <a:t>15.12.2024</a:t>
             </a:fld>
             <a:endParaRPr lang="ru-RU">
               <a:solidFill>
@@ -6794,7 +6799,7 @@
           <p:cNvPr id="6" name="Нижний колонтитул 5">
             <a:extLst>
               <a:ext uri="{FF2B5EF4-FFF2-40B4-BE49-F238E27FC236}">
-                <a16:creationId xmlns="" xmlns:a16="http://schemas.microsoft.com/office/drawing/2014/main" id="{33E1C823-22DA-4E16-9A64-EAE2690E2671}"/>
+                <a16:creationId xmlns:a16="http://schemas.microsoft.com/office/drawing/2014/main" xmlns="" id="{33E1C823-22DA-4E16-9A64-EAE2690E2671}"/>
               </a:ext>
             </a:extLst>
           </p:cNvPr>
@@ -6825,7 +6830,7 @@
           <p:cNvPr id="7" name="Номер слайда 6">
             <a:extLst>
               <a:ext uri="{FF2B5EF4-FFF2-40B4-BE49-F238E27FC236}">
-                <a16:creationId xmlns="" xmlns:a16="http://schemas.microsoft.com/office/drawing/2014/main" id="{84A46F45-E6EA-41A3-A4D8-184446A9274B}"/>
+                <a16:creationId xmlns:a16="http://schemas.microsoft.com/office/drawing/2014/main" xmlns="" id="{84A46F45-E6EA-41A3-A4D8-184446A9274B}"/>
               </a:ext>
             </a:extLst>
           </p:cNvPr>
@@ -6897,7 +6902,7 @@
           <p:cNvPr id="2" name="Заголовок 1">
             <a:extLst>
               <a:ext uri="{FF2B5EF4-FFF2-40B4-BE49-F238E27FC236}">
-                <a16:creationId xmlns="" xmlns:a16="http://schemas.microsoft.com/office/drawing/2014/main" id="{6CF49AB5-D37A-48B1-B073-EAAC30C9FDEE}"/>
+                <a16:creationId xmlns:a16="http://schemas.microsoft.com/office/drawing/2014/main" xmlns="" id="{6CF49AB5-D37A-48B1-B073-EAAC30C9FDEE}"/>
               </a:ext>
             </a:extLst>
           </p:cNvPr>
@@ -6925,7 +6930,7 @@
           <p:cNvPr id="3" name="Вертикальный текст 2">
             <a:extLst>
               <a:ext uri="{FF2B5EF4-FFF2-40B4-BE49-F238E27FC236}">
-                <a16:creationId xmlns="" xmlns:a16="http://schemas.microsoft.com/office/drawing/2014/main" id="{7CE38227-3CF8-4F77-9CF2-1DB07A09D09E}"/>
+                <a16:creationId xmlns:a16="http://schemas.microsoft.com/office/drawing/2014/main" xmlns="" id="{7CE38227-3CF8-4F77-9CF2-1DB07A09D09E}"/>
               </a:ext>
             </a:extLst>
           </p:cNvPr>
@@ -6982,7 +6987,7 @@
           <p:cNvPr id="4" name="Дата 3">
             <a:extLst>
               <a:ext uri="{FF2B5EF4-FFF2-40B4-BE49-F238E27FC236}">
-                <a16:creationId xmlns="" xmlns:a16="http://schemas.microsoft.com/office/drawing/2014/main" id="{9AC2B907-4341-4FB3-8A7B-E872FFC8FB3D}"/>
+                <a16:creationId xmlns:a16="http://schemas.microsoft.com/office/drawing/2014/main" xmlns="" id="{9AC2B907-4341-4FB3-8A7B-E872FFC8FB3D}"/>
               </a:ext>
             </a:extLst>
           </p:cNvPr>
@@ -7007,7 +7012,7 @@
                 </a:solidFill>
               </a:rPr>
               <a:pPr/>
-              <a:t>11.12.2024</a:t>
+              <a:t>15.12.2024</a:t>
             </a:fld>
             <a:endParaRPr lang="ru-RU">
               <a:solidFill>
@@ -7024,7 +7029,7 @@
           <p:cNvPr id="5" name="Нижний колонтитул 4">
             <a:extLst>
               <a:ext uri="{FF2B5EF4-FFF2-40B4-BE49-F238E27FC236}">
-                <a16:creationId xmlns="" xmlns:a16="http://schemas.microsoft.com/office/drawing/2014/main" id="{DCA55E7E-1D8C-4B23-B3F6-1F61A2D7BE80}"/>
+                <a16:creationId xmlns:a16="http://schemas.microsoft.com/office/drawing/2014/main" xmlns="" id="{DCA55E7E-1D8C-4B23-B3F6-1F61A2D7BE80}"/>
               </a:ext>
             </a:extLst>
           </p:cNvPr>
@@ -7055,7 +7060,7 @@
           <p:cNvPr id="6" name="Номер слайда 5">
             <a:extLst>
               <a:ext uri="{FF2B5EF4-FFF2-40B4-BE49-F238E27FC236}">
-                <a16:creationId xmlns="" xmlns:a16="http://schemas.microsoft.com/office/drawing/2014/main" id="{83625A07-2FBB-4E11-A78A-F766603D93E9}"/>
+                <a16:creationId xmlns:a16="http://schemas.microsoft.com/office/drawing/2014/main" xmlns="" id="{83625A07-2FBB-4E11-A78A-F766603D93E9}"/>
               </a:ext>
             </a:extLst>
           </p:cNvPr>
@@ -7127,7 +7132,7 @@
           <p:cNvPr id="2" name="Вертикальный заголовок 1">
             <a:extLst>
               <a:ext uri="{FF2B5EF4-FFF2-40B4-BE49-F238E27FC236}">
-                <a16:creationId xmlns="" xmlns:a16="http://schemas.microsoft.com/office/drawing/2014/main" id="{F4698497-17CC-470F-98BB-C3A02E07D528}"/>
+                <a16:creationId xmlns:a16="http://schemas.microsoft.com/office/drawing/2014/main" xmlns="" id="{F4698497-17CC-470F-98BB-C3A02E07D528}"/>
               </a:ext>
             </a:extLst>
           </p:cNvPr>
@@ -7160,7 +7165,7 @@
           <p:cNvPr id="3" name="Вертикальный текст 2">
             <a:extLst>
               <a:ext uri="{FF2B5EF4-FFF2-40B4-BE49-F238E27FC236}">
-                <a16:creationId xmlns="" xmlns:a16="http://schemas.microsoft.com/office/drawing/2014/main" id="{49633681-BE9E-4E45-9190-12C77604575A}"/>
+                <a16:creationId xmlns:a16="http://schemas.microsoft.com/office/drawing/2014/main" xmlns="" id="{49633681-BE9E-4E45-9190-12C77604575A}"/>
               </a:ext>
             </a:extLst>
           </p:cNvPr>
@@ -7222,7 +7227,7 @@
           <p:cNvPr id="4" name="Дата 3">
             <a:extLst>
               <a:ext uri="{FF2B5EF4-FFF2-40B4-BE49-F238E27FC236}">
-                <a16:creationId xmlns="" xmlns:a16="http://schemas.microsoft.com/office/drawing/2014/main" id="{7DB77614-ECA3-4C9C-B413-883C6117EA91}"/>
+                <a16:creationId xmlns:a16="http://schemas.microsoft.com/office/drawing/2014/main" xmlns="" id="{7DB77614-ECA3-4C9C-B413-883C6117EA91}"/>
               </a:ext>
             </a:extLst>
           </p:cNvPr>
@@ -7247,7 +7252,7 @@
                 </a:solidFill>
               </a:rPr>
               <a:pPr/>
-              <a:t>11.12.2024</a:t>
+              <a:t>15.12.2024</a:t>
             </a:fld>
             <a:endParaRPr lang="ru-RU">
               <a:solidFill>
@@ -7264,7 +7269,7 @@
           <p:cNvPr id="5" name="Нижний колонтитул 4">
             <a:extLst>
               <a:ext uri="{FF2B5EF4-FFF2-40B4-BE49-F238E27FC236}">
-                <a16:creationId xmlns="" xmlns:a16="http://schemas.microsoft.com/office/drawing/2014/main" id="{85B8077F-087A-4957-A24F-19D421D28FDB}"/>
+                <a16:creationId xmlns:a16="http://schemas.microsoft.com/office/drawing/2014/main" xmlns="" id="{85B8077F-087A-4957-A24F-19D421D28FDB}"/>
               </a:ext>
             </a:extLst>
           </p:cNvPr>
@@ -7295,7 +7300,7 @@
           <p:cNvPr id="6" name="Номер слайда 5">
             <a:extLst>
               <a:ext uri="{FF2B5EF4-FFF2-40B4-BE49-F238E27FC236}">
-                <a16:creationId xmlns="" xmlns:a16="http://schemas.microsoft.com/office/drawing/2014/main" id="{E360F1AB-0A66-47A8-BBA1-0C3C8765F374}"/>
+                <a16:creationId xmlns:a16="http://schemas.microsoft.com/office/drawing/2014/main" xmlns="" id="{E360F1AB-0A66-47A8-BBA1-0C3C8765F374}"/>
               </a:ext>
             </a:extLst>
           </p:cNvPr>
@@ -7367,7 +7372,7 @@
           <p:cNvPr id="2" name="Заголовок 1">
             <a:extLst>
               <a:ext uri="{FF2B5EF4-FFF2-40B4-BE49-F238E27FC236}">
-                <a16:creationId xmlns="" xmlns:a16="http://schemas.microsoft.com/office/drawing/2014/main" id="{0A0D4E15-8A51-4299-9012-BAD6F55FD592}"/>
+                <a16:creationId xmlns:a16="http://schemas.microsoft.com/office/drawing/2014/main" xmlns="" id="{0A0D4E15-8A51-4299-9012-BAD6F55FD592}"/>
               </a:ext>
             </a:extLst>
           </p:cNvPr>
@@ -7404,7 +7409,7 @@
           <p:cNvPr id="3" name="Подзаголовок 2">
             <a:extLst>
               <a:ext uri="{FF2B5EF4-FFF2-40B4-BE49-F238E27FC236}">
-                <a16:creationId xmlns="" xmlns:a16="http://schemas.microsoft.com/office/drawing/2014/main" id="{36E08218-4EDA-45D3-AFAA-980ED054C2F0}"/>
+                <a16:creationId xmlns:a16="http://schemas.microsoft.com/office/drawing/2014/main" xmlns="" id="{36E08218-4EDA-45D3-AFAA-980ED054C2F0}"/>
               </a:ext>
             </a:extLst>
           </p:cNvPr>
@@ -7474,7 +7479,7 @@
           <p:cNvPr id="4" name="Дата 3">
             <a:extLst>
               <a:ext uri="{FF2B5EF4-FFF2-40B4-BE49-F238E27FC236}">
-                <a16:creationId xmlns="" xmlns:a16="http://schemas.microsoft.com/office/drawing/2014/main" id="{0C03B076-E891-438D-9EA2-A26EC370E018}"/>
+                <a16:creationId xmlns:a16="http://schemas.microsoft.com/office/drawing/2014/main" xmlns="" id="{0C03B076-E891-438D-9EA2-A26EC370E018}"/>
               </a:ext>
             </a:extLst>
           </p:cNvPr>
@@ -7499,7 +7504,7 @@
                 </a:solidFill>
               </a:rPr>
               <a:pPr/>
-              <a:t>11.12.2024</a:t>
+              <a:t>15.12.2024</a:t>
             </a:fld>
             <a:endParaRPr lang="ru-RU">
               <a:solidFill>
@@ -7516,7 +7521,7 @@
           <p:cNvPr id="5" name="Нижний колонтитул 4">
             <a:extLst>
               <a:ext uri="{FF2B5EF4-FFF2-40B4-BE49-F238E27FC236}">
-                <a16:creationId xmlns="" xmlns:a16="http://schemas.microsoft.com/office/drawing/2014/main" id="{03A0EEB7-CD0F-4AD2-BC74-0C8A23CF5C94}"/>
+                <a16:creationId xmlns:a16="http://schemas.microsoft.com/office/drawing/2014/main" xmlns="" id="{03A0EEB7-CD0F-4AD2-BC74-0C8A23CF5C94}"/>
               </a:ext>
             </a:extLst>
           </p:cNvPr>
@@ -7547,7 +7552,7 @@
           <p:cNvPr id="6" name="Номер слайда 5">
             <a:extLst>
               <a:ext uri="{FF2B5EF4-FFF2-40B4-BE49-F238E27FC236}">
-                <a16:creationId xmlns="" xmlns:a16="http://schemas.microsoft.com/office/drawing/2014/main" id="{C3C1B7AF-0B2C-4DF5-B40D-49BC5B419BA4}"/>
+                <a16:creationId xmlns:a16="http://schemas.microsoft.com/office/drawing/2014/main" xmlns="" id="{C3C1B7AF-0B2C-4DF5-B40D-49BC5B419BA4}"/>
               </a:ext>
             </a:extLst>
           </p:cNvPr>
@@ -7619,7 +7624,7 @@
           <p:cNvPr id="2" name="Заголовок 1">
             <a:extLst>
               <a:ext uri="{FF2B5EF4-FFF2-40B4-BE49-F238E27FC236}">
-                <a16:creationId xmlns="" xmlns:a16="http://schemas.microsoft.com/office/drawing/2014/main" id="{152195FB-2CE5-4E65-B9F8-5F1F3EC868D5}"/>
+                <a16:creationId xmlns:a16="http://schemas.microsoft.com/office/drawing/2014/main" xmlns="" id="{152195FB-2CE5-4E65-B9F8-5F1F3EC868D5}"/>
               </a:ext>
             </a:extLst>
           </p:cNvPr>
@@ -7647,7 +7652,7 @@
           <p:cNvPr id="3" name="Объект 2">
             <a:extLst>
               <a:ext uri="{FF2B5EF4-FFF2-40B4-BE49-F238E27FC236}">
-                <a16:creationId xmlns="" xmlns:a16="http://schemas.microsoft.com/office/drawing/2014/main" id="{47EBCDDF-3185-47D1-869B-6A6654E69730}"/>
+                <a16:creationId xmlns:a16="http://schemas.microsoft.com/office/drawing/2014/main" xmlns="" id="{47EBCDDF-3185-47D1-869B-6A6654E69730}"/>
               </a:ext>
             </a:extLst>
           </p:cNvPr>
@@ -7704,7 +7709,7 @@
           <p:cNvPr id="4" name="Дата 3">
             <a:extLst>
               <a:ext uri="{FF2B5EF4-FFF2-40B4-BE49-F238E27FC236}">
-                <a16:creationId xmlns="" xmlns:a16="http://schemas.microsoft.com/office/drawing/2014/main" id="{C701CEEF-C1DB-4DE4-BA25-598908BC0618}"/>
+                <a16:creationId xmlns:a16="http://schemas.microsoft.com/office/drawing/2014/main" xmlns="" id="{C701CEEF-C1DB-4DE4-BA25-598908BC0618}"/>
               </a:ext>
             </a:extLst>
           </p:cNvPr>
@@ -7729,7 +7734,7 @@
                 </a:solidFill>
               </a:rPr>
               <a:pPr/>
-              <a:t>11.12.2024</a:t>
+              <a:t>15.12.2024</a:t>
             </a:fld>
             <a:endParaRPr lang="ru-RU">
               <a:solidFill>
@@ -7746,7 +7751,7 @@
           <p:cNvPr id="5" name="Нижний колонтитул 4">
             <a:extLst>
               <a:ext uri="{FF2B5EF4-FFF2-40B4-BE49-F238E27FC236}">
-                <a16:creationId xmlns="" xmlns:a16="http://schemas.microsoft.com/office/drawing/2014/main" id="{83DDA5F6-7099-42A6-A39A-EB62D4B4D186}"/>
+                <a16:creationId xmlns:a16="http://schemas.microsoft.com/office/drawing/2014/main" xmlns="" id="{83DDA5F6-7099-42A6-A39A-EB62D4B4D186}"/>
               </a:ext>
             </a:extLst>
           </p:cNvPr>
@@ -7777,7 +7782,7 @@
           <p:cNvPr id="6" name="Номер слайда 5">
             <a:extLst>
               <a:ext uri="{FF2B5EF4-FFF2-40B4-BE49-F238E27FC236}">
-                <a16:creationId xmlns="" xmlns:a16="http://schemas.microsoft.com/office/drawing/2014/main" id="{A79188D9-3D73-4899-BA1C-F32851467359}"/>
+                <a16:creationId xmlns:a16="http://schemas.microsoft.com/office/drawing/2014/main" xmlns="" id="{A79188D9-3D73-4899-BA1C-F32851467359}"/>
               </a:ext>
             </a:extLst>
           </p:cNvPr>
@@ -7849,7 +7854,7 @@
           <p:cNvPr id="2" name="Заголовок 1">
             <a:extLst>
               <a:ext uri="{FF2B5EF4-FFF2-40B4-BE49-F238E27FC236}">
-                <a16:creationId xmlns="" xmlns:a16="http://schemas.microsoft.com/office/drawing/2014/main" id="{00B9177C-0711-487F-BF30-9BF41BD8A675}"/>
+                <a16:creationId xmlns:a16="http://schemas.microsoft.com/office/drawing/2014/main" xmlns="" id="{00B9177C-0711-487F-BF30-9BF41BD8A675}"/>
               </a:ext>
             </a:extLst>
           </p:cNvPr>
@@ -7886,7 +7891,7 @@
           <p:cNvPr id="3" name="Текст 2">
             <a:extLst>
               <a:ext uri="{FF2B5EF4-FFF2-40B4-BE49-F238E27FC236}">
-                <a16:creationId xmlns="" xmlns:a16="http://schemas.microsoft.com/office/drawing/2014/main" id="{F30EAC3C-217F-49B7-82B3-467ECA6F1B74}"/>
+                <a16:creationId xmlns:a16="http://schemas.microsoft.com/office/drawing/2014/main" xmlns="" id="{F30EAC3C-217F-49B7-82B3-467ECA6F1B74}"/>
               </a:ext>
             </a:extLst>
           </p:cNvPr>
@@ -8011,7 +8016,7 @@
           <p:cNvPr id="4" name="Дата 3">
             <a:extLst>
               <a:ext uri="{FF2B5EF4-FFF2-40B4-BE49-F238E27FC236}">
-                <a16:creationId xmlns="" xmlns:a16="http://schemas.microsoft.com/office/drawing/2014/main" id="{18D79551-1602-4AC2-93FE-1FB31A631BB5}"/>
+                <a16:creationId xmlns:a16="http://schemas.microsoft.com/office/drawing/2014/main" xmlns="" id="{18D79551-1602-4AC2-93FE-1FB31A631BB5}"/>
               </a:ext>
             </a:extLst>
           </p:cNvPr>
@@ -8036,7 +8041,7 @@
                 </a:solidFill>
               </a:rPr>
               <a:pPr/>
-              <a:t>11.12.2024</a:t>
+              <a:t>15.12.2024</a:t>
             </a:fld>
             <a:endParaRPr lang="ru-RU">
               <a:solidFill>
@@ -8053,7 +8058,7 @@
           <p:cNvPr id="5" name="Нижний колонтитул 4">
             <a:extLst>
               <a:ext uri="{FF2B5EF4-FFF2-40B4-BE49-F238E27FC236}">
-                <a16:creationId xmlns="" xmlns:a16="http://schemas.microsoft.com/office/drawing/2014/main" id="{03377386-1C75-422F-8DB9-56166B016305}"/>
+                <a16:creationId xmlns:a16="http://schemas.microsoft.com/office/drawing/2014/main" xmlns="" id="{03377386-1C75-422F-8DB9-56166B016305}"/>
               </a:ext>
             </a:extLst>
           </p:cNvPr>
@@ -8084,7 +8089,7 @@
           <p:cNvPr id="6" name="Номер слайда 5">
             <a:extLst>
               <a:ext uri="{FF2B5EF4-FFF2-40B4-BE49-F238E27FC236}">
-                <a16:creationId xmlns="" xmlns:a16="http://schemas.microsoft.com/office/drawing/2014/main" id="{4663C5E2-76E5-416B-86F4-A224FE476321}"/>
+                <a16:creationId xmlns:a16="http://schemas.microsoft.com/office/drawing/2014/main" xmlns="" id="{4663C5E2-76E5-416B-86F4-A224FE476321}"/>
               </a:ext>
             </a:extLst>
           </p:cNvPr>
@@ -8156,7 +8161,7 @@
           <p:cNvPr id="2" name="Заголовок 1">
             <a:extLst>
               <a:ext uri="{FF2B5EF4-FFF2-40B4-BE49-F238E27FC236}">
-                <a16:creationId xmlns="" xmlns:a16="http://schemas.microsoft.com/office/drawing/2014/main" id="{5D39CE7B-0C5D-4B82-A8B9-67695D68B497}"/>
+                <a16:creationId xmlns:a16="http://schemas.microsoft.com/office/drawing/2014/main" xmlns="" id="{5D39CE7B-0C5D-4B82-A8B9-67695D68B497}"/>
               </a:ext>
             </a:extLst>
           </p:cNvPr>
@@ -8184,7 +8189,7 @@
           <p:cNvPr id="3" name="Объект 2">
             <a:extLst>
               <a:ext uri="{FF2B5EF4-FFF2-40B4-BE49-F238E27FC236}">
-                <a16:creationId xmlns="" xmlns:a16="http://schemas.microsoft.com/office/drawing/2014/main" id="{C7C7F9EE-DD1E-402C-A4E3-EBF1A5D3B67E}"/>
+                <a16:creationId xmlns:a16="http://schemas.microsoft.com/office/drawing/2014/main" xmlns="" id="{C7C7F9EE-DD1E-402C-A4E3-EBF1A5D3B67E}"/>
               </a:ext>
             </a:extLst>
           </p:cNvPr>
@@ -8246,7 +8251,7 @@
           <p:cNvPr id="4" name="Объект 3">
             <a:extLst>
               <a:ext uri="{FF2B5EF4-FFF2-40B4-BE49-F238E27FC236}">
-                <a16:creationId xmlns="" xmlns:a16="http://schemas.microsoft.com/office/drawing/2014/main" id="{6640E14A-646E-4C70-8003-474DE5596FD6}"/>
+                <a16:creationId xmlns:a16="http://schemas.microsoft.com/office/drawing/2014/main" xmlns="" id="{6640E14A-646E-4C70-8003-474DE5596FD6}"/>
               </a:ext>
             </a:extLst>
           </p:cNvPr>
@@ -8308,7 +8313,7 @@
           <p:cNvPr id="5" name="Дата 4">
             <a:extLst>
               <a:ext uri="{FF2B5EF4-FFF2-40B4-BE49-F238E27FC236}">
-                <a16:creationId xmlns="" xmlns:a16="http://schemas.microsoft.com/office/drawing/2014/main" id="{F11DF215-3DFA-4224-B272-581EC99739FA}"/>
+                <a16:creationId xmlns:a16="http://schemas.microsoft.com/office/drawing/2014/main" xmlns="" id="{F11DF215-3DFA-4224-B272-581EC99739FA}"/>
               </a:ext>
             </a:extLst>
           </p:cNvPr>
@@ -8333,7 +8338,7 @@
                 </a:solidFill>
               </a:rPr>
               <a:pPr/>
-              <a:t>11.12.2024</a:t>
+              <a:t>15.12.2024</a:t>
             </a:fld>
             <a:endParaRPr lang="ru-RU">
               <a:solidFill>
@@ -8350,7 +8355,7 @@
           <p:cNvPr id="6" name="Нижний колонтитул 5">
             <a:extLst>
               <a:ext uri="{FF2B5EF4-FFF2-40B4-BE49-F238E27FC236}">
-                <a16:creationId xmlns="" xmlns:a16="http://schemas.microsoft.com/office/drawing/2014/main" id="{56ED47A9-A9F4-4F09-ACC8-551503988E95}"/>
+                <a16:creationId xmlns:a16="http://schemas.microsoft.com/office/drawing/2014/main" xmlns="" id="{56ED47A9-A9F4-4F09-ACC8-551503988E95}"/>
               </a:ext>
             </a:extLst>
           </p:cNvPr>
@@ -8381,7 +8386,7 @@
           <p:cNvPr id="7" name="Номер слайда 6">
             <a:extLst>
               <a:ext uri="{FF2B5EF4-FFF2-40B4-BE49-F238E27FC236}">
-                <a16:creationId xmlns="" xmlns:a16="http://schemas.microsoft.com/office/drawing/2014/main" id="{5781A6D9-A361-45E0-BC53-73CE9A64F236}"/>
+                <a16:creationId xmlns:a16="http://schemas.microsoft.com/office/drawing/2014/main" xmlns="" id="{5781A6D9-A361-45E0-BC53-73CE9A64F236}"/>
               </a:ext>
             </a:extLst>
           </p:cNvPr>
@@ -8453,7 +8458,7 @@
           <p:cNvPr id="2" name="Заголовок 1">
             <a:extLst>
               <a:ext uri="{FF2B5EF4-FFF2-40B4-BE49-F238E27FC236}">
-                <a16:creationId xmlns="" xmlns:a16="http://schemas.microsoft.com/office/drawing/2014/main" id="{DA7D677C-C7F0-4F3B-A6EA-AB20DE296BCE}"/>
+                <a16:creationId xmlns:a16="http://schemas.microsoft.com/office/drawing/2014/main" xmlns="" id="{DA7D677C-C7F0-4F3B-A6EA-AB20DE296BCE}"/>
               </a:ext>
             </a:extLst>
           </p:cNvPr>
@@ -8486,7 +8491,7 @@
           <p:cNvPr id="3" name="Текст 2">
             <a:extLst>
               <a:ext uri="{FF2B5EF4-FFF2-40B4-BE49-F238E27FC236}">
-                <a16:creationId xmlns="" xmlns:a16="http://schemas.microsoft.com/office/drawing/2014/main" id="{97D014BC-7ACA-49E6-A096-CCB619349370}"/>
+                <a16:creationId xmlns:a16="http://schemas.microsoft.com/office/drawing/2014/main" xmlns="" id="{97D014BC-7ACA-49E6-A096-CCB619349370}"/>
               </a:ext>
             </a:extLst>
           </p:cNvPr>
@@ -8557,7 +8562,7 @@
           <p:cNvPr id="4" name="Объект 3">
             <a:extLst>
               <a:ext uri="{FF2B5EF4-FFF2-40B4-BE49-F238E27FC236}">
-                <a16:creationId xmlns="" xmlns:a16="http://schemas.microsoft.com/office/drawing/2014/main" id="{BB8DE8A6-1AAA-4684-864D-FDB47C7D96F0}"/>
+                <a16:creationId xmlns:a16="http://schemas.microsoft.com/office/drawing/2014/main" xmlns="" id="{BB8DE8A6-1AAA-4684-864D-FDB47C7D96F0}"/>
               </a:ext>
             </a:extLst>
           </p:cNvPr>
@@ -8619,7 +8624,7 @@
           <p:cNvPr id="5" name="Текст 4">
             <a:extLst>
               <a:ext uri="{FF2B5EF4-FFF2-40B4-BE49-F238E27FC236}">
-                <a16:creationId xmlns="" xmlns:a16="http://schemas.microsoft.com/office/drawing/2014/main" id="{CBE1B1AE-17C6-467B-892C-7AC3F562B5D9}"/>
+                <a16:creationId xmlns:a16="http://schemas.microsoft.com/office/drawing/2014/main" xmlns="" id="{CBE1B1AE-17C6-467B-892C-7AC3F562B5D9}"/>
               </a:ext>
             </a:extLst>
           </p:cNvPr>
@@ -8690,7 +8695,7 @@
           <p:cNvPr id="6" name="Объект 5">
             <a:extLst>
               <a:ext uri="{FF2B5EF4-FFF2-40B4-BE49-F238E27FC236}">
-                <a16:creationId xmlns="" xmlns:a16="http://schemas.microsoft.com/office/drawing/2014/main" id="{614941AE-3D3C-4829-A8E8-DEF5ABA1A136}"/>
+                <a16:creationId xmlns:a16="http://schemas.microsoft.com/office/drawing/2014/main" xmlns="" id="{614941AE-3D3C-4829-A8E8-DEF5ABA1A136}"/>
               </a:ext>
             </a:extLst>
           </p:cNvPr>
@@ -8752,7 +8757,7 @@
           <p:cNvPr id="7" name="Дата 6">
             <a:extLst>
               <a:ext uri="{FF2B5EF4-FFF2-40B4-BE49-F238E27FC236}">
-                <a16:creationId xmlns="" xmlns:a16="http://schemas.microsoft.com/office/drawing/2014/main" id="{8788D684-D1C1-486C-A345-ED103447255A}"/>
+                <a16:creationId xmlns:a16="http://schemas.microsoft.com/office/drawing/2014/main" xmlns="" id="{8788D684-D1C1-486C-A345-ED103447255A}"/>
               </a:ext>
             </a:extLst>
           </p:cNvPr>
@@ -8777,7 +8782,7 @@
                 </a:solidFill>
               </a:rPr>
               <a:pPr/>
-              <a:t>11.12.2024</a:t>
+              <a:t>15.12.2024</a:t>
             </a:fld>
             <a:endParaRPr lang="ru-RU">
               <a:solidFill>
@@ -8794,7 +8799,7 @@
           <p:cNvPr id="8" name="Нижний колонтитул 7">
             <a:extLst>
               <a:ext uri="{FF2B5EF4-FFF2-40B4-BE49-F238E27FC236}">
-                <a16:creationId xmlns="" xmlns:a16="http://schemas.microsoft.com/office/drawing/2014/main" id="{BC79A696-74AE-453A-987B-08CFEED0915D}"/>
+                <a16:creationId xmlns:a16="http://schemas.microsoft.com/office/drawing/2014/main" xmlns="" id="{BC79A696-74AE-453A-987B-08CFEED0915D}"/>
               </a:ext>
             </a:extLst>
           </p:cNvPr>
@@ -8825,7 +8830,7 @@
           <p:cNvPr id="9" name="Номер слайда 8">
             <a:extLst>
               <a:ext uri="{FF2B5EF4-FFF2-40B4-BE49-F238E27FC236}">
-                <a16:creationId xmlns="" xmlns:a16="http://schemas.microsoft.com/office/drawing/2014/main" id="{865CC8BD-2946-4A70-B528-28D3A4731D3E}"/>
+                <a16:creationId xmlns:a16="http://schemas.microsoft.com/office/drawing/2014/main" xmlns="" id="{865CC8BD-2946-4A70-B528-28D3A4731D3E}"/>
               </a:ext>
             </a:extLst>
           </p:cNvPr>
@@ -8897,7 +8902,7 @@
           <p:cNvPr id="2" name="Заголовок 1">
             <a:extLst>
               <a:ext uri="{FF2B5EF4-FFF2-40B4-BE49-F238E27FC236}">
-                <a16:creationId xmlns="" xmlns:a16="http://schemas.microsoft.com/office/drawing/2014/main" id="{BBE3E4DA-137A-4AB1-A414-8BAABB289B44}"/>
+                <a16:creationId xmlns:a16="http://schemas.microsoft.com/office/drawing/2014/main" xmlns="" id="{BBE3E4DA-137A-4AB1-A414-8BAABB289B44}"/>
               </a:ext>
             </a:extLst>
           </p:cNvPr>
@@ -8925,7 +8930,7 @@
           <p:cNvPr id="3" name="Дата 2">
             <a:extLst>
               <a:ext uri="{FF2B5EF4-FFF2-40B4-BE49-F238E27FC236}">
-                <a16:creationId xmlns="" xmlns:a16="http://schemas.microsoft.com/office/drawing/2014/main" id="{92A8EBDB-DD44-4DFD-A719-27154064888D}"/>
+                <a16:creationId xmlns:a16="http://schemas.microsoft.com/office/drawing/2014/main" xmlns="" id="{92A8EBDB-DD44-4DFD-A719-27154064888D}"/>
               </a:ext>
             </a:extLst>
           </p:cNvPr>
@@ -8950,7 +8955,7 @@
                 </a:solidFill>
               </a:rPr>
               <a:pPr/>
-              <a:t>11.12.2024</a:t>
+              <a:t>15.12.2024</a:t>
             </a:fld>
             <a:endParaRPr lang="ru-RU">
               <a:solidFill>
@@ -8967,7 +8972,7 @@
           <p:cNvPr id="4" name="Нижний колонтитул 3">
             <a:extLst>
               <a:ext uri="{FF2B5EF4-FFF2-40B4-BE49-F238E27FC236}">
-                <a16:creationId xmlns="" xmlns:a16="http://schemas.microsoft.com/office/drawing/2014/main" id="{7FCB1F9F-2AC9-4B3B-BB3D-75DE2BC6AC22}"/>
+                <a16:creationId xmlns:a16="http://schemas.microsoft.com/office/drawing/2014/main" xmlns="" id="{7FCB1F9F-2AC9-4B3B-BB3D-75DE2BC6AC22}"/>
               </a:ext>
             </a:extLst>
           </p:cNvPr>
@@ -8998,7 +9003,7 @@
           <p:cNvPr id="5" name="Номер слайда 4">
             <a:extLst>
               <a:ext uri="{FF2B5EF4-FFF2-40B4-BE49-F238E27FC236}">
-                <a16:creationId xmlns="" xmlns:a16="http://schemas.microsoft.com/office/drawing/2014/main" id="{702C7962-6E0C-4704-9944-6A1F7320ABC2}"/>
+                <a16:creationId xmlns:a16="http://schemas.microsoft.com/office/drawing/2014/main" xmlns="" id="{702C7962-6E0C-4704-9944-6A1F7320ABC2}"/>
               </a:ext>
             </a:extLst>
           </p:cNvPr>
@@ -9070,7 +9075,7 @@
           <p:cNvPr id="2" name="Заголовок 1">
             <a:extLst>
               <a:ext uri="{FF2B5EF4-FFF2-40B4-BE49-F238E27FC236}">
-                <a16:creationId xmlns="" xmlns:a16="http://schemas.microsoft.com/office/drawing/2014/main" id="{5D39CE7B-0C5D-4B82-A8B9-67695D68B497}"/>
+                <a16:creationId xmlns:a16="http://schemas.microsoft.com/office/drawing/2014/main" xmlns="" id="{5D39CE7B-0C5D-4B82-A8B9-67695D68B497}"/>
               </a:ext>
             </a:extLst>
           </p:cNvPr>
@@ -9098,7 +9103,7 @@
           <p:cNvPr id="3" name="Объект 2">
             <a:extLst>
               <a:ext uri="{FF2B5EF4-FFF2-40B4-BE49-F238E27FC236}">
-                <a16:creationId xmlns="" xmlns:a16="http://schemas.microsoft.com/office/drawing/2014/main" id="{C7C7F9EE-DD1E-402C-A4E3-EBF1A5D3B67E}"/>
+                <a16:creationId xmlns:a16="http://schemas.microsoft.com/office/drawing/2014/main" xmlns="" id="{C7C7F9EE-DD1E-402C-A4E3-EBF1A5D3B67E}"/>
               </a:ext>
             </a:extLst>
           </p:cNvPr>
@@ -9160,7 +9165,7 @@
           <p:cNvPr id="4" name="Объект 3">
             <a:extLst>
               <a:ext uri="{FF2B5EF4-FFF2-40B4-BE49-F238E27FC236}">
-                <a16:creationId xmlns="" xmlns:a16="http://schemas.microsoft.com/office/drawing/2014/main" id="{6640E14A-646E-4C70-8003-474DE5596FD6}"/>
+                <a16:creationId xmlns:a16="http://schemas.microsoft.com/office/drawing/2014/main" xmlns="" id="{6640E14A-646E-4C70-8003-474DE5596FD6}"/>
               </a:ext>
             </a:extLst>
           </p:cNvPr>
@@ -9222,7 +9227,7 @@
           <p:cNvPr id="5" name="Дата 4">
             <a:extLst>
               <a:ext uri="{FF2B5EF4-FFF2-40B4-BE49-F238E27FC236}">
-                <a16:creationId xmlns="" xmlns:a16="http://schemas.microsoft.com/office/drawing/2014/main" id="{F11DF215-3DFA-4224-B272-581EC99739FA}"/>
+                <a16:creationId xmlns:a16="http://schemas.microsoft.com/office/drawing/2014/main" xmlns="" id="{F11DF215-3DFA-4224-B272-581EC99739FA}"/>
               </a:ext>
             </a:extLst>
           </p:cNvPr>
@@ -9247,7 +9252,7 @@
                 </a:solidFill>
               </a:rPr>
               <a:pPr/>
-              <a:t>11.12.2024</a:t>
+              <a:t>15.12.2024</a:t>
             </a:fld>
             <a:endParaRPr lang="ru-RU">
               <a:solidFill>
@@ -9264,7 +9269,7 @@
           <p:cNvPr id="6" name="Нижний колонтитул 5">
             <a:extLst>
               <a:ext uri="{FF2B5EF4-FFF2-40B4-BE49-F238E27FC236}">
-                <a16:creationId xmlns="" xmlns:a16="http://schemas.microsoft.com/office/drawing/2014/main" id="{56ED47A9-A9F4-4F09-ACC8-551503988E95}"/>
+                <a16:creationId xmlns:a16="http://schemas.microsoft.com/office/drawing/2014/main" xmlns="" id="{56ED47A9-A9F4-4F09-ACC8-551503988E95}"/>
               </a:ext>
             </a:extLst>
           </p:cNvPr>
@@ -9295,7 +9300,7 @@
           <p:cNvPr id="7" name="Номер слайда 6">
             <a:extLst>
               <a:ext uri="{FF2B5EF4-FFF2-40B4-BE49-F238E27FC236}">
-                <a16:creationId xmlns="" xmlns:a16="http://schemas.microsoft.com/office/drawing/2014/main" id="{5781A6D9-A361-45E0-BC53-73CE9A64F236}"/>
+                <a16:creationId xmlns:a16="http://schemas.microsoft.com/office/drawing/2014/main" xmlns="" id="{5781A6D9-A361-45E0-BC53-73CE9A64F236}"/>
               </a:ext>
             </a:extLst>
           </p:cNvPr>
@@ -9367,7 +9372,7 @@
           <p:cNvPr id="2" name="Дата 1">
             <a:extLst>
               <a:ext uri="{FF2B5EF4-FFF2-40B4-BE49-F238E27FC236}">
-                <a16:creationId xmlns="" xmlns:a16="http://schemas.microsoft.com/office/drawing/2014/main" id="{FD7FC50E-5817-46DD-8AA2-395CCDBFE9FE}"/>
+                <a16:creationId xmlns:a16="http://schemas.microsoft.com/office/drawing/2014/main" xmlns="" id="{FD7FC50E-5817-46DD-8AA2-395CCDBFE9FE}"/>
               </a:ext>
             </a:extLst>
           </p:cNvPr>
@@ -9392,7 +9397,7 @@
                 </a:solidFill>
               </a:rPr>
               <a:pPr/>
-              <a:t>11.12.2024</a:t>
+              <a:t>15.12.2024</a:t>
             </a:fld>
             <a:endParaRPr lang="ru-RU">
               <a:solidFill>
@@ -9409,7 +9414,7 @@
           <p:cNvPr id="3" name="Нижний колонтитул 2">
             <a:extLst>
               <a:ext uri="{FF2B5EF4-FFF2-40B4-BE49-F238E27FC236}">
-                <a16:creationId xmlns="" xmlns:a16="http://schemas.microsoft.com/office/drawing/2014/main" id="{CFE81D92-EF85-4BA2-ADF0-838A9EF7ACCD}"/>
+                <a16:creationId xmlns:a16="http://schemas.microsoft.com/office/drawing/2014/main" xmlns="" id="{CFE81D92-EF85-4BA2-ADF0-838A9EF7ACCD}"/>
               </a:ext>
             </a:extLst>
           </p:cNvPr>
@@ -9440,7 +9445,7 @@
           <p:cNvPr id="4" name="Номер слайда 3">
             <a:extLst>
               <a:ext uri="{FF2B5EF4-FFF2-40B4-BE49-F238E27FC236}">
-                <a16:creationId xmlns="" xmlns:a16="http://schemas.microsoft.com/office/drawing/2014/main" id="{1CC181DA-FE2B-4E21-A375-7C6D4117A643}"/>
+                <a16:creationId xmlns:a16="http://schemas.microsoft.com/office/drawing/2014/main" xmlns="" id="{1CC181DA-FE2B-4E21-A375-7C6D4117A643}"/>
               </a:ext>
             </a:extLst>
           </p:cNvPr>
@@ -9512,7 +9517,7 @@
           <p:cNvPr id="2" name="Заголовок 1">
             <a:extLst>
               <a:ext uri="{FF2B5EF4-FFF2-40B4-BE49-F238E27FC236}">
-                <a16:creationId xmlns="" xmlns:a16="http://schemas.microsoft.com/office/drawing/2014/main" id="{123BFBA1-CC3D-4B94-841F-0296C1B78C7C}"/>
+                <a16:creationId xmlns:a16="http://schemas.microsoft.com/office/drawing/2014/main" xmlns="" id="{123BFBA1-CC3D-4B94-841F-0296C1B78C7C}"/>
               </a:ext>
             </a:extLst>
           </p:cNvPr>
@@ -9549,7 +9554,7 @@
           <p:cNvPr id="3" name="Объект 2">
             <a:extLst>
               <a:ext uri="{FF2B5EF4-FFF2-40B4-BE49-F238E27FC236}">
-                <a16:creationId xmlns="" xmlns:a16="http://schemas.microsoft.com/office/drawing/2014/main" id="{0AC1F87B-6400-4BB3-AC66-BFBD258E4F92}"/>
+                <a16:creationId xmlns:a16="http://schemas.microsoft.com/office/drawing/2014/main" xmlns="" id="{0AC1F87B-6400-4BB3-AC66-BFBD258E4F92}"/>
               </a:ext>
             </a:extLst>
           </p:cNvPr>
@@ -9639,7 +9644,7 @@
           <p:cNvPr id="4" name="Текст 3">
             <a:extLst>
               <a:ext uri="{FF2B5EF4-FFF2-40B4-BE49-F238E27FC236}">
-                <a16:creationId xmlns="" xmlns:a16="http://schemas.microsoft.com/office/drawing/2014/main" id="{72703A69-584B-47AF-8D54-B70BE0313C83}"/>
+                <a16:creationId xmlns:a16="http://schemas.microsoft.com/office/drawing/2014/main" xmlns="" id="{72703A69-584B-47AF-8D54-B70BE0313C83}"/>
               </a:ext>
             </a:extLst>
           </p:cNvPr>
@@ -9710,7 +9715,7 @@
           <p:cNvPr id="5" name="Дата 4">
             <a:extLst>
               <a:ext uri="{FF2B5EF4-FFF2-40B4-BE49-F238E27FC236}">
-                <a16:creationId xmlns="" xmlns:a16="http://schemas.microsoft.com/office/drawing/2014/main" id="{62040FA1-DD22-410A-9B4B-E485A4186111}"/>
+                <a16:creationId xmlns:a16="http://schemas.microsoft.com/office/drawing/2014/main" xmlns="" id="{62040FA1-DD22-410A-9B4B-E485A4186111}"/>
               </a:ext>
             </a:extLst>
           </p:cNvPr>
@@ -9735,7 +9740,7 @@
                 </a:solidFill>
               </a:rPr>
               <a:pPr/>
-              <a:t>11.12.2024</a:t>
+              <a:t>15.12.2024</a:t>
             </a:fld>
             <a:endParaRPr lang="ru-RU">
               <a:solidFill>
@@ -9752,7 +9757,7 @@
           <p:cNvPr id="6" name="Нижний колонтитул 5">
             <a:extLst>
               <a:ext uri="{FF2B5EF4-FFF2-40B4-BE49-F238E27FC236}">
-                <a16:creationId xmlns="" xmlns:a16="http://schemas.microsoft.com/office/drawing/2014/main" id="{D0E47DFF-90BF-4691-8599-8924CCFA96BA}"/>
+                <a16:creationId xmlns:a16="http://schemas.microsoft.com/office/drawing/2014/main" xmlns="" id="{D0E47DFF-90BF-4691-8599-8924CCFA96BA}"/>
               </a:ext>
             </a:extLst>
           </p:cNvPr>
@@ -9783,7 +9788,7 @@
           <p:cNvPr id="7" name="Номер слайда 6">
             <a:extLst>
               <a:ext uri="{FF2B5EF4-FFF2-40B4-BE49-F238E27FC236}">
-                <a16:creationId xmlns="" xmlns:a16="http://schemas.microsoft.com/office/drawing/2014/main" id="{D74EA17A-D4D9-494E-BE29-1ADEC6502A6A}"/>
+                <a16:creationId xmlns:a16="http://schemas.microsoft.com/office/drawing/2014/main" xmlns="" id="{D74EA17A-D4D9-494E-BE29-1ADEC6502A6A}"/>
               </a:ext>
             </a:extLst>
           </p:cNvPr>
@@ -9855,7 +9860,7 @@
           <p:cNvPr id="2" name="Заголовок 1">
             <a:extLst>
               <a:ext uri="{FF2B5EF4-FFF2-40B4-BE49-F238E27FC236}">
-                <a16:creationId xmlns="" xmlns:a16="http://schemas.microsoft.com/office/drawing/2014/main" id="{F49B463B-25E4-4D8B-9C8B-7A482EB6BE3D}"/>
+                <a16:creationId xmlns:a16="http://schemas.microsoft.com/office/drawing/2014/main" xmlns="" id="{F49B463B-25E4-4D8B-9C8B-7A482EB6BE3D}"/>
               </a:ext>
             </a:extLst>
           </p:cNvPr>
@@ -9892,7 +9897,7 @@
           <p:cNvPr id="3" name="Рисунок 2">
             <a:extLst>
               <a:ext uri="{FF2B5EF4-FFF2-40B4-BE49-F238E27FC236}">
-                <a16:creationId xmlns="" xmlns:a16="http://schemas.microsoft.com/office/drawing/2014/main" id="{83F0F355-59FE-4038-8971-D3ED35E922E9}"/>
+                <a16:creationId xmlns:a16="http://schemas.microsoft.com/office/drawing/2014/main" xmlns="" id="{83F0F355-59FE-4038-8971-D3ED35E922E9}"/>
               </a:ext>
             </a:extLst>
           </p:cNvPr>
@@ -9959,7 +9964,7 @@
           <p:cNvPr id="4" name="Текст 3">
             <a:extLst>
               <a:ext uri="{FF2B5EF4-FFF2-40B4-BE49-F238E27FC236}">
-                <a16:creationId xmlns="" xmlns:a16="http://schemas.microsoft.com/office/drawing/2014/main" id="{FDFB660D-13A9-4F42-8C06-195206E03A22}"/>
+                <a16:creationId xmlns:a16="http://schemas.microsoft.com/office/drawing/2014/main" xmlns="" id="{FDFB660D-13A9-4F42-8C06-195206E03A22}"/>
               </a:ext>
             </a:extLst>
           </p:cNvPr>
@@ -10030,7 +10035,7 @@
           <p:cNvPr id="5" name="Дата 4">
             <a:extLst>
               <a:ext uri="{FF2B5EF4-FFF2-40B4-BE49-F238E27FC236}">
-                <a16:creationId xmlns="" xmlns:a16="http://schemas.microsoft.com/office/drawing/2014/main" id="{32D3507F-9B66-4576-B797-A56FB4D769EA}"/>
+                <a16:creationId xmlns:a16="http://schemas.microsoft.com/office/drawing/2014/main" xmlns="" id="{32D3507F-9B66-4576-B797-A56FB4D769EA}"/>
               </a:ext>
             </a:extLst>
           </p:cNvPr>
@@ -10055,7 +10060,7 @@
                 </a:solidFill>
               </a:rPr>
               <a:pPr/>
-              <a:t>11.12.2024</a:t>
+              <a:t>15.12.2024</a:t>
             </a:fld>
             <a:endParaRPr lang="ru-RU">
               <a:solidFill>
@@ -10072,7 +10077,7 @@
           <p:cNvPr id="6" name="Нижний колонтитул 5">
             <a:extLst>
               <a:ext uri="{FF2B5EF4-FFF2-40B4-BE49-F238E27FC236}">
-                <a16:creationId xmlns="" xmlns:a16="http://schemas.microsoft.com/office/drawing/2014/main" id="{33E1C823-22DA-4E16-9A64-EAE2690E2671}"/>
+                <a16:creationId xmlns:a16="http://schemas.microsoft.com/office/drawing/2014/main" xmlns="" id="{33E1C823-22DA-4E16-9A64-EAE2690E2671}"/>
               </a:ext>
             </a:extLst>
           </p:cNvPr>
@@ -10103,7 +10108,7 @@
           <p:cNvPr id="7" name="Номер слайда 6">
             <a:extLst>
               <a:ext uri="{FF2B5EF4-FFF2-40B4-BE49-F238E27FC236}">
-                <a16:creationId xmlns="" xmlns:a16="http://schemas.microsoft.com/office/drawing/2014/main" id="{84A46F45-E6EA-41A3-A4D8-184446A9274B}"/>
+                <a16:creationId xmlns:a16="http://schemas.microsoft.com/office/drawing/2014/main" xmlns="" id="{84A46F45-E6EA-41A3-A4D8-184446A9274B}"/>
               </a:ext>
             </a:extLst>
           </p:cNvPr>
@@ -10175,7 +10180,7 @@
           <p:cNvPr id="2" name="Заголовок 1">
             <a:extLst>
               <a:ext uri="{FF2B5EF4-FFF2-40B4-BE49-F238E27FC236}">
-                <a16:creationId xmlns="" xmlns:a16="http://schemas.microsoft.com/office/drawing/2014/main" id="{6CF49AB5-D37A-48B1-B073-EAAC30C9FDEE}"/>
+                <a16:creationId xmlns:a16="http://schemas.microsoft.com/office/drawing/2014/main" xmlns="" id="{6CF49AB5-D37A-48B1-B073-EAAC30C9FDEE}"/>
               </a:ext>
             </a:extLst>
           </p:cNvPr>
@@ -10203,7 +10208,7 @@
           <p:cNvPr id="3" name="Вертикальный текст 2">
             <a:extLst>
               <a:ext uri="{FF2B5EF4-FFF2-40B4-BE49-F238E27FC236}">
-                <a16:creationId xmlns="" xmlns:a16="http://schemas.microsoft.com/office/drawing/2014/main" id="{7CE38227-3CF8-4F77-9CF2-1DB07A09D09E}"/>
+                <a16:creationId xmlns:a16="http://schemas.microsoft.com/office/drawing/2014/main" xmlns="" id="{7CE38227-3CF8-4F77-9CF2-1DB07A09D09E}"/>
               </a:ext>
             </a:extLst>
           </p:cNvPr>
@@ -10260,7 +10265,7 @@
           <p:cNvPr id="4" name="Дата 3">
             <a:extLst>
               <a:ext uri="{FF2B5EF4-FFF2-40B4-BE49-F238E27FC236}">
-                <a16:creationId xmlns="" xmlns:a16="http://schemas.microsoft.com/office/drawing/2014/main" id="{9AC2B907-4341-4FB3-8A7B-E872FFC8FB3D}"/>
+                <a16:creationId xmlns:a16="http://schemas.microsoft.com/office/drawing/2014/main" xmlns="" id="{9AC2B907-4341-4FB3-8A7B-E872FFC8FB3D}"/>
               </a:ext>
             </a:extLst>
           </p:cNvPr>
@@ -10285,7 +10290,7 @@
                 </a:solidFill>
               </a:rPr>
               <a:pPr/>
-              <a:t>11.12.2024</a:t>
+              <a:t>15.12.2024</a:t>
             </a:fld>
             <a:endParaRPr lang="ru-RU">
               <a:solidFill>
@@ -10302,7 +10307,7 @@
           <p:cNvPr id="5" name="Нижний колонтитул 4">
             <a:extLst>
               <a:ext uri="{FF2B5EF4-FFF2-40B4-BE49-F238E27FC236}">
-                <a16:creationId xmlns="" xmlns:a16="http://schemas.microsoft.com/office/drawing/2014/main" id="{DCA55E7E-1D8C-4B23-B3F6-1F61A2D7BE80}"/>
+                <a16:creationId xmlns:a16="http://schemas.microsoft.com/office/drawing/2014/main" xmlns="" id="{DCA55E7E-1D8C-4B23-B3F6-1F61A2D7BE80}"/>
               </a:ext>
             </a:extLst>
           </p:cNvPr>
@@ -10333,7 +10338,7 @@
           <p:cNvPr id="6" name="Номер слайда 5">
             <a:extLst>
               <a:ext uri="{FF2B5EF4-FFF2-40B4-BE49-F238E27FC236}">
-                <a16:creationId xmlns="" xmlns:a16="http://schemas.microsoft.com/office/drawing/2014/main" id="{83625A07-2FBB-4E11-A78A-F766603D93E9}"/>
+                <a16:creationId xmlns:a16="http://schemas.microsoft.com/office/drawing/2014/main" xmlns="" id="{83625A07-2FBB-4E11-A78A-F766603D93E9}"/>
               </a:ext>
             </a:extLst>
           </p:cNvPr>
@@ -10405,7 +10410,7 @@
           <p:cNvPr id="2" name="Вертикальный заголовок 1">
             <a:extLst>
               <a:ext uri="{FF2B5EF4-FFF2-40B4-BE49-F238E27FC236}">
-                <a16:creationId xmlns="" xmlns:a16="http://schemas.microsoft.com/office/drawing/2014/main" id="{F4698497-17CC-470F-98BB-C3A02E07D528}"/>
+                <a16:creationId xmlns:a16="http://schemas.microsoft.com/office/drawing/2014/main" xmlns="" id="{F4698497-17CC-470F-98BB-C3A02E07D528}"/>
               </a:ext>
             </a:extLst>
           </p:cNvPr>
@@ -10438,7 +10443,7 @@
           <p:cNvPr id="3" name="Вертикальный текст 2">
             <a:extLst>
               <a:ext uri="{FF2B5EF4-FFF2-40B4-BE49-F238E27FC236}">
-                <a16:creationId xmlns="" xmlns:a16="http://schemas.microsoft.com/office/drawing/2014/main" id="{49633681-BE9E-4E45-9190-12C77604575A}"/>
+                <a16:creationId xmlns:a16="http://schemas.microsoft.com/office/drawing/2014/main" xmlns="" id="{49633681-BE9E-4E45-9190-12C77604575A}"/>
               </a:ext>
             </a:extLst>
           </p:cNvPr>
@@ -10500,7 +10505,7 @@
           <p:cNvPr id="4" name="Дата 3">
             <a:extLst>
               <a:ext uri="{FF2B5EF4-FFF2-40B4-BE49-F238E27FC236}">
-                <a16:creationId xmlns="" xmlns:a16="http://schemas.microsoft.com/office/drawing/2014/main" id="{7DB77614-ECA3-4C9C-B413-883C6117EA91}"/>
+                <a16:creationId xmlns:a16="http://schemas.microsoft.com/office/drawing/2014/main" xmlns="" id="{7DB77614-ECA3-4C9C-B413-883C6117EA91}"/>
               </a:ext>
             </a:extLst>
           </p:cNvPr>
@@ -10525,7 +10530,7 @@
                 </a:solidFill>
               </a:rPr>
               <a:pPr/>
-              <a:t>11.12.2024</a:t>
+              <a:t>15.12.2024</a:t>
             </a:fld>
             <a:endParaRPr lang="ru-RU">
               <a:solidFill>
@@ -10542,7 +10547,7 @@
           <p:cNvPr id="5" name="Нижний колонтитул 4">
             <a:extLst>
               <a:ext uri="{FF2B5EF4-FFF2-40B4-BE49-F238E27FC236}">
-                <a16:creationId xmlns="" xmlns:a16="http://schemas.microsoft.com/office/drawing/2014/main" id="{85B8077F-087A-4957-A24F-19D421D28FDB}"/>
+                <a16:creationId xmlns:a16="http://schemas.microsoft.com/office/drawing/2014/main" xmlns="" id="{85B8077F-087A-4957-A24F-19D421D28FDB}"/>
               </a:ext>
             </a:extLst>
           </p:cNvPr>
@@ -10573,7 +10578,7 @@
           <p:cNvPr id="6" name="Номер слайда 5">
             <a:extLst>
               <a:ext uri="{FF2B5EF4-FFF2-40B4-BE49-F238E27FC236}">
-                <a16:creationId xmlns="" xmlns:a16="http://schemas.microsoft.com/office/drawing/2014/main" id="{E360F1AB-0A66-47A8-BBA1-0C3C8765F374}"/>
+                <a16:creationId xmlns:a16="http://schemas.microsoft.com/office/drawing/2014/main" xmlns="" id="{E360F1AB-0A66-47A8-BBA1-0C3C8765F374}"/>
               </a:ext>
             </a:extLst>
           </p:cNvPr>
@@ -10645,7 +10650,7 @@
           <p:cNvPr id="2" name="Заголовок 1">
             <a:extLst>
               <a:ext uri="{FF2B5EF4-FFF2-40B4-BE49-F238E27FC236}">
-                <a16:creationId xmlns="" xmlns:a16="http://schemas.microsoft.com/office/drawing/2014/main" id="{0A0D4E15-8A51-4299-9012-BAD6F55FD592}"/>
+                <a16:creationId xmlns:a16="http://schemas.microsoft.com/office/drawing/2014/main" xmlns="" id="{0A0D4E15-8A51-4299-9012-BAD6F55FD592}"/>
               </a:ext>
             </a:extLst>
           </p:cNvPr>
@@ -10682,7 +10687,7 @@
           <p:cNvPr id="3" name="Подзаголовок 2">
             <a:extLst>
               <a:ext uri="{FF2B5EF4-FFF2-40B4-BE49-F238E27FC236}">
-                <a16:creationId xmlns="" xmlns:a16="http://schemas.microsoft.com/office/drawing/2014/main" id="{36E08218-4EDA-45D3-AFAA-980ED054C2F0}"/>
+                <a16:creationId xmlns:a16="http://schemas.microsoft.com/office/drawing/2014/main" xmlns="" id="{36E08218-4EDA-45D3-AFAA-980ED054C2F0}"/>
               </a:ext>
             </a:extLst>
           </p:cNvPr>
@@ -10752,7 +10757,7 @@
           <p:cNvPr id="4" name="Дата 3">
             <a:extLst>
               <a:ext uri="{FF2B5EF4-FFF2-40B4-BE49-F238E27FC236}">
-                <a16:creationId xmlns="" xmlns:a16="http://schemas.microsoft.com/office/drawing/2014/main" id="{0C03B076-E891-438D-9EA2-A26EC370E018}"/>
+                <a16:creationId xmlns:a16="http://schemas.microsoft.com/office/drawing/2014/main" xmlns="" id="{0C03B076-E891-438D-9EA2-A26EC370E018}"/>
               </a:ext>
             </a:extLst>
           </p:cNvPr>
@@ -10777,7 +10782,7 @@
                 </a:solidFill>
               </a:rPr>
               <a:pPr/>
-              <a:t>11.12.2024</a:t>
+              <a:t>15.12.2024</a:t>
             </a:fld>
             <a:endParaRPr lang="ru-RU">
               <a:solidFill>
@@ -10794,7 +10799,7 @@
           <p:cNvPr id="5" name="Нижний колонтитул 4">
             <a:extLst>
               <a:ext uri="{FF2B5EF4-FFF2-40B4-BE49-F238E27FC236}">
-                <a16:creationId xmlns="" xmlns:a16="http://schemas.microsoft.com/office/drawing/2014/main" id="{03A0EEB7-CD0F-4AD2-BC74-0C8A23CF5C94}"/>
+                <a16:creationId xmlns:a16="http://schemas.microsoft.com/office/drawing/2014/main" xmlns="" id="{03A0EEB7-CD0F-4AD2-BC74-0C8A23CF5C94}"/>
               </a:ext>
             </a:extLst>
           </p:cNvPr>
@@ -10825,7 +10830,7 @@
           <p:cNvPr id="6" name="Номер слайда 5">
             <a:extLst>
               <a:ext uri="{FF2B5EF4-FFF2-40B4-BE49-F238E27FC236}">
-                <a16:creationId xmlns="" xmlns:a16="http://schemas.microsoft.com/office/drawing/2014/main" id="{C3C1B7AF-0B2C-4DF5-B40D-49BC5B419BA4}"/>
+                <a16:creationId xmlns:a16="http://schemas.microsoft.com/office/drawing/2014/main" xmlns="" id="{C3C1B7AF-0B2C-4DF5-B40D-49BC5B419BA4}"/>
               </a:ext>
             </a:extLst>
           </p:cNvPr>
@@ -10897,7 +10902,7 @@
           <p:cNvPr id="2" name="Заголовок 1">
             <a:extLst>
               <a:ext uri="{FF2B5EF4-FFF2-40B4-BE49-F238E27FC236}">
-                <a16:creationId xmlns="" xmlns:a16="http://schemas.microsoft.com/office/drawing/2014/main" id="{152195FB-2CE5-4E65-B9F8-5F1F3EC868D5}"/>
+                <a16:creationId xmlns:a16="http://schemas.microsoft.com/office/drawing/2014/main" xmlns="" id="{152195FB-2CE5-4E65-B9F8-5F1F3EC868D5}"/>
               </a:ext>
             </a:extLst>
           </p:cNvPr>
@@ -10925,7 +10930,7 @@
           <p:cNvPr id="3" name="Объект 2">
             <a:extLst>
               <a:ext uri="{FF2B5EF4-FFF2-40B4-BE49-F238E27FC236}">
-                <a16:creationId xmlns="" xmlns:a16="http://schemas.microsoft.com/office/drawing/2014/main" id="{47EBCDDF-3185-47D1-869B-6A6654E69730}"/>
+                <a16:creationId xmlns:a16="http://schemas.microsoft.com/office/drawing/2014/main" xmlns="" id="{47EBCDDF-3185-47D1-869B-6A6654E69730}"/>
               </a:ext>
             </a:extLst>
           </p:cNvPr>
@@ -10982,7 +10987,7 @@
           <p:cNvPr id="4" name="Дата 3">
             <a:extLst>
               <a:ext uri="{FF2B5EF4-FFF2-40B4-BE49-F238E27FC236}">
-                <a16:creationId xmlns="" xmlns:a16="http://schemas.microsoft.com/office/drawing/2014/main" id="{C701CEEF-C1DB-4DE4-BA25-598908BC0618}"/>
+                <a16:creationId xmlns:a16="http://schemas.microsoft.com/office/drawing/2014/main" xmlns="" id="{C701CEEF-C1DB-4DE4-BA25-598908BC0618}"/>
               </a:ext>
             </a:extLst>
           </p:cNvPr>
@@ -11007,7 +11012,7 @@
                 </a:solidFill>
               </a:rPr>
               <a:pPr/>
-              <a:t>11.12.2024</a:t>
+              <a:t>15.12.2024</a:t>
             </a:fld>
             <a:endParaRPr lang="ru-RU">
               <a:solidFill>
@@ -11024,7 +11029,7 @@
           <p:cNvPr id="5" name="Нижний колонтитул 4">
             <a:extLst>
               <a:ext uri="{FF2B5EF4-FFF2-40B4-BE49-F238E27FC236}">
-                <a16:creationId xmlns="" xmlns:a16="http://schemas.microsoft.com/office/drawing/2014/main" id="{83DDA5F6-7099-42A6-A39A-EB62D4B4D186}"/>
+                <a16:creationId xmlns:a16="http://schemas.microsoft.com/office/drawing/2014/main" xmlns="" id="{83DDA5F6-7099-42A6-A39A-EB62D4B4D186}"/>
               </a:ext>
             </a:extLst>
           </p:cNvPr>
@@ -11055,7 +11060,7 @@
           <p:cNvPr id="6" name="Номер слайда 5">
             <a:extLst>
               <a:ext uri="{FF2B5EF4-FFF2-40B4-BE49-F238E27FC236}">
-                <a16:creationId xmlns="" xmlns:a16="http://schemas.microsoft.com/office/drawing/2014/main" id="{A79188D9-3D73-4899-BA1C-F32851467359}"/>
+                <a16:creationId xmlns:a16="http://schemas.microsoft.com/office/drawing/2014/main" xmlns="" id="{A79188D9-3D73-4899-BA1C-F32851467359}"/>
               </a:ext>
             </a:extLst>
           </p:cNvPr>
@@ -11127,7 +11132,7 @@
           <p:cNvPr id="2" name="Заголовок 1">
             <a:extLst>
               <a:ext uri="{FF2B5EF4-FFF2-40B4-BE49-F238E27FC236}">
-                <a16:creationId xmlns="" xmlns:a16="http://schemas.microsoft.com/office/drawing/2014/main" id="{00B9177C-0711-487F-BF30-9BF41BD8A675}"/>
+                <a16:creationId xmlns:a16="http://schemas.microsoft.com/office/drawing/2014/main" xmlns="" id="{00B9177C-0711-487F-BF30-9BF41BD8A675}"/>
               </a:ext>
             </a:extLst>
           </p:cNvPr>
@@ -11164,7 +11169,7 @@
           <p:cNvPr id="3" name="Текст 2">
             <a:extLst>
               <a:ext uri="{FF2B5EF4-FFF2-40B4-BE49-F238E27FC236}">
-                <a16:creationId xmlns="" xmlns:a16="http://schemas.microsoft.com/office/drawing/2014/main" id="{F30EAC3C-217F-49B7-82B3-467ECA6F1B74}"/>
+                <a16:creationId xmlns:a16="http://schemas.microsoft.com/office/drawing/2014/main" xmlns="" id="{F30EAC3C-217F-49B7-82B3-467ECA6F1B74}"/>
               </a:ext>
             </a:extLst>
           </p:cNvPr>
@@ -11289,7 +11294,7 @@
           <p:cNvPr id="4" name="Дата 3">
             <a:extLst>
               <a:ext uri="{FF2B5EF4-FFF2-40B4-BE49-F238E27FC236}">
-                <a16:creationId xmlns="" xmlns:a16="http://schemas.microsoft.com/office/drawing/2014/main" id="{18D79551-1602-4AC2-93FE-1FB31A631BB5}"/>
+                <a16:creationId xmlns:a16="http://schemas.microsoft.com/office/drawing/2014/main" xmlns="" id="{18D79551-1602-4AC2-93FE-1FB31A631BB5}"/>
               </a:ext>
             </a:extLst>
           </p:cNvPr>
@@ -11314,7 +11319,7 @@
                 </a:solidFill>
               </a:rPr>
               <a:pPr/>
-              <a:t>11.12.2024</a:t>
+              <a:t>15.12.2024</a:t>
             </a:fld>
             <a:endParaRPr lang="ru-RU">
               <a:solidFill>
@@ -11331,7 +11336,7 @@
           <p:cNvPr id="5" name="Нижний колонтитул 4">
             <a:extLst>
               <a:ext uri="{FF2B5EF4-FFF2-40B4-BE49-F238E27FC236}">
-                <a16:creationId xmlns="" xmlns:a16="http://schemas.microsoft.com/office/drawing/2014/main" id="{03377386-1C75-422F-8DB9-56166B016305}"/>
+                <a16:creationId xmlns:a16="http://schemas.microsoft.com/office/drawing/2014/main" xmlns="" id="{03377386-1C75-422F-8DB9-56166B016305}"/>
               </a:ext>
             </a:extLst>
           </p:cNvPr>
@@ -11362,7 +11367,7 @@
           <p:cNvPr id="6" name="Номер слайда 5">
             <a:extLst>
               <a:ext uri="{FF2B5EF4-FFF2-40B4-BE49-F238E27FC236}">
-                <a16:creationId xmlns="" xmlns:a16="http://schemas.microsoft.com/office/drawing/2014/main" id="{4663C5E2-76E5-416B-86F4-A224FE476321}"/>
+                <a16:creationId xmlns:a16="http://schemas.microsoft.com/office/drawing/2014/main" xmlns="" id="{4663C5E2-76E5-416B-86F4-A224FE476321}"/>
               </a:ext>
             </a:extLst>
           </p:cNvPr>
@@ -11434,7 +11439,7 @@
           <p:cNvPr id="2" name="Заголовок 1">
             <a:extLst>
               <a:ext uri="{FF2B5EF4-FFF2-40B4-BE49-F238E27FC236}">
-                <a16:creationId xmlns="" xmlns:a16="http://schemas.microsoft.com/office/drawing/2014/main" id="{5D39CE7B-0C5D-4B82-A8B9-67695D68B497}"/>
+                <a16:creationId xmlns:a16="http://schemas.microsoft.com/office/drawing/2014/main" xmlns="" id="{5D39CE7B-0C5D-4B82-A8B9-67695D68B497}"/>
               </a:ext>
             </a:extLst>
           </p:cNvPr>
@@ -11462,7 +11467,7 @@
           <p:cNvPr id="3" name="Объект 2">
             <a:extLst>
               <a:ext uri="{FF2B5EF4-FFF2-40B4-BE49-F238E27FC236}">
-                <a16:creationId xmlns="" xmlns:a16="http://schemas.microsoft.com/office/drawing/2014/main" id="{C7C7F9EE-DD1E-402C-A4E3-EBF1A5D3B67E}"/>
+                <a16:creationId xmlns:a16="http://schemas.microsoft.com/office/drawing/2014/main" xmlns="" id="{C7C7F9EE-DD1E-402C-A4E3-EBF1A5D3B67E}"/>
               </a:ext>
             </a:extLst>
           </p:cNvPr>
@@ -11524,7 +11529,7 @@
           <p:cNvPr id="4" name="Объект 3">
             <a:extLst>
               <a:ext uri="{FF2B5EF4-FFF2-40B4-BE49-F238E27FC236}">
-                <a16:creationId xmlns="" xmlns:a16="http://schemas.microsoft.com/office/drawing/2014/main" id="{6640E14A-646E-4C70-8003-474DE5596FD6}"/>
+                <a16:creationId xmlns:a16="http://schemas.microsoft.com/office/drawing/2014/main" xmlns="" id="{6640E14A-646E-4C70-8003-474DE5596FD6}"/>
               </a:ext>
             </a:extLst>
           </p:cNvPr>
@@ -11586,7 +11591,7 @@
           <p:cNvPr id="5" name="Дата 4">
             <a:extLst>
               <a:ext uri="{FF2B5EF4-FFF2-40B4-BE49-F238E27FC236}">
-                <a16:creationId xmlns="" xmlns:a16="http://schemas.microsoft.com/office/drawing/2014/main" id="{F11DF215-3DFA-4224-B272-581EC99739FA}"/>
+                <a16:creationId xmlns:a16="http://schemas.microsoft.com/office/drawing/2014/main" xmlns="" id="{F11DF215-3DFA-4224-B272-581EC99739FA}"/>
               </a:ext>
             </a:extLst>
           </p:cNvPr>
@@ -11611,7 +11616,7 @@
                 </a:solidFill>
               </a:rPr>
               <a:pPr/>
-              <a:t>11.12.2024</a:t>
+              <a:t>15.12.2024</a:t>
             </a:fld>
             <a:endParaRPr lang="ru-RU">
               <a:solidFill>
@@ -11628,7 +11633,7 @@
           <p:cNvPr id="6" name="Нижний колонтитул 5">
             <a:extLst>
               <a:ext uri="{FF2B5EF4-FFF2-40B4-BE49-F238E27FC236}">
-                <a16:creationId xmlns="" xmlns:a16="http://schemas.microsoft.com/office/drawing/2014/main" id="{56ED47A9-A9F4-4F09-ACC8-551503988E95}"/>
+                <a16:creationId xmlns:a16="http://schemas.microsoft.com/office/drawing/2014/main" xmlns="" id="{56ED47A9-A9F4-4F09-ACC8-551503988E95}"/>
               </a:ext>
             </a:extLst>
           </p:cNvPr>
@@ -11659,7 +11664,7 @@
           <p:cNvPr id="7" name="Номер слайда 6">
             <a:extLst>
               <a:ext uri="{FF2B5EF4-FFF2-40B4-BE49-F238E27FC236}">
-                <a16:creationId xmlns="" xmlns:a16="http://schemas.microsoft.com/office/drawing/2014/main" id="{5781A6D9-A361-45E0-BC53-73CE9A64F236}"/>
+                <a16:creationId xmlns:a16="http://schemas.microsoft.com/office/drawing/2014/main" xmlns="" id="{5781A6D9-A361-45E0-BC53-73CE9A64F236}"/>
               </a:ext>
             </a:extLst>
           </p:cNvPr>
@@ -11731,7 +11736,7 @@
           <p:cNvPr id="2" name="Заголовок 1">
             <a:extLst>
               <a:ext uri="{FF2B5EF4-FFF2-40B4-BE49-F238E27FC236}">
-                <a16:creationId xmlns="" xmlns:a16="http://schemas.microsoft.com/office/drawing/2014/main" id="{DA7D677C-C7F0-4F3B-A6EA-AB20DE296BCE}"/>
+                <a16:creationId xmlns:a16="http://schemas.microsoft.com/office/drawing/2014/main" xmlns="" id="{DA7D677C-C7F0-4F3B-A6EA-AB20DE296BCE}"/>
               </a:ext>
             </a:extLst>
           </p:cNvPr>
@@ -11764,7 +11769,7 @@
           <p:cNvPr id="3" name="Текст 2">
             <a:extLst>
               <a:ext uri="{FF2B5EF4-FFF2-40B4-BE49-F238E27FC236}">
-                <a16:creationId xmlns="" xmlns:a16="http://schemas.microsoft.com/office/drawing/2014/main" id="{97D014BC-7ACA-49E6-A096-CCB619349370}"/>
+                <a16:creationId xmlns:a16="http://schemas.microsoft.com/office/drawing/2014/main" xmlns="" id="{97D014BC-7ACA-49E6-A096-CCB619349370}"/>
               </a:ext>
             </a:extLst>
           </p:cNvPr>
@@ -11835,7 +11840,7 @@
           <p:cNvPr id="4" name="Объект 3">
             <a:extLst>
               <a:ext uri="{FF2B5EF4-FFF2-40B4-BE49-F238E27FC236}">
-                <a16:creationId xmlns="" xmlns:a16="http://schemas.microsoft.com/office/drawing/2014/main" id="{BB8DE8A6-1AAA-4684-864D-FDB47C7D96F0}"/>
+                <a16:creationId xmlns:a16="http://schemas.microsoft.com/office/drawing/2014/main" xmlns="" id="{BB8DE8A6-1AAA-4684-864D-FDB47C7D96F0}"/>
               </a:ext>
             </a:extLst>
           </p:cNvPr>
@@ -11897,7 +11902,7 @@
           <p:cNvPr id="5" name="Текст 4">
             <a:extLst>
               <a:ext uri="{FF2B5EF4-FFF2-40B4-BE49-F238E27FC236}">
-                <a16:creationId xmlns="" xmlns:a16="http://schemas.microsoft.com/office/drawing/2014/main" id="{CBE1B1AE-17C6-467B-892C-7AC3F562B5D9}"/>
+                <a16:creationId xmlns:a16="http://schemas.microsoft.com/office/drawing/2014/main" xmlns="" id="{CBE1B1AE-17C6-467B-892C-7AC3F562B5D9}"/>
               </a:ext>
             </a:extLst>
           </p:cNvPr>
@@ -11968,7 +11973,7 @@
           <p:cNvPr id="6" name="Объект 5">
             <a:extLst>
               <a:ext uri="{FF2B5EF4-FFF2-40B4-BE49-F238E27FC236}">
-                <a16:creationId xmlns="" xmlns:a16="http://schemas.microsoft.com/office/drawing/2014/main" id="{614941AE-3D3C-4829-A8E8-DEF5ABA1A136}"/>
+                <a16:creationId xmlns:a16="http://schemas.microsoft.com/office/drawing/2014/main" xmlns="" id="{614941AE-3D3C-4829-A8E8-DEF5ABA1A136}"/>
               </a:ext>
             </a:extLst>
           </p:cNvPr>
@@ -12030,7 +12035,7 @@
           <p:cNvPr id="7" name="Дата 6">
             <a:extLst>
               <a:ext uri="{FF2B5EF4-FFF2-40B4-BE49-F238E27FC236}">
-                <a16:creationId xmlns="" xmlns:a16="http://schemas.microsoft.com/office/drawing/2014/main" id="{8788D684-D1C1-486C-A345-ED103447255A}"/>
+                <a16:creationId xmlns:a16="http://schemas.microsoft.com/office/drawing/2014/main" xmlns="" id="{8788D684-D1C1-486C-A345-ED103447255A}"/>
               </a:ext>
             </a:extLst>
           </p:cNvPr>
@@ -12055,7 +12060,7 @@
                 </a:solidFill>
               </a:rPr>
               <a:pPr/>
-              <a:t>11.12.2024</a:t>
+              <a:t>15.12.2024</a:t>
             </a:fld>
             <a:endParaRPr lang="ru-RU">
               <a:solidFill>
@@ -12072,7 +12077,7 @@
           <p:cNvPr id="8" name="Нижний колонтитул 7">
             <a:extLst>
               <a:ext uri="{FF2B5EF4-FFF2-40B4-BE49-F238E27FC236}">
-                <a16:creationId xmlns="" xmlns:a16="http://schemas.microsoft.com/office/drawing/2014/main" id="{BC79A696-74AE-453A-987B-08CFEED0915D}"/>
+                <a16:creationId xmlns:a16="http://schemas.microsoft.com/office/drawing/2014/main" xmlns="" id="{BC79A696-74AE-453A-987B-08CFEED0915D}"/>
               </a:ext>
             </a:extLst>
           </p:cNvPr>
@@ -12103,7 +12108,7 @@
           <p:cNvPr id="9" name="Номер слайда 8">
             <a:extLst>
               <a:ext uri="{FF2B5EF4-FFF2-40B4-BE49-F238E27FC236}">
-                <a16:creationId xmlns="" xmlns:a16="http://schemas.microsoft.com/office/drawing/2014/main" id="{865CC8BD-2946-4A70-B528-28D3A4731D3E}"/>
+                <a16:creationId xmlns:a16="http://schemas.microsoft.com/office/drawing/2014/main" xmlns="" id="{865CC8BD-2946-4A70-B528-28D3A4731D3E}"/>
               </a:ext>
             </a:extLst>
           </p:cNvPr>
@@ -12175,7 +12180,7 @@
           <p:cNvPr id="2" name="Заголовок 1">
             <a:extLst>
               <a:ext uri="{FF2B5EF4-FFF2-40B4-BE49-F238E27FC236}">
-                <a16:creationId xmlns="" xmlns:a16="http://schemas.microsoft.com/office/drawing/2014/main" id="{DA7D677C-C7F0-4F3B-A6EA-AB20DE296BCE}"/>
+                <a16:creationId xmlns:a16="http://schemas.microsoft.com/office/drawing/2014/main" xmlns="" id="{DA7D677C-C7F0-4F3B-A6EA-AB20DE296BCE}"/>
               </a:ext>
             </a:extLst>
           </p:cNvPr>
@@ -12208,7 +12213,7 @@
           <p:cNvPr id="3" name="Текст 2">
             <a:extLst>
               <a:ext uri="{FF2B5EF4-FFF2-40B4-BE49-F238E27FC236}">
-                <a16:creationId xmlns="" xmlns:a16="http://schemas.microsoft.com/office/drawing/2014/main" id="{97D014BC-7ACA-49E6-A096-CCB619349370}"/>
+                <a16:creationId xmlns:a16="http://schemas.microsoft.com/office/drawing/2014/main" xmlns="" id="{97D014BC-7ACA-49E6-A096-CCB619349370}"/>
               </a:ext>
             </a:extLst>
           </p:cNvPr>
@@ -12279,7 +12284,7 @@
           <p:cNvPr id="4" name="Объект 3">
             <a:extLst>
               <a:ext uri="{FF2B5EF4-FFF2-40B4-BE49-F238E27FC236}">
-                <a16:creationId xmlns="" xmlns:a16="http://schemas.microsoft.com/office/drawing/2014/main" id="{BB8DE8A6-1AAA-4684-864D-FDB47C7D96F0}"/>
+                <a16:creationId xmlns:a16="http://schemas.microsoft.com/office/drawing/2014/main" xmlns="" id="{BB8DE8A6-1AAA-4684-864D-FDB47C7D96F0}"/>
               </a:ext>
             </a:extLst>
           </p:cNvPr>
@@ -12341,7 +12346,7 @@
           <p:cNvPr id="5" name="Текст 4">
             <a:extLst>
               <a:ext uri="{FF2B5EF4-FFF2-40B4-BE49-F238E27FC236}">
-                <a16:creationId xmlns="" xmlns:a16="http://schemas.microsoft.com/office/drawing/2014/main" id="{CBE1B1AE-17C6-467B-892C-7AC3F562B5D9}"/>
+                <a16:creationId xmlns:a16="http://schemas.microsoft.com/office/drawing/2014/main" xmlns="" id="{CBE1B1AE-17C6-467B-892C-7AC3F562B5D9}"/>
               </a:ext>
             </a:extLst>
           </p:cNvPr>
@@ -12412,7 +12417,7 @@
           <p:cNvPr id="6" name="Объект 5">
             <a:extLst>
               <a:ext uri="{FF2B5EF4-FFF2-40B4-BE49-F238E27FC236}">
-                <a16:creationId xmlns="" xmlns:a16="http://schemas.microsoft.com/office/drawing/2014/main" id="{614941AE-3D3C-4829-A8E8-DEF5ABA1A136}"/>
+                <a16:creationId xmlns:a16="http://schemas.microsoft.com/office/drawing/2014/main" xmlns="" id="{614941AE-3D3C-4829-A8E8-DEF5ABA1A136}"/>
               </a:ext>
             </a:extLst>
           </p:cNvPr>
@@ -12474,7 +12479,7 @@
           <p:cNvPr id="7" name="Дата 6">
             <a:extLst>
               <a:ext uri="{FF2B5EF4-FFF2-40B4-BE49-F238E27FC236}">
-                <a16:creationId xmlns="" xmlns:a16="http://schemas.microsoft.com/office/drawing/2014/main" id="{8788D684-D1C1-486C-A345-ED103447255A}"/>
+                <a16:creationId xmlns:a16="http://schemas.microsoft.com/office/drawing/2014/main" xmlns="" id="{8788D684-D1C1-486C-A345-ED103447255A}"/>
               </a:ext>
             </a:extLst>
           </p:cNvPr>
@@ -12499,7 +12504,7 @@
                 </a:solidFill>
               </a:rPr>
               <a:pPr/>
-              <a:t>11.12.2024</a:t>
+              <a:t>15.12.2024</a:t>
             </a:fld>
             <a:endParaRPr lang="ru-RU">
               <a:solidFill>
@@ -12516,7 +12521,7 @@
           <p:cNvPr id="8" name="Нижний колонтитул 7">
             <a:extLst>
               <a:ext uri="{FF2B5EF4-FFF2-40B4-BE49-F238E27FC236}">
-                <a16:creationId xmlns="" xmlns:a16="http://schemas.microsoft.com/office/drawing/2014/main" id="{BC79A696-74AE-453A-987B-08CFEED0915D}"/>
+                <a16:creationId xmlns:a16="http://schemas.microsoft.com/office/drawing/2014/main" xmlns="" id="{BC79A696-74AE-453A-987B-08CFEED0915D}"/>
               </a:ext>
             </a:extLst>
           </p:cNvPr>
@@ -12547,7 +12552,7 @@
           <p:cNvPr id="9" name="Номер слайда 8">
             <a:extLst>
               <a:ext uri="{FF2B5EF4-FFF2-40B4-BE49-F238E27FC236}">
-                <a16:creationId xmlns="" xmlns:a16="http://schemas.microsoft.com/office/drawing/2014/main" id="{865CC8BD-2946-4A70-B528-28D3A4731D3E}"/>
+                <a16:creationId xmlns:a16="http://schemas.microsoft.com/office/drawing/2014/main" xmlns="" id="{865CC8BD-2946-4A70-B528-28D3A4731D3E}"/>
               </a:ext>
             </a:extLst>
           </p:cNvPr>
@@ -12619,7 +12624,7 @@
           <p:cNvPr id="2" name="Заголовок 1">
             <a:extLst>
               <a:ext uri="{FF2B5EF4-FFF2-40B4-BE49-F238E27FC236}">
-                <a16:creationId xmlns="" xmlns:a16="http://schemas.microsoft.com/office/drawing/2014/main" id="{BBE3E4DA-137A-4AB1-A414-8BAABB289B44}"/>
+                <a16:creationId xmlns:a16="http://schemas.microsoft.com/office/drawing/2014/main" xmlns="" id="{BBE3E4DA-137A-4AB1-A414-8BAABB289B44}"/>
               </a:ext>
             </a:extLst>
           </p:cNvPr>
@@ -12647,7 +12652,7 @@
           <p:cNvPr id="3" name="Дата 2">
             <a:extLst>
               <a:ext uri="{FF2B5EF4-FFF2-40B4-BE49-F238E27FC236}">
-                <a16:creationId xmlns="" xmlns:a16="http://schemas.microsoft.com/office/drawing/2014/main" id="{92A8EBDB-DD44-4DFD-A719-27154064888D}"/>
+                <a16:creationId xmlns:a16="http://schemas.microsoft.com/office/drawing/2014/main" xmlns="" id="{92A8EBDB-DD44-4DFD-A719-27154064888D}"/>
               </a:ext>
             </a:extLst>
           </p:cNvPr>
@@ -12672,7 +12677,7 @@
                 </a:solidFill>
               </a:rPr>
               <a:pPr/>
-              <a:t>11.12.2024</a:t>
+              <a:t>15.12.2024</a:t>
             </a:fld>
             <a:endParaRPr lang="ru-RU">
               <a:solidFill>
@@ -12689,7 +12694,7 @@
           <p:cNvPr id="4" name="Нижний колонтитул 3">
             <a:extLst>
               <a:ext uri="{FF2B5EF4-FFF2-40B4-BE49-F238E27FC236}">
-                <a16:creationId xmlns="" xmlns:a16="http://schemas.microsoft.com/office/drawing/2014/main" id="{7FCB1F9F-2AC9-4B3B-BB3D-75DE2BC6AC22}"/>
+                <a16:creationId xmlns:a16="http://schemas.microsoft.com/office/drawing/2014/main" xmlns="" id="{7FCB1F9F-2AC9-4B3B-BB3D-75DE2BC6AC22}"/>
               </a:ext>
             </a:extLst>
           </p:cNvPr>
@@ -12720,7 +12725,7 @@
           <p:cNvPr id="5" name="Номер слайда 4">
             <a:extLst>
               <a:ext uri="{FF2B5EF4-FFF2-40B4-BE49-F238E27FC236}">
-                <a16:creationId xmlns="" xmlns:a16="http://schemas.microsoft.com/office/drawing/2014/main" id="{702C7962-6E0C-4704-9944-6A1F7320ABC2}"/>
+                <a16:creationId xmlns:a16="http://schemas.microsoft.com/office/drawing/2014/main" xmlns="" id="{702C7962-6E0C-4704-9944-6A1F7320ABC2}"/>
               </a:ext>
             </a:extLst>
           </p:cNvPr>
@@ -12792,7 +12797,7 @@
           <p:cNvPr id="2" name="Дата 1">
             <a:extLst>
               <a:ext uri="{FF2B5EF4-FFF2-40B4-BE49-F238E27FC236}">
-                <a16:creationId xmlns="" xmlns:a16="http://schemas.microsoft.com/office/drawing/2014/main" id="{FD7FC50E-5817-46DD-8AA2-395CCDBFE9FE}"/>
+                <a16:creationId xmlns:a16="http://schemas.microsoft.com/office/drawing/2014/main" xmlns="" id="{FD7FC50E-5817-46DD-8AA2-395CCDBFE9FE}"/>
               </a:ext>
             </a:extLst>
           </p:cNvPr>
@@ -12817,7 +12822,7 @@
                 </a:solidFill>
               </a:rPr>
               <a:pPr/>
-              <a:t>11.12.2024</a:t>
+              <a:t>15.12.2024</a:t>
             </a:fld>
             <a:endParaRPr lang="ru-RU">
               <a:solidFill>
@@ -12834,7 +12839,7 @@
           <p:cNvPr id="3" name="Нижний колонтитул 2">
             <a:extLst>
               <a:ext uri="{FF2B5EF4-FFF2-40B4-BE49-F238E27FC236}">
-                <a16:creationId xmlns="" xmlns:a16="http://schemas.microsoft.com/office/drawing/2014/main" id="{CFE81D92-EF85-4BA2-ADF0-838A9EF7ACCD}"/>
+                <a16:creationId xmlns:a16="http://schemas.microsoft.com/office/drawing/2014/main" xmlns="" id="{CFE81D92-EF85-4BA2-ADF0-838A9EF7ACCD}"/>
               </a:ext>
             </a:extLst>
           </p:cNvPr>
@@ -12865,7 +12870,7 @@
           <p:cNvPr id="4" name="Номер слайда 3">
             <a:extLst>
               <a:ext uri="{FF2B5EF4-FFF2-40B4-BE49-F238E27FC236}">
-                <a16:creationId xmlns="" xmlns:a16="http://schemas.microsoft.com/office/drawing/2014/main" id="{1CC181DA-FE2B-4E21-A375-7C6D4117A643}"/>
+                <a16:creationId xmlns:a16="http://schemas.microsoft.com/office/drawing/2014/main" xmlns="" id="{1CC181DA-FE2B-4E21-A375-7C6D4117A643}"/>
               </a:ext>
             </a:extLst>
           </p:cNvPr>
@@ -12937,7 +12942,7 @@
           <p:cNvPr id="2" name="Заголовок 1">
             <a:extLst>
               <a:ext uri="{FF2B5EF4-FFF2-40B4-BE49-F238E27FC236}">
-                <a16:creationId xmlns="" xmlns:a16="http://schemas.microsoft.com/office/drawing/2014/main" id="{123BFBA1-CC3D-4B94-841F-0296C1B78C7C}"/>
+                <a16:creationId xmlns:a16="http://schemas.microsoft.com/office/drawing/2014/main" xmlns="" id="{123BFBA1-CC3D-4B94-841F-0296C1B78C7C}"/>
               </a:ext>
             </a:extLst>
           </p:cNvPr>
@@ -12974,7 +12979,7 @@
           <p:cNvPr id="3" name="Объект 2">
             <a:extLst>
               <a:ext uri="{FF2B5EF4-FFF2-40B4-BE49-F238E27FC236}">
-                <a16:creationId xmlns="" xmlns:a16="http://schemas.microsoft.com/office/drawing/2014/main" id="{0AC1F87B-6400-4BB3-AC66-BFBD258E4F92}"/>
+                <a16:creationId xmlns:a16="http://schemas.microsoft.com/office/drawing/2014/main" xmlns="" id="{0AC1F87B-6400-4BB3-AC66-BFBD258E4F92}"/>
               </a:ext>
             </a:extLst>
           </p:cNvPr>
@@ -13064,7 +13069,7 @@
           <p:cNvPr id="4" name="Текст 3">
             <a:extLst>
               <a:ext uri="{FF2B5EF4-FFF2-40B4-BE49-F238E27FC236}">
-                <a16:creationId xmlns="" xmlns:a16="http://schemas.microsoft.com/office/drawing/2014/main" id="{72703A69-584B-47AF-8D54-B70BE0313C83}"/>
+                <a16:creationId xmlns:a16="http://schemas.microsoft.com/office/drawing/2014/main" xmlns="" id="{72703A69-584B-47AF-8D54-B70BE0313C83}"/>
               </a:ext>
             </a:extLst>
           </p:cNvPr>
@@ -13135,7 +13140,7 @@
           <p:cNvPr id="5" name="Дата 4">
             <a:extLst>
               <a:ext uri="{FF2B5EF4-FFF2-40B4-BE49-F238E27FC236}">
-                <a16:creationId xmlns="" xmlns:a16="http://schemas.microsoft.com/office/drawing/2014/main" id="{62040FA1-DD22-410A-9B4B-E485A4186111}"/>
+                <a16:creationId xmlns:a16="http://schemas.microsoft.com/office/drawing/2014/main" xmlns="" id="{62040FA1-DD22-410A-9B4B-E485A4186111}"/>
               </a:ext>
             </a:extLst>
           </p:cNvPr>
@@ -13160,7 +13165,7 @@
                 </a:solidFill>
               </a:rPr>
               <a:pPr/>
-              <a:t>11.12.2024</a:t>
+              <a:t>15.12.2024</a:t>
             </a:fld>
             <a:endParaRPr lang="ru-RU">
               <a:solidFill>
@@ -13177,7 +13182,7 @@
           <p:cNvPr id="6" name="Нижний колонтитул 5">
             <a:extLst>
               <a:ext uri="{FF2B5EF4-FFF2-40B4-BE49-F238E27FC236}">
-                <a16:creationId xmlns="" xmlns:a16="http://schemas.microsoft.com/office/drawing/2014/main" id="{D0E47DFF-90BF-4691-8599-8924CCFA96BA}"/>
+                <a16:creationId xmlns:a16="http://schemas.microsoft.com/office/drawing/2014/main" xmlns="" id="{D0E47DFF-90BF-4691-8599-8924CCFA96BA}"/>
               </a:ext>
             </a:extLst>
           </p:cNvPr>
@@ -13208,7 +13213,7 @@
           <p:cNvPr id="7" name="Номер слайда 6">
             <a:extLst>
               <a:ext uri="{FF2B5EF4-FFF2-40B4-BE49-F238E27FC236}">
-                <a16:creationId xmlns="" xmlns:a16="http://schemas.microsoft.com/office/drawing/2014/main" id="{D74EA17A-D4D9-494E-BE29-1ADEC6502A6A}"/>
+                <a16:creationId xmlns:a16="http://schemas.microsoft.com/office/drawing/2014/main" xmlns="" id="{D74EA17A-D4D9-494E-BE29-1ADEC6502A6A}"/>
               </a:ext>
             </a:extLst>
           </p:cNvPr>
@@ -13280,7 +13285,7 @@
           <p:cNvPr id="2" name="Заголовок 1">
             <a:extLst>
               <a:ext uri="{FF2B5EF4-FFF2-40B4-BE49-F238E27FC236}">
-                <a16:creationId xmlns="" xmlns:a16="http://schemas.microsoft.com/office/drawing/2014/main" id="{F49B463B-25E4-4D8B-9C8B-7A482EB6BE3D}"/>
+                <a16:creationId xmlns:a16="http://schemas.microsoft.com/office/drawing/2014/main" xmlns="" id="{F49B463B-25E4-4D8B-9C8B-7A482EB6BE3D}"/>
               </a:ext>
             </a:extLst>
           </p:cNvPr>
@@ -13317,7 +13322,7 @@
           <p:cNvPr id="3" name="Рисунок 2">
             <a:extLst>
               <a:ext uri="{FF2B5EF4-FFF2-40B4-BE49-F238E27FC236}">
-                <a16:creationId xmlns="" xmlns:a16="http://schemas.microsoft.com/office/drawing/2014/main" id="{83F0F355-59FE-4038-8971-D3ED35E922E9}"/>
+                <a16:creationId xmlns:a16="http://schemas.microsoft.com/office/drawing/2014/main" xmlns="" id="{83F0F355-59FE-4038-8971-D3ED35E922E9}"/>
               </a:ext>
             </a:extLst>
           </p:cNvPr>
@@ -13384,7 +13389,7 @@
           <p:cNvPr id="4" name="Текст 3">
             <a:extLst>
               <a:ext uri="{FF2B5EF4-FFF2-40B4-BE49-F238E27FC236}">
-                <a16:creationId xmlns="" xmlns:a16="http://schemas.microsoft.com/office/drawing/2014/main" id="{FDFB660D-13A9-4F42-8C06-195206E03A22}"/>
+                <a16:creationId xmlns:a16="http://schemas.microsoft.com/office/drawing/2014/main" xmlns="" id="{FDFB660D-13A9-4F42-8C06-195206E03A22}"/>
               </a:ext>
             </a:extLst>
           </p:cNvPr>
@@ -13455,7 +13460,7 @@
           <p:cNvPr id="5" name="Дата 4">
             <a:extLst>
               <a:ext uri="{FF2B5EF4-FFF2-40B4-BE49-F238E27FC236}">
-                <a16:creationId xmlns="" xmlns:a16="http://schemas.microsoft.com/office/drawing/2014/main" id="{32D3507F-9B66-4576-B797-A56FB4D769EA}"/>
+                <a16:creationId xmlns:a16="http://schemas.microsoft.com/office/drawing/2014/main" xmlns="" id="{32D3507F-9B66-4576-B797-A56FB4D769EA}"/>
               </a:ext>
             </a:extLst>
           </p:cNvPr>
@@ -13480,7 +13485,7 @@
                 </a:solidFill>
               </a:rPr>
               <a:pPr/>
-              <a:t>11.12.2024</a:t>
+              <a:t>15.12.2024</a:t>
             </a:fld>
             <a:endParaRPr lang="ru-RU">
               <a:solidFill>
@@ -13497,7 +13502,7 @@
           <p:cNvPr id="6" name="Нижний колонтитул 5">
             <a:extLst>
               <a:ext uri="{FF2B5EF4-FFF2-40B4-BE49-F238E27FC236}">
-                <a16:creationId xmlns="" xmlns:a16="http://schemas.microsoft.com/office/drawing/2014/main" id="{33E1C823-22DA-4E16-9A64-EAE2690E2671}"/>
+                <a16:creationId xmlns:a16="http://schemas.microsoft.com/office/drawing/2014/main" xmlns="" id="{33E1C823-22DA-4E16-9A64-EAE2690E2671}"/>
               </a:ext>
             </a:extLst>
           </p:cNvPr>
@@ -13528,7 +13533,7 @@
           <p:cNvPr id="7" name="Номер слайда 6">
             <a:extLst>
               <a:ext uri="{FF2B5EF4-FFF2-40B4-BE49-F238E27FC236}">
-                <a16:creationId xmlns="" xmlns:a16="http://schemas.microsoft.com/office/drawing/2014/main" id="{84A46F45-E6EA-41A3-A4D8-184446A9274B}"/>
+                <a16:creationId xmlns:a16="http://schemas.microsoft.com/office/drawing/2014/main" xmlns="" id="{84A46F45-E6EA-41A3-A4D8-184446A9274B}"/>
               </a:ext>
             </a:extLst>
           </p:cNvPr>
@@ -13600,7 +13605,7 @@
           <p:cNvPr id="2" name="Заголовок 1">
             <a:extLst>
               <a:ext uri="{FF2B5EF4-FFF2-40B4-BE49-F238E27FC236}">
-                <a16:creationId xmlns="" xmlns:a16="http://schemas.microsoft.com/office/drawing/2014/main" id="{6CF49AB5-D37A-48B1-B073-EAAC30C9FDEE}"/>
+                <a16:creationId xmlns:a16="http://schemas.microsoft.com/office/drawing/2014/main" xmlns="" id="{6CF49AB5-D37A-48B1-B073-EAAC30C9FDEE}"/>
               </a:ext>
             </a:extLst>
           </p:cNvPr>
@@ -13628,7 +13633,7 @@
           <p:cNvPr id="3" name="Вертикальный текст 2">
             <a:extLst>
               <a:ext uri="{FF2B5EF4-FFF2-40B4-BE49-F238E27FC236}">
-                <a16:creationId xmlns="" xmlns:a16="http://schemas.microsoft.com/office/drawing/2014/main" id="{7CE38227-3CF8-4F77-9CF2-1DB07A09D09E}"/>
+                <a16:creationId xmlns:a16="http://schemas.microsoft.com/office/drawing/2014/main" xmlns="" id="{7CE38227-3CF8-4F77-9CF2-1DB07A09D09E}"/>
               </a:ext>
             </a:extLst>
           </p:cNvPr>
@@ -13685,7 +13690,7 @@
           <p:cNvPr id="4" name="Дата 3">
             <a:extLst>
               <a:ext uri="{FF2B5EF4-FFF2-40B4-BE49-F238E27FC236}">
-                <a16:creationId xmlns="" xmlns:a16="http://schemas.microsoft.com/office/drawing/2014/main" id="{9AC2B907-4341-4FB3-8A7B-E872FFC8FB3D}"/>
+                <a16:creationId xmlns:a16="http://schemas.microsoft.com/office/drawing/2014/main" xmlns="" id="{9AC2B907-4341-4FB3-8A7B-E872FFC8FB3D}"/>
               </a:ext>
             </a:extLst>
           </p:cNvPr>
@@ -13710,7 +13715,7 @@
                 </a:solidFill>
               </a:rPr>
               <a:pPr/>
-              <a:t>11.12.2024</a:t>
+              <a:t>15.12.2024</a:t>
             </a:fld>
             <a:endParaRPr lang="ru-RU">
               <a:solidFill>
@@ -13727,7 +13732,7 @@
           <p:cNvPr id="5" name="Нижний колонтитул 4">
             <a:extLst>
               <a:ext uri="{FF2B5EF4-FFF2-40B4-BE49-F238E27FC236}">
-                <a16:creationId xmlns="" xmlns:a16="http://schemas.microsoft.com/office/drawing/2014/main" id="{DCA55E7E-1D8C-4B23-B3F6-1F61A2D7BE80}"/>
+                <a16:creationId xmlns:a16="http://schemas.microsoft.com/office/drawing/2014/main" xmlns="" id="{DCA55E7E-1D8C-4B23-B3F6-1F61A2D7BE80}"/>
               </a:ext>
             </a:extLst>
           </p:cNvPr>
@@ -13758,7 +13763,7 @@
           <p:cNvPr id="6" name="Номер слайда 5">
             <a:extLst>
               <a:ext uri="{FF2B5EF4-FFF2-40B4-BE49-F238E27FC236}">
-                <a16:creationId xmlns="" xmlns:a16="http://schemas.microsoft.com/office/drawing/2014/main" id="{83625A07-2FBB-4E11-A78A-F766603D93E9}"/>
+                <a16:creationId xmlns:a16="http://schemas.microsoft.com/office/drawing/2014/main" xmlns="" id="{83625A07-2FBB-4E11-A78A-F766603D93E9}"/>
               </a:ext>
             </a:extLst>
           </p:cNvPr>
@@ -13830,7 +13835,7 @@
           <p:cNvPr id="2" name="Вертикальный заголовок 1">
             <a:extLst>
               <a:ext uri="{FF2B5EF4-FFF2-40B4-BE49-F238E27FC236}">
-                <a16:creationId xmlns="" xmlns:a16="http://schemas.microsoft.com/office/drawing/2014/main" id="{F4698497-17CC-470F-98BB-C3A02E07D528}"/>
+                <a16:creationId xmlns:a16="http://schemas.microsoft.com/office/drawing/2014/main" xmlns="" id="{F4698497-17CC-470F-98BB-C3A02E07D528}"/>
               </a:ext>
             </a:extLst>
           </p:cNvPr>
@@ -13863,7 +13868,7 @@
           <p:cNvPr id="3" name="Вертикальный текст 2">
             <a:extLst>
               <a:ext uri="{FF2B5EF4-FFF2-40B4-BE49-F238E27FC236}">
-                <a16:creationId xmlns="" xmlns:a16="http://schemas.microsoft.com/office/drawing/2014/main" id="{49633681-BE9E-4E45-9190-12C77604575A}"/>
+                <a16:creationId xmlns:a16="http://schemas.microsoft.com/office/drawing/2014/main" xmlns="" id="{49633681-BE9E-4E45-9190-12C77604575A}"/>
               </a:ext>
             </a:extLst>
           </p:cNvPr>
@@ -13925,7 +13930,7 @@
           <p:cNvPr id="4" name="Дата 3">
             <a:extLst>
               <a:ext uri="{FF2B5EF4-FFF2-40B4-BE49-F238E27FC236}">
-                <a16:creationId xmlns="" xmlns:a16="http://schemas.microsoft.com/office/drawing/2014/main" id="{7DB77614-ECA3-4C9C-B413-883C6117EA91}"/>
+                <a16:creationId xmlns:a16="http://schemas.microsoft.com/office/drawing/2014/main" xmlns="" id="{7DB77614-ECA3-4C9C-B413-883C6117EA91}"/>
               </a:ext>
             </a:extLst>
           </p:cNvPr>
@@ -13950,7 +13955,7 @@
                 </a:solidFill>
               </a:rPr>
               <a:pPr/>
-              <a:t>11.12.2024</a:t>
+              <a:t>15.12.2024</a:t>
             </a:fld>
             <a:endParaRPr lang="ru-RU">
               <a:solidFill>
@@ -13967,7 +13972,7 @@
           <p:cNvPr id="5" name="Нижний колонтитул 4">
             <a:extLst>
               <a:ext uri="{FF2B5EF4-FFF2-40B4-BE49-F238E27FC236}">
-                <a16:creationId xmlns="" xmlns:a16="http://schemas.microsoft.com/office/drawing/2014/main" id="{85B8077F-087A-4957-A24F-19D421D28FDB}"/>
+                <a16:creationId xmlns:a16="http://schemas.microsoft.com/office/drawing/2014/main" xmlns="" id="{85B8077F-087A-4957-A24F-19D421D28FDB}"/>
               </a:ext>
             </a:extLst>
           </p:cNvPr>
@@ -13998,7 +14003,7 @@
           <p:cNvPr id="6" name="Номер слайда 5">
             <a:extLst>
               <a:ext uri="{FF2B5EF4-FFF2-40B4-BE49-F238E27FC236}">
-                <a16:creationId xmlns="" xmlns:a16="http://schemas.microsoft.com/office/drawing/2014/main" id="{E360F1AB-0A66-47A8-BBA1-0C3C8765F374}"/>
+                <a16:creationId xmlns:a16="http://schemas.microsoft.com/office/drawing/2014/main" xmlns="" id="{E360F1AB-0A66-47A8-BBA1-0C3C8765F374}"/>
               </a:ext>
             </a:extLst>
           </p:cNvPr>
@@ -14070,7 +14075,7 @@
           <p:cNvPr id="2" name="Заголовок 1">
             <a:extLst>
               <a:ext uri="{FF2B5EF4-FFF2-40B4-BE49-F238E27FC236}">
-                <a16:creationId xmlns="" xmlns:a16="http://schemas.microsoft.com/office/drawing/2014/main" id="{0A0D4E15-8A51-4299-9012-BAD6F55FD592}"/>
+                <a16:creationId xmlns:a16="http://schemas.microsoft.com/office/drawing/2014/main" xmlns="" id="{0A0D4E15-8A51-4299-9012-BAD6F55FD592}"/>
               </a:ext>
             </a:extLst>
           </p:cNvPr>
@@ -14107,7 +14112,7 @@
           <p:cNvPr id="3" name="Подзаголовок 2">
             <a:extLst>
               <a:ext uri="{FF2B5EF4-FFF2-40B4-BE49-F238E27FC236}">
-                <a16:creationId xmlns="" xmlns:a16="http://schemas.microsoft.com/office/drawing/2014/main" id="{36E08218-4EDA-45D3-AFAA-980ED054C2F0}"/>
+                <a16:creationId xmlns:a16="http://schemas.microsoft.com/office/drawing/2014/main" xmlns="" id="{36E08218-4EDA-45D3-AFAA-980ED054C2F0}"/>
               </a:ext>
             </a:extLst>
           </p:cNvPr>
@@ -14177,7 +14182,7 @@
           <p:cNvPr id="4" name="Дата 3">
             <a:extLst>
               <a:ext uri="{FF2B5EF4-FFF2-40B4-BE49-F238E27FC236}">
-                <a16:creationId xmlns="" xmlns:a16="http://schemas.microsoft.com/office/drawing/2014/main" id="{0C03B076-E891-438D-9EA2-A26EC370E018}"/>
+                <a16:creationId xmlns:a16="http://schemas.microsoft.com/office/drawing/2014/main" xmlns="" id="{0C03B076-E891-438D-9EA2-A26EC370E018}"/>
               </a:ext>
             </a:extLst>
           </p:cNvPr>
@@ -14202,7 +14207,7 @@
                 </a:solidFill>
               </a:rPr>
               <a:pPr/>
-              <a:t>11.12.2024</a:t>
+              <a:t>15.12.2024</a:t>
             </a:fld>
             <a:endParaRPr lang="ru-RU">
               <a:solidFill>
@@ -14219,7 +14224,7 @@
           <p:cNvPr id="5" name="Нижний колонтитул 4">
             <a:extLst>
               <a:ext uri="{FF2B5EF4-FFF2-40B4-BE49-F238E27FC236}">
-                <a16:creationId xmlns="" xmlns:a16="http://schemas.microsoft.com/office/drawing/2014/main" id="{03A0EEB7-CD0F-4AD2-BC74-0C8A23CF5C94}"/>
+                <a16:creationId xmlns:a16="http://schemas.microsoft.com/office/drawing/2014/main" xmlns="" id="{03A0EEB7-CD0F-4AD2-BC74-0C8A23CF5C94}"/>
               </a:ext>
             </a:extLst>
           </p:cNvPr>
@@ -14250,7 +14255,7 @@
           <p:cNvPr id="6" name="Номер слайда 5">
             <a:extLst>
               <a:ext uri="{FF2B5EF4-FFF2-40B4-BE49-F238E27FC236}">
-                <a16:creationId xmlns="" xmlns:a16="http://schemas.microsoft.com/office/drawing/2014/main" id="{C3C1B7AF-0B2C-4DF5-B40D-49BC5B419BA4}"/>
+                <a16:creationId xmlns:a16="http://schemas.microsoft.com/office/drawing/2014/main" xmlns="" id="{C3C1B7AF-0B2C-4DF5-B40D-49BC5B419BA4}"/>
               </a:ext>
             </a:extLst>
           </p:cNvPr>
@@ -14322,7 +14327,7 @@
           <p:cNvPr id="2" name="Заголовок 1">
             <a:extLst>
               <a:ext uri="{FF2B5EF4-FFF2-40B4-BE49-F238E27FC236}">
-                <a16:creationId xmlns="" xmlns:a16="http://schemas.microsoft.com/office/drawing/2014/main" id="{152195FB-2CE5-4E65-B9F8-5F1F3EC868D5}"/>
+                <a16:creationId xmlns:a16="http://schemas.microsoft.com/office/drawing/2014/main" xmlns="" id="{152195FB-2CE5-4E65-B9F8-5F1F3EC868D5}"/>
               </a:ext>
             </a:extLst>
           </p:cNvPr>
@@ -14350,7 +14355,7 @@
           <p:cNvPr id="3" name="Объект 2">
             <a:extLst>
               <a:ext uri="{FF2B5EF4-FFF2-40B4-BE49-F238E27FC236}">
-                <a16:creationId xmlns="" xmlns:a16="http://schemas.microsoft.com/office/drawing/2014/main" id="{47EBCDDF-3185-47D1-869B-6A6654E69730}"/>
+                <a16:creationId xmlns:a16="http://schemas.microsoft.com/office/drawing/2014/main" xmlns="" id="{47EBCDDF-3185-47D1-869B-6A6654E69730}"/>
               </a:ext>
             </a:extLst>
           </p:cNvPr>
@@ -14407,7 +14412,7 @@
           <p:cNvPr id="4" name="Дата 3">
             <a:extLst>
               <a:ext uri="{FF2B5EF4-FFF2-40B4-BE49-F238E27FC236}">
-                <a16:creationId xmlns="" xmlns:a16="http://schemas.microsoft.com/office/drawing/2014/main" id="{C701CEEF-C1DB-4DE4-BA25-598908BC0618}"/>
+                <a16:creationId xmlns:a16="http://schemas.microsoft.com/office/drawing/2014/main" xmlns="" id="{C701CEEF-C1DB-4DE4-BA25-598908BC0618}"/>
               </a:ext>
             </a:extLst>
           </p:cNvPr>
@@ -14432,7 +14437,7 @@
                 </a:solidFill>
               </a:rPr>
               <a:pPr/>
-              <a:t>11.12.2024</a:t>
+              <a:t>15.12.2024</a:t>
             </a:fld>
             <a:endParaRPr lang="ru-RU">
               <a:solidFill>
@@ -14449,7 +14454,7 @@
           <p:cNvPr id="5" name="Нижний колонтитул 4">
             <a:extLst>
               <a:ext uri="{FF2B5EF4-FFF2-40B4-BE49-F238E27FC236}">
-                <a16:creationId xmlns="" xmlns:a16="http://schemas.microsoft.com/office/drawing/2014/main" id="{83DDA5F6-7099-42A6-A39A-EB62D4B4D186}"/>
+                <a16:creationId xmlns:a16="http://schemas.microsoft.com/office/drawing/2014/main" xmlns="" id="{83DDA5F6-7099-42A6-A39A-EB62D4B4D186}"/>
               </a:ext>
             </a:extLst>
           </p:cNvPr>
@@ -14480,7 +14485,7 @@
           <p:cNvPr id="6" name="Номер слайда 5">
             <a:extLst>
               <a:ext uri="{FF2B5EF4-FFF2-40B4-BE49-F238E27FC236}">
-                <a16:creationId xmlns="" xmlns:a16="http://schemas.microsoft.com/office/drawing/2014/main" id="{A79188D9-3D73-4899-BA1C-F32851467359}"/>
+                <a16:creationId xmlns:a16="http://schemas.microsoft.com/office/drawing/2014/main" xmlns="" id="{A79188D9-3D73-4899-BA1C-F32851467359}"/>
               </a:ext>
             </a:extLst>
           </p:cNvPr>
@@ -14552,7 +14557,7 @@
           <p:cNvPr id="2" name="Заголовок 1">
             <a:extLst>
               <a:ext uri="{FF2B5EF4-FFF2-40B4-BE49-F238E27FC236}">
-                <a16:creationId xmlns="" xmlns:a16="http://schemas.microsoft.com/office/drawing/2014/main" id="{00B9177C-0711-487F-BF30-9BF41BD8A675}"/>
+                <a16:creationId xmlns:a16="http://schemas.microsoft.com/office/drawing/2014/main" xmlns="" id="{00B9177C-0711-487F-BF30-9BF41BD8A675}"/>
               </a:ext>
             </a:extLst>
           </p:cNvPr>
@@ -14589,7 +14594,7 @@
           <p:cNvPr id="3" name="Текст 2">
             <a:extLst>
               <a:ext uri="{FF2B5EF4-FFF2-40B4-BE49-F238E27FC236}">
-                <a16:creationId xmlns="" xmlns:a16="http://schemas.microsoft.com/office/drawing/2014/main" id="{F30EAC3C-217F-49B7-82B3-467ECA6F1B74}"/>
+                <a16:creationId xmlns:a16="http://schemas.microsoft.com/office/drawing/2014/main" xmlns="" id="{F30EAC3C-217F-49B7-82B3-467ECA6F1B74}"/>
               </a:ext>
             </a:extLst>
           </p:cNvPr>
@@ -14714,7 +14719,7 @@
           <p:cNvPr id="4" name="Дата 3">
             <a:extLst>
               <a:ext uri="{FF2B5EF4-FFF2-40B4-BE49-F238E27FC236}">
-                <a16:creationId xmlns="" xmlns:a16="http://schemas.microsoft.com/office/drawing/2014/main" id="{18D79551-1602-4AC2-93FE-1FB31A631BB5}"/>
+                <a16:creationId xmlns:a16="http://schemas.microsoft.com/office/drawing/2014/main" xmlns="" id="{18D79551-1602-4AC2-93FE-1FB31A631BB5}"/>
               </a:ext>
             </a:extLst>
           </p:cNvPr>
@@ -14739,7 +14744,7 @@
                 </a:solidFill>
               </a:rPr>
               <a:pPr/>
-              <a:t>11.12.2024</a:t>
+              <a:t>15.12.2024</a:t>
             </a:fld>
             <a:endParaRPr lang="ru-RU">
               <a:solidFill>
@@ -14756,7 +14761,7 @@
           <p:cNvPr id="5" name="Нижний колонтитул 4">
             <a:extLst>
               <a:ext uri="{FF2B5EF4-FFF2-40B4-BE49-F238E27FC236}">
-                <a16:creationId xmlns="" xmlns:a16="http://schemas.microsoft.com/office/drawing/2014/main" id="{03377386-1C75-422F-8DB9-56166B016305}"/>
+                <a16:creationId xmlns:a16="http://schemas.microsoft.com/office/drawing/2014/main" xmlns="" id="{03377386-1C75-422F-8DB9-56166B016305}"/>
               </a:ext>
             </a:extLst>
           </p:cNvPr>
@@ -14787,7 +14792,7 @@
           <p:cNvPr id="6" name="Номер слайда 5">
             <a:extLst>
               <a:ext uri="{FF2B5EF4-FFF2-40B4-BE49-F238E27FC236}">
-                <a16:creationId xmlns="" xmlns:a16="http://schemas.microsoft.com/office/drawing/2014/main" id="{4663C5E2-76E5-416B-86F4-A224FE476321}"/>
+                <a16:creationId xmlns:a16="http://schemas.microsoft.com/office/drawing/2014/main" xmlns="" id="{4663C5E2-76E5-416B-86F4-A224FE476321}"/>
               </a:ext>
             </a:extLst>
           </p:cNvPr>
@@ -14859,7 +14864,7 @@
           <p:cNvPr id="2" name="Заголовок 1">
             <a:extLst>
               <a:ext uri="{FF2B5EF4-FFF2-40B4-BE49-F238E27FC236}">
-                <a16:creationId xmlns="" xmlns:a16="http://schemas.microsoft.com/office/drawing/2014/main" id="{5D39CE7B-0C5D-4B82-A8B9-67695D68B497}"/>
+                <a16:creationId xmlns:a16="http://schemas.microsoft.com/office/drawing/2014/main" xmlns="" id="{5D39CE7B-0C5D-4B82-A8B9-67695D68B497}"/>
               </a:ext>
             </a:extLst>
           </p:cNvPr>
@@ -14887,7 +14892,7 @@
           <p:cNvPr id="3" name="Объект 2">
             <a:extLst>
               <a:ext uri="{FF2B5EF4-FFF2-40B4-BE49-F238E27FC236}">
-                <a16:creationId xmlns="" xmlns:a16="http://schemas.microsoft.com/office/drawing/2014/main" id="{C7C7F9EE-DD1E-402C-A4E3-EBF1A5D3B67E}"/>
+                <a16:creationId xmlns:a16="http://schemas.microsoft.com/office/drawing/2014/main" xmlns="" id="{C7C7F9EE-DD1E-402C-A4E3-EBF1A5D3B67E}"/>
               </a:ext>
             </a:extLst>
           </p:cNvPr>
@@ -14949,7 +14954,7 @@
           <p:cNvPr id="4" name="Объект 3">
             <a:extLst>
               <a:ext uri="{FF2B5EF4-FFF2-40B4-BE49-F238E27FC236}">
-                <a16:creationId xmlns="" xmlns:a16="http://schemas.microsoft.com/office/drawing/2014/main" id="{6640E14A-646E-4C70-8003-474DE5596FD6}"/>
+                <a16:creationId xmlns:a16="http://schemas.microsoft.com/office/drawing/2014/main" xmlns="" id="{6640E14A-646E-4C70-8003-474DE5596FD6}"/>
               </a:ext>
             </a:extLst>
           </p:cNvPr>
@@ -15011,7 +15016,7 @@
           <p:cNvPr id="5" name="Дата 4">
             <a:extLst>
               <a:ext uri="{FF2B5EF4-FFF2-40B4-BE49-F238E27FC236}">
-                <a16:creationId xmlns="" xmlns:a16="http://schemas.microsoft.com/office/drawing/2014/main" id="{F11DF215-3DFA-4224-B272-581EC99739FA}"/>
+                <a16:creationId xmlns:a16="http://schemas.microsoft.com/office/drawing/2014/main" xmlns="" id="{F11DF215-3DFA-4224-B272-581EC99739FA}"/>
               </a:ext>
             </a:extLst>
           </p:cNvPr>
@@ -15036,7 +15041,7 @@
                 </a:solidFill>
               </a:rPr>
               <a:pPr/>
-              <a:t>11.12.2024</a:t>
+              <a:t>15.12.2024</a:t>
             </a:fld>
             <a:endParaRPr lang="ru-RU">
               <a:solidFill>
@@ -15053,7 +15058,7 @@
           <p:cNvPr id="6" name="Нижний колонтитул 5">
             <a:extLst>
               <a:ext uri="{FF2B5EF4-FFF2-40B4-BE49-F238E27FC236}">
-                <a16:creationId xmlns="" xmlns:a16="http://schemas.microsoft.com/office/drawing/2014/main" id="{56ED47A9-A9F4-4F09-ACC8-551503988E95}"/>
+                <a16:creationId xmlns:a16="http://schemas.microsoft.com/office/drawing/2014/main" xmlns="" id="{56ED47A9-A9F4-4F09-ACC8-551503988E95}"/>
               </a:ext>
             </a:extLst>
           </p:cNvPr>
@@ -15084,7 +15089,7 @@
           <p:cNvPr id="7" name="Номер слайда 6">
             <a:extLst>
               <a:ext uri="{FF2B5EF4-FFF2-40B4-BE49-F238E27FC236}">
-                <a16:creationId xmlns="" xmlns:a16="http://schemas.microsoft.com/office/drawing/2014/main" id="{5781A6D9-A361-45E0-BC53-73CE9A64F236}"/>
+                <a16:creationId xmlns:a16="http://schemas.microsoft.com/office/drawing/2014/main" xmlns="" id="{5781A6D9-A361-45E0-BC53-73CE9A64F236}"/>
               </a:ext>
             </a:extLst>
           </p:cNvPr>
@@ -15156,7 +15161,7 @@
           <p:cNvPr id="2" name="Заголовок 1">
             <a:extLst>
               <a:ext uri="{FF2B5EF4-FFF2-40B4-BE49-F238E27FC236}">
-                <a16:creationId xmlns="" xmlns:a16="http://schemas.microsoft.com/office/drawing/2014/main" id="{BBE3E4DA-137A-4AB1-A414-8BAABB289B44}"/>
+                <a16:creationId xmlns:a16="http://schemas.microsoft.com/office/drawing/2014/main" xmlns="" id="{BBE3E4DA-137A-4AB1-A414-8BAABB289B44}"/>
               </a:ext>
             </a:extLst>
           </p:cNvPr>
@@ -15184,7 +15189,7 @@
           <p:cNvPr id="3" name="Дата 2">
             <a:extLst>
               <a:ext uri="{FF2B5EF4-FFF2-40B4-BE49-F238E27FC236}">
-                <a16:creationId xmlns="" xmlns:a16="http://schemas.microsoft.com/office/drawing/2014/main" id="{92A8EBDB-DD44-4DFD-A719-27154064888D}"/>
+                <a16:creationId xmlns:a16="http://schemas.microsoft.com/office/drawing/2014/main" xmlns="" id="{92A8EBDB-DD44-4DFD-A719-27154064888D}"/>
               </a:ext>
             </a:extLst>
           </p:cNvPr>
@@ -15209,7 +15214,7 @@
                 </a:solidFill>
               </a:rPr>
               <a:pPr/>
-              <a:t>11.12.2024</a:t>
+              <a:t>15.12.2024</a:t>
             </a:fld>
             <a:endParaRPr lang="ru-RU">
               <a:solidFill>
@@ -15226,7 +15231,7 @@
           <p:cNvPr id="4" name="Нижний колонтитул 3">
             <a:extLst>
               <a:ext uri="{FF2B5EF4-FFF2-40B4-BE49-F238E27FC236}">
-                <a16:creationId xmlns="" xmlns:a16="http://schemas.microsoft.com/office/drawing/2014/main" id="{7FCB1F9F-2AC9-4B3B-BB3D-75DE2BC6AC22}"/>
+                <a16:creationId xmlns:a16="http://schemas.microsoft.com/office/drawing/2014/main" xmlns="" id="{7FCB1F9F-2AC9-4B3B-BB3D-75DE2BC6AC22}"/>
               </a:ext>
             </a:extLst>
           </p:cNvPr>
@@ -15257,7 +15262,7 @@
           <p:cNvPr id="5" name="Номер слайда 4">
             <a:extLst>
               <a:ext uri="{FF2B5EF4-FFF2-40B4-BE49-F238E27FC236}">
-                <a16:creationId xmlns="" xmlns:a16="http://schemas.microsoft.com/office/drawing/2014/main" id="{702C7962-6E0C-4704-9944-6A1F7320ABC2}"/>
+                <a16:creationId xmlns:a16="http://schemas.microsoft.com/office/drawing/2014/main" xmlns="" id="{702C7962-6E0C-4704-9944-6A1F7320ABC2}"/>
               </a:ext>
             </a:extLst>
           </p:cNvPr>
@@ -15329,7 +15334,7 @@
           <p:cNvPr id="2" name="Заголовок 1">
             <a:extLst>
               <a:ext uri="{FF2B5EF4-FFF2-40B4-BE49-F238E27FC236}">
-                <a16:creationId xmlns="" xmlns:a16="http://schemas.microsoft.com/office/drawing/2014/main" id="{DA7D677C-C7F0-4F3B-A6EA-AB20DE296BCE}"/>
+                <a16:creationId xmlns:a16="http://schemas.microsoft.com/office/drawing/2014/main" xmlns="" id="{DA7D677C-C7F0-4F3B-A6EA-AB20DE296BCE}"/>
               </a:ext>
             </a:extLst>
           </p:cNvPr>
@@ -15362,7 +15367,7 @@
           <p:cNvPr id="3" name="Текст 2">
             <a:extLst>
               <a:ext uri="{FF2B5EF4-FFF2-40B4-BE49-F238E27FC236}">
-                <a16:creationId xmlns="" xmlns:a16="http://schemas.microsoft.com/office/drawing/2014/main" id="{97D014BC-7ACA-49E6-A096-CCB619349370}"/>
+                <a16:creationId xmlns:a16="http://schemas.microsoft.com/office/drawing/2014/main" xmlns="" id="{97D014BC-7ACA-49E6-A096-CCB619349370}"/>
               </a:ext>
             </a:extLst>
           </p:cNvPr>
@@ -15433,7 +15438,7 @@
           <p:cNvPr id="4" name="Объект 3">
             <a:extLst>
               <a:ext uri="{FF2B5EF4-FFF2-40B4-BE49-F238E27FC236}">
-                <a16:creationId xmlns="" xmlns:a16="http://schemas.microsoft.com/office/drawing/2014/main" id="{BB8DE8A6-1AAA-4684-864D-FDB47C7D96F0}"/>
+                <a16:creationId xmlns:a16="http://schemas.microsoft.com/office/drawing/2014/main" xmlns="" id="{BB8DE8A6-1AAA-4684-864D-FDB47C7D96F0}"/>
               </a:ext>
             </a:extLst>
           </p:cNvPr>
@@ -15495,7 +15500,7 @@
           <p:cNvPr id="5" name="Текст 4">
             <a:extLst>
               <a:ext uri="{FF2B5EF4-FFF2-40B4-BE49-F238E27FC236}">
-                <a16:creationId xmlns="" xmlns:a16="http://schemas.microsoft.com/office/drawing/2014/main" id="{CBE1B1AE-17C6-467B-892C-7AC3F562B5D9}"/>
+                <a16:creationId xmlns:a16="http://schemas.microsoft.com/office/drawing/2014/main" xmlns="" id="{CBE1B1AE-17C6-467B-892C-7AC3F562B5D9}"/>
               </a:ext>
             </a:extLst>
           </p:cNvPr>
@@ -15566,7 +15571,7 @@
           <p:cNvPr id="6" name="Объект 5">
             <a:extLst>
               <a:ext uri="{FF2B5EF4-FFF2-40B4-BE49-F238E27FC236}">
-                <a16:creationId xmlns="" xmlns:a16="http://schemas.microsoft.com/office/drawing/2014/main" id="{614941AE-3D3C-4829-A8E8-DEF5ABA1A136}"/>
+                <a16:creationId xmlns:a16="http://schemas.microsoft.com/office/drawing/2014/main" xmlns="" id="{614941AE-3D3C-4829-A8E8-DEF5ABA1A136}"/>
               </a:ext>
             </a:extLst>
           </p:cNvPr>
@@ -15628,7 +15633,7 @@
           <p:cNvPr id="7" name="Дата 6">
             <a:extLst>
               <a:ext uri="{FF2B5EF4-FFF2-40B4-BE49-F238E27FC236}">
-                <a16:creationId xmlns="" xmlns:a16="http://schemas.microsoft.com/office/drawing/2014/main" id="{8788D684-D1C1-486C-A345-ED103447255A}"/>
+                <a16:creationId xmlns:a16="http://schemas.microsoft.com/office/drawing/2014/main" xmlns="" id="{8788D684-D1C1-486C-A345-ED103447255A}"/>
               </a:ext>
             </a:extLst>
           </p:cNvPr>
@@ -15653,7 +15658,7 @@
                 </a:solidFill>
               </a:rPr>
               <a:pPr/>
-              <a:t>11.12.2024</a:t>
+              <a:t>15.12.2024</a:t>
             </a:fld>
             <a:endParaRPr lang="ru-RU">
               <a:solidFill>
@@ -15670,7 +15675,7 @@
           <p:cNvPr id="8" name="Нижний колонтитул 7">
             <a:extLst>
               <a:ext uri="{FF2B5EF4-FFF2-40B4-BE49-F238E27FC236}">
-                <a16:creationId xmlns="" xmlns:a16="http://schemas.microsoft.com/office/drawing/2014/main" id="{BC79A696-74AE-453A-987B-08CFEED0915D}"/>
+                <a16:creationId xmlns:a16="http://schemas.microsoft.com/office/drawing/2014/main" xmlns="" id="{BC79A696-74AE-453A-987B-08CFEED0915D}"/>
               </a:ext>
             </a:extLst>
           </p:cNvPr>
@@ -15701,7 +15706,7 @@
           <p:cNvPr id="9" name="Номер слайда 8">
             <a:extLst>
               <a:ext uri="{FF2B5EF4-FFF2-40B4-BE49-F238E27FC236}">
-                <a16:creationId xmlns="" xmlns:a16="http://schemas.microsoft.com/office/drawing/2014/main" id="{865CC8BD-2946-4A70-B528-28D3A4731D3E}"/>
+                <a16:creationId xmlns:a16="http://schemas.microsoft.com/office/drawing/2014/main" xmlns="" id="{865CC8BD-2946-4A70-B528-28D3A4731D3E}"/>
               </a:ext>
             </a:extLst>
           </p:cNvPr>
@@ -15773,7 +15778,7 @@
           <p:cNvPr id="2" name="Заголовок 1">
             <a:extLst>
               <a:ext uri="{FF2B5EF4-FFF2-40B4-BE49-F238E27FC236}">
-                <a16:creationId xmlns="" xmlns:a16="http://schemas.microsoft.com/office/drawing/2014/main" id="{BBE3E4DA-137A-4AB1-A414-8BAABB289B44}"/>
+                <a16:creationId xmlns:a16="http://schemas.microsoft.com/office/drawing/2014/main" xmlns="" id="{BBE3E4DA-137A-4AB1-A414-8BAABB289B44}"/>
               </a:ext>
             </a:extLst>
           </p:cNvPr>
@@ -15801,7 +15806,7 @@
           <p:cNvPr id="3" name="Дата 2">
             <a:extLst>
               <a:ext uri="{FF2B5EF4-FFF2-40B4-BE49-F238E27FC236}">
-                <a16:creationId xmlns="" xmlns:a16="http://schemas.microsoft.com/office/drawing/2014/main" id="{92A8EBDB-DD44-4DFD-A719-27154064888D}"/>
+                <a16:creationId xmlns:a16="http://schemas.microsoft.com/office/drawing/2014/main" xmlns="" id="{92A8EBDB-DD44-4DFD-A719-27154064888D}"/>
               </a:ext>
             </a:extLst>
           </p:cNvPr>
@@ -15826,7 +15831,7 @@
                 </a:solidFill>
               </a:rPr>
               <a:pPr/>
-              <a:t>11.12.2024</a:t>
+              <a:t>15.12.2024</a:t>
             </a:fld>
             <a:endParaRPr lang="ru-RU">
               <a:solidFill>
@@ -15843,7 +15848,7 @@
           <p:cNvPr id="4" name="Нижний колонтитул 3">
             <a:extLst>
               <a:ext uri="{FF2B5EF4-FFF2-40B4-BE49-F238E27FC236}">
-                <a16:creationId xmlns="" xmlns:a16="http://schemas.microsoft.com/office/drawing/2014/main" id="{7FCB1F9F-2AC9-4B3B-BB3D-75DE2BC6AC22}"/>
+                <a16:creationId xmlns:a16="http://schemas.microsoft.com/office/drawing/2014/main" xmlns="" id="{7FCB1F9F-2AC9-4B3B-BB3D-75DE2BC6AC22}"/>
               </a:ext>
             </a:extLst>
           </p:cNvPr>
@@ -15874,7 +15879,7 @@
           <p:cNvPr id="5" name="Номер слайда 4">
             <a:extLst>
               <a:ext uri="{FF2B5EF4-FFF2-40B4-BE49-F238E27FC236}">
-                <a16:creationId xmlns="" xmlns:a16="http://schemas.microsoft.com/office/drawing/2014/main" id="{702C7962-6E0C-4704-9944-6A1F7320ABC2}"/>
+                <a16:creationId xmlns:a16="http://schemas.microsoft.com/office/drawing/2014/main" xmlns="" id="{702C7962-6E0C-4704-9944-6A1F7320ABC2}"/>
               </a:ext>
             </a:extLst>
           </p:cNvPr>
@@ -15946,7 +15951,7 @@
           <p:cNvPr id="2" name="Дата 1">
             <a:extLst>
               <a:ext uri="{FF2B5EF4-FFF2-40B4-BE49-F238E27FC236}">
-                <a16:creationId xmlns="" xmlns:a16="http://schemas.microsoft.com/office/drawing/2014/main" id="{FD7FC50E-5817-46DD-8AA2-395CCDBFE9FE}"/>
+                <a16:creationId xmlns:a16="http://schemas.microsoft.com/office/drawing/2014/main" xmlns="" id="{FD7FC50E-5817-46DD-8AA2-395CCDBFE9FE}"/>
               </a:ext>
             </a:extLst>
           </p:cNvPr>
@@ -15971,7 +15976,7 @@
                 </a:solidFill>
               </a:rPr>
               <a:pPr/>
-              <a:t>11.12.2024</a:t>
+              <a:t>15.12.2024</a:t>
             </a:fld>
             <a:endParaRPr lang="ru-RU">
               <a:solidFill>
@@ -15988,7 +15993,7 @@
           <p:cNvPr id="3" name="Нижний колонтитул 2">
             <a:extLst>
               <a:ext uri="{FF2B5EF4-FFF2-40B4-BE49-F238E27FC236}">
-                <a16:creationId xmlns="" xmlns:a16="http://schemas.microsoft.com/office/drawing/2014/main" id="{CFE81D92-EF85-4BA2-ADF0-838A9EF7ACCD}"/>
+                <a16:creationId xmlns:a16="http://schemas.microsoft.com/office/drawing/2014/main" xmlns="" id="{CFE81D92-EF85-4BA2-ADF0-838A9EF7ACCD}"/>
               </a:ext>
             </a:extLst>
           </p:cNvPr>
@@ -16019,7 +16024,7 @@
           <p:cNvPr id="4" name="Номер слайда 3">
             <a:extLst>
               <a:ext uri="{FF2B5EF4-FFF2-40B4-BE49-F238E27FC236}">
-                <a16:creationId xmlns="" xmlns:a16="http://schemas.microsoft.com/office/drawing/2014/main" id="{1CC181DA-FE2B-4E21-A375-7C6D4117A643}"/>
+                <a16:creationId xmlns:a16="http://schemas.microsoft.com/office/drawing/2014/main" xmlns="" id="{1CC181DA-FE2B-4E21-A375-7C6D4117A643}"/>
               </a:ext>
             </a:extLst>
           </p:cNvPr>
@@ -16091,7 +16096,7 @@
           <p:cNvPr id="2" name="Заголовок 1">
             <a:extLst>
               <a:ext uri="{FF2B5EF4-FFF2-40B4-BE49-F238E27FC236}">
-                <a16:creationId xmlns="" xmlns:a16="http://schemas.microsoft.com/office/drawing/2014/main" id="{123BFBA1-CC3D-4B94-841F-0296C1B78C7C}"/>
+                <a16:creationId xmlns:a16="http://schemas.microsoft.com/office/drawing/2014/main" xmlns="" id="{123BFBA1-CC3D-4B94-841F-0296C1B78C7C}"/>
               </a:ext>
             </a:extLst>
           </p:cNvPr>
@@ -16128,7 +16133,7 @@
           <p:cNvPr id="3" name="Объект 2">
             <a:extLst>
               <a:ext uri="{FF2B5EF4-FFF2-40B4-BE49-F238E27FC236}">
-                <a16:creationId xmlns="" xmlns:a16="http://schemas.microsoft.com/office/drawing/2014/main" id="{0AC1F87B-6400-4BB3-AC66-BFBD258E4F92}"/>
+                <a16:creationId xmlns:a16="http://schemas.microsoft.com/office/drawing/2014/main" xmlns="" id="{0AC1F87B-6400-4BB3-AC66-BFBD258E4F92}"/>
               </a:ext>
             </a:extLst>
           </p:cNvPr>
@@ -16218,7 +16223,7 @@
           <p:cNvPr id="4" name="Текст 3">
             <a:extLst>
               <a:ext uri="{FF2B5EF4-FFF2-40B4-BE49-F238E27FC236}">
-                <a16:creationId xmlns="" xmlns:a16="http://schemas.microsoft.com/office/drawing/2014/main" id="{72703A69-584B-47AF-8D54-B70BE0313C83}"/>
+                <a16:creationId xmlns:a16="http://schemas.microsoft.com/office/drawing/2014/main" xmlns="" id="{72703A69-584B-47AF-8D54-B70BE0313C83}"/>
               </a:ext>
             </a:extLst>
           </p:cNvPr>
@@ -16289,7 +16294,7 @@
           <p:cNvPr id="5" name="Дата 4">
             <a:extLst>
               <a:ext uri="{FF2B5EF4-FFF2-40B4-BE49-F238E27FC236}">
-                <a16:creationId xmlns="" xmlns:a16="http://schemas.microsoft.com/office/drawing/2014/main" id="{62040FA1-DD22-410A-9B4B-E485A4186111}"/>
+                <a16:creationId xmlns:a16="http://schemas.microsoft.com/office/drawing/2014/main" xmlns="" id="{62040FA1-DD22-410A-9B4B-E485A4186111}"/>
               </a:ext>
             </a:extLst>
           </p:cNvPr>
@@ -16314,7 +16319,7 @@
                 </a:solidFill>
               </a:rPr>
               <a:pPr/>
-              <a:t>11.12.2024</a:t>
+              <a:t>15.12.2024</a:t>
             </a:fld>
             <a:endParaRPr lang="ru-RU">
               <a:solidFill>
@@ -16331,7 +16336,7 @@
           <p:cNvPr id="6" name="Нижний колонтитул 5">
             <a:extLst>
               <a:ext uri="{FF2B5EF4-FFF2-40B4-BE49-F238E27FC236}">
-                <a16:creationId xmlns="" xmlns:a16="http://schemas.microsoft.com/office/drawing/2014/main" id="{D0E47DFF-90BF-4691-8599-8924CCFA96BA}"/>
+                <a16:creationId xmlns:a16="http://schemas.microsoft.com/office/drawing/2014/main" xmlns="" id="{D0E47DFF-90BF-4691-8599-8924CCFA96BA}"/>
               </a:ext>
             </a:extLst>
           </p:cNvPr>
@@ -16362,7 +16367,7 @@
           <p:cNvPr id="7" name="Номер слайда 6">
             <a:extLst>
               <a:ext uri="{FF2B5EF4-FFF2-40B4-BE49-F238E27FC236}">
-                <a16:creationId xmlns="" xmlns:a16="http://schemas.microsoft.com/office/drawing/2014/main" id="{D74EA17A-D4D9-494E-BE29-1ADEC6502A6A}"/>
+                <a16:creationId xmlns:a16="http://schemas.microsoft.com/office/drawing/2014/main" xmlns="" id="{D74EA17A-D4D9-494E-BE29-1ADEC6502A6A}"/>
               </a:ext>
             </a:extLst>
           </p:cNvPr>
@@ -16434,7 +16439,7 @@
           <p:cNvPr id="2" name="Заголовок 1">
             <a:extLst>
               <a:ext uri="{FF2B5EF4-FFF2-40B4-BE49-F238E27FC236}">
-                <a16:creationId xmlns="" xmlns:a16="http://schemas.microsoft.com/office/drawing/2014/main" id="{F49B463B-25E4-4D8B-9C8B-7A482EB6BE3D}"/>
+                <a16:creationId xmlns:a16="http://schemas.microsoft.com/office/drawing/2014/main" xmlns="" id="{F49B463B-25E4-4D8B-9C8B-7A482EB6BE3D}"/>
               </a:ext>
             </a:extLst>
           </p:cNvPr>
@@ -16471,7 +16476,7 @@
           <p:cNvPr id="3" name="Рисунок 2">
             <a:extLst>
               <a:ext uri="{FF2B5EF4-FFF2-40B4-BE49-F238E27FC236}">
-                <a16:creationId xmlns="" xmlns:a16="http://schemas.microsoft.com/office/drawing/2014/main" id="{83F0F355-59FE-4038-8971-D3ED35E922E9}"/>
+                <a16:creationId xmlns:a16="http://schemas.microsoft.com/office/drawing/2014/main" xmlns="" id="{83F0F355-59FE-4038-8971-D3ED35E922E9}"/>
               </a:ext>
             </a:extLst>
           </p:cNvPr>
@@ -16538,7 +16543,7 @@
           <p:cNvPr id="4" name="Текст 3">
             <a:extLst>
               <a:ext uri="{FF2B5EF4-FFF2-40B4-BE49-F238E27FC236}">
-                <a16:creationId xmlns="" xmlns:a16="http://schemas.microsoft.com/office/drawing/2014/main" id="{FDFB660D-13A9-4F42-8C06-195206E03A22}"/>
+                <a16:creationId xmlns:a16="http://schemas.microsoft.com/office/drawing/2014/main" xmlns="" id="{FDFB660D-13A9-4F42-8C06-195206E03A22}"/>
               </a:ext>
             </a:extLst>
           </p:cNvPr>
@@ -16609,7 +16614,7 @@
           <p:cNvPr id="5" name="Дата 4">
             <a:extLst>
               <a:ext uri="{FF2B5EF4-FFF2-40B4-BE49-F238E27FC236}">
-                <a16:creationId xmlns="" xmlns:a16="http://schemas.microsoft.com/office/drawing/2014/main" id="{32D3507F-9B66-4576-B797-A56FB4D769EA}"/>
+                <a16:creationId xmlns:a16="http://schemas.microsoft.com/office/drawing/2014/main" xmlns="" id="{32D3507F-9B66-4576-B797-A56FB4D769EA}"/>
               </a:ext>
             </a:extLst>
           </p:cNvPr>
@@ -16634,7 +16639,7 @@
                 </a:solidFill>
               </a:rPr>
               <a:pPr/>
-              <a:t>11.12.2024</a:t>
+              <a:t>15.12.2024</a:t>
             </a:fld>
             <a:endParaRPr lang="ru-RU">
               <a:solidFill>
@@ -16651,7 +16656,7 @@
           <p:cNvPr id="6" name="Нижний колонтитул 5">
             <a:extLst>
               <a:ext uri="{FF2B5EF4-FFF2-40B4-BE49-F238E27FC236}">
-                <a16:creationId xmlns="" xmlns:a16="http://schemas.microsoft.com/office/drawing/2014/main" id="{33E1C823-22DA-4E16-9A64-EAE2690E2671}"/>
+                <a16:creationId xmlns:a16="http://schemas.microsoft.com/office/drawing/2014/main" xmlns="" id="{33E1C823-22DA-4E16-9A64-EAE2690E2671}"/>
               </a:ext>
             </a:extLst>
           </p:cNvPr>
@@ -16682,7 +16687,7 @@
           <p:cNvPr id="7" name="Номер слайда 6">
             <a:extLst>
               <a:ext uri="{FF2B5EF4-FFF2-40B4-BE49-F238E27FC236}">
-                <a16:creationId xmlns="" xmlns:a16="http://schemas.microsoft.com/office/drawing/2014/main" id="{84A46F45-E6EA-41A3-A4D8-184446A9274B}"/>
+                <a16:creationId xmlns:a16="http://schemas.microsoft.com/office/drawing/2014/main" xmlns="" id="{84A46F45-E6EA-41A3-A4D8-184446A9274B}"/>
               </a:ext>
             </a:extLst>
           </p:cNvPr>
@@ -16754,7 +16759,7 @@
           <p:cNvPr id="2" name="Заголовок 1">
             <a:extLst>
               <a:ext uri="{FF2B5EF4-FFF2-40B4-BE49-F238E27FC236}">
-                <a16:creationId xmlns="" xmlns:a16="http://schemas.microsoft.com/office/drawing/2014/main" id="{6CF49AB5-D37A-48B1-B073-EAAC30C9FDEE}"/>
+                <a16:creationId xmlns:a16="http://schemas.microsoft.com/office/drawing/2014/main" xmlns="" id="{6CF49AB5-D37A-48B1-B073-EAAC30C9FDEE}"/>
               </a:ext>
             </a:extLst>
           </p:cNvPr>
@@ -16782,7 +16787,7 @@
           <p:cNvPr id="3" name="Вертикальный текст 2">
             <a:extLst>
               <a:ext uri="{FF2B5EF4-FFF2-40B4-BE49-F238E27FC236}">
-                <a16:creationId xmlns="" xmlns:a16="http://schemas.microsoft.com/office/drawing/2014/main" id="{7CE38227-3CF8-4F77-9CF2-1DB07A09D09E}"/>
+                <a16:creationId xmlns:a16="http://schemas.microsoft.com/office/drawing/2014/main" xmlns="" id="{7CE38227-3CF8-4F77-9CF2-1DB07A09D09E}"/>
               </a:ext>
             </a:extLst>
           </p:cNvPr>
@@ -16839,7 +16844,7 @@
           <p:cNvPr id="4" name="Дата 3">
             <a:extLst>
               <a:ext uri="{FF2B5EF4-FFF2-40B4-BE49-F238E27FC236}">
-                <a16:creationId xmlns="" xmlns:a16="http://schemas.microsoft.com/office/drawing/2014/main" id="{9AC2B907-4341-4FB3-8A7B-E872FFC8FB3D}"/>
+                <a16:creationId xmlns:a16="http://schemas.microsoft.com/office/drawing/2014/main" xmlns="" id="{9AC2B907-4341-4FB3-8A7B-E872FFC8FB3D}"/>
               </a:ext>
             </a:extLst>
           </p:cNvPr>
@@ -16864,7 +16869,7 @@
                 </a:solidFill>
               </a:rPr>
               <a:pPr/>
-              <a:t>11.12.2024</a:t>
+              <a:t>15.12.2024</a:t>
             </a:fld>
             <a:endParaRPr lang="ru-RU">
               <a:solidFill>
@@ -16881,7 +16886,7 @@
           <p:cNvPr id="5" name="Нижний колонтитул 4">
             <a:extLst>
               <a:ext uri="{FF2B5EF4-FFF2-40B4-BE49-F238E27FC236}">
-                <a16:creationId xmlns="" xmlns:a16="http://schemas.microsoft.com/office/drawing/2014/main" id="{DCA55E7E-1D8C-4B23-B3F6-1F61A2D7BE80}"/>
+                <a16:creationId xmlns:a16="http://schemas.microsoft.com/office/drawing/2014/main" xmlns="" id="{DCA55E7E-1D8C-4B23-B3F6-1F61A2D7BE80}"/>
               </a:ext>
             </a:extLst>
           </p:cNvPr>
@@ -16912,7 +16917,7 @@
           <p:cNvPr id="6" name="Номер слайда 5">
             <a:extLst>
               <a:ext uri="{FF2B5EF4-FFF2-40B4-BE49-F238E27FC236}">
-                <a16:creationId xmlns="" xmlns:a16="http://schemas.microsoft.com/office/drawing/2014/main" id="{83625A07-2FBB-4E11-A78A-F766603D93E9}"/>
+                <a16:creationId xmlns:a16="http://schemas.microsoft.com/office/drawing/2014/main" xmlns="" id="{83625A07-2FBB-4E11-A78A-F766603D93E9}"/>
               </a:ext>
             </a:extLst>
           </p:cNvPr>
@@ -16984,7 +16989,7 @@
           <p:cNvPr id="2" name="Вертикальный заголовок 1">
             <a:extLst>
               <a:ext uri="{FF2B5EF4-FFF2-40B4-BE49-F238E27FC236}">
-                <a16:creationId xmlns="" xmlns:a16="http://schemas.microsoft.com/office/drawing/2014/main" id="{F4698497-17CC-470F-98BB-C3A02E07D528}"/>
+                <a16:creationId xmlns:a16="http://schemas.microsoft.com/office/drawing/2014/main" xmlns="" id="{F4698497-17CC-470F-98BB-C3A02E07D528}"/>
               </a:ext>
             </a:extLst>
           </p:cNvPr>
@@ -17017,7 +17022,7 @@
           <p:cNvPr id="3" name="Вертикальный текст 2">
             <a:extLst>
               <a:ext uri="{FF2B5EF4-FFF2-40B4-BE49-F238E27FC236}">
-                <a16:creationId xmlns="" xmlns:a16="http://schemas.microsoft.com/office/drawing/2014/main" id="{49633681-BE9E-4E45-9190-12C77604575A}"/>
+                <a16:creationId xmlns:a16="http://schemas.microsoft.com/office/drawing/2014/main" xmlns="" id="{49633681-BE9E-4E45-9190-12C77604575A}"/>
               </a:ext>
             </a:extLst>
           </p:cNvPr>
@@ -17079,7 +17084,7 @@
           <p:cNvPr id="4" name="Дата 3">
             <a:extLst>
               <a:ext uri="{FF2B5EF4-FFF2-40B4-BE49-F238E27FC236}">
-                <a16:creationId xmlns="" xmlns:a16="http://schemas.microsoft.com/office/drawing/2014/main" id="{7DB77614-ECA3-4C9C-B413-883C6117EA91}"/>
+                <a16:creationId xmlns:a16="http://schemas.microsoft.com/office/drawing/2014/main" xmlns="" id="{7DB77614-ECA3-4C9C-B413-883C6117EA91}"/>
               </a:ext>
             </a:extLst>
           </p:cNvPr>
@@ -17104,7 +17109,7 @@
                 </a:solidFill>
               </a:rPr>
               <a:pPr/>
-              <a:t>11.12.2024</a:t>
+              <a:t>15.12.2024</a:t>
             </a:fld>
             <a:endParaRPr lang="ru-RU">
               <a:solidFill>
@@ -17121,7 +17126,7 @@
           <p:cNvPr id="5" name="Нижний колонтитул 4">
             <a:extLst>
               <a:ext uri="{FF2B5EF4-FFF2-40B4-BE49-F238E27FC236}">
-                <a16:creationId xmlns="" xmlns:a16="http://schemas.microsoft.com/office/drawing/2014/main" id="{85B8077F-087A-4957-A24F-19D421D28FDB}"/>
+                <a16:creationId xmlns:a16="http://schemas.microsoft.com/office/drawing/2014/main" xmlns="" id="{85B8077F-087A-4957-A24F-19D421D28FDB}"/>
               </a:ext>
             </a:extLst>
           </p:cNvPr>
@@ -17152,7 +17157,7 @@
           <p:cNvPr id="6" name="Номер слайда 5">
             <a:extLst>
               <a:ext uri="{FF2B5EF4-FFF2-40B4-BE49-F238E27FC236}">
-                <a16:creationId xmlns="" xmlns:a16="http://schemas.microsoft.com/office/drawing/2014/main" id="{E360F1AB-0A66-47A8-BBA1-0C3C8765F374}"/>
+                <a16:creationId xmlns:a16="http://schemas.microsoft.com/office/drawing/2014/main" xmlns="" id="{E360F1AB-0A66-47A8-BBA1-0C3C8765F374}"/>
               </a:ext>
             </a:extLst>
           </p:cNvPr>
@@ -17224,7 +17229,7 @@
           <p:cNvPr id="2" name="Дата 1">
             <a:extLst>
               <a:ext uri="{FF2B5EF4-FFF2-40B4-BE49-F238E27FC236}">
-                <a16:creationId xmlns="" xmlns:a16="http://schemas.microsoft.com/office/drawing/2014/main" id="{FD7FC50E-5817-46DD-8AA2-395CCDBFE9FE}"/>
+                <a16:creationId xmlns:a16="http://schemas.microsoft.com/office/drawing/2014/main" xmlns="" id="{FD7FC50E-5817-46DD-8AA2-395CCDBFE9FE}"/>
               </a:ext>
             </a:extLst>
           </p:cNvPr>
@@ -17249,7 +17254,7 @@
                 </a:solidFill>
               </a:rPr>
               <a:pPr/>
-              <a:t>11.12.2024</a:t>
+              <a:t>15.12.2024</a:t>
             </a:fld>
             <a:endParaRPr lang="ru-RU">
               <a:solidFill>
@@ -17266,7 +17271,7 @@
           <p:cNvPr id="3" name="Нижний колонтитул 2">
             <a:extLst>
               <a:ext uri="{FF2B5EF4-FFF2-40B4-BE49-F238E27FC236}">
-                <a16:creationId xmlns="" xmlns:a16="http://schemas.microsoft.com/office/drawing/2014/main" id="{CFE81D92-EF85-4BA2-ADF0-838A9EF7ACCD}"/>
+                <a16:creationId xmlns:a16="http://schemas.microsoft.com/office/drawing/2014/main" xmlns="" id="{CFE81D92-EF85-4BA2-ADF0-838A9EF7ACCD}"/>
               </a:ext>
             </a:extLst>
           </p:cNvPr>
@@ -17297,7 +17302,7 @@
           <p:cNvPr id="4" name="Номер слайда 3">
             <a:extLst>
               <a:ext uri="{FF2B5EF4-FFF2-40B4-BE49-F238E27FC236}">
-                <a16:creationId xmlns="" xmlns:a16="http://schemas.microsoft.com/office/drawing/2014/main" id="{1CC181DA-FE2B-4E21-A375-7C6D4117A643}"/>
+                <a16:creationId xmlns:a16="http://schemas.microsoft.com/office/drawing/2014/main" xmlns="" id="{1CC181DA-FE2B-4E21-A375-7C6D4117A643}"/>
               </a:ext>
             </a:extLst>
           </p:cNvPr>
@@ -17369,7 +17374,7 @@
           <p:cNvPr id="2" name="Заголовок 1">
             <a:extLst>
               <a:ext uri="{FF2B5EF4-FFF2-40B4-BE49-F238E27FC236}">
-                <a16:creationId xmlns="" xmlns:a16="http://schemas.microsoft.com/office/drawing/2014/main" id="{123BFBA1-CC3D-4B94-841F-0296C1B78C7C}"/>
+                <a16:creationId xmlns:a16="http://schemas.microsoft.com/office/drawing/2014/main" xmlns="" id="{123BFBA1-CC3D-4B94-841F-0296C1B78C7C}"/>
               </a:ext>
             </a:extLst>
           </p:cNvPr>
@@ -17406,7 +17411,7 @@
           <p:cNvPr id="3" name="Объект 2">
             <a:extLst>
               <a:ext uri="{FF2B5EF4-FFF2-40B4-BE49-F238E27FC236}">
-                <a16:creationId xmlns="" xmlns:a16="http://schemas.microsoft.com/office/drawing/2014/main" id="{0AC1F87B-6400-4BB3-AC66-BFBD258E4F92}"/>
+                <a16:creationId xmlns:a16="http://schemas.microsoft.com/office/drawing/2014/main" xmlns="" id="{0AC1F87B-6400-4BB3-AC66-BFBD258E4F92}"/>
               </a:ext>
             </a:extLst>
           </p:cNvPr>
@@ -17496,7 +17501,7 @@
           <p:cNvPr id="4" name="Текст 3">
             <a:extLst>
               <a:ext uri="{FF2B5EF4-FFF2-40B4-BE49-F238E27FC236}">
-                <a16:creationId xmlns="" xmlns:a16="http://schemas.microsoft.com/office/drawing/2014/main" id="{72703A69-584B-47AF-8D54-B70BE0313C83}"/>
+                <a16:creationId xmlns:a16="http://schemas.microsoft.com/office/drawing/2014/main" xmlns="" id="{72703A69-584B-47AF-8D54-B70BE0313C83}"/>
               </a:ext>
             </a:extLst>
           </p:cNvPr>
@@ -17567,7 +17572,7 @@
           <p:cNvPr id="5" name="Дата 4">
             <a:extLst>
               <a:ext uri="{FF2B5EF4-FFF2-40B4-BE49-F238E27FC236}">
-                <a16:creationId xmlns="" xmlns:a16="http://schemas.microsoft.com/office/drawing/2014/main" id="{62040FA1-DD22-410A-9B4B-E485A4186111}"/>
+                <a16:creationId xmlns:a16="http://schemas.microsoft.com/office/drawing/2014/main" xmlns="" id="{62040FA1-DD22-410A-9B4B-E485A4186111}"/>
               </a:ext>
             </a:extLst>
           </p:cNvPr>
@@ -17592,7 +17597,7 @@
                 </a:solidFill>
               </a:rPr>
               <a:pPr/>
-              <a:t>11.12.2024</a:t>
+              <a:t>15.12.2024</a:t>
             </a:fld>
             <a:endParaRPr lang="ru-RU">
               <a:solidFill>
@@ -17609,7 +17614,7 @@
           <p:cNvPr id="6" name="Нижний колонтитул 5">
             <a:extLst>
               <a:ext uri="{FF2B5EF4-FFF2-40B4-BE49-F238E27FC236}">
-                <a16:creationId xmlns="" xmlns:a16="http://schemas.microsoft.com/office/drawing/2014/main" id="{D0E47DFF-90BF-4691-8599-8924CCFA96BA}"/>
+                <a16:creationId xmlns:a16="http://schemas.microsoft.com/office/drawing/2014/main" xmlns="" id="{D0E47DFF-90BF-4691-8599-8924CCFA96BA}"/>
               </a:ext>
             </a:extLst>
           </p:cNvPr>
@@ -17640,7 +17645,7 @@
           <p:cNvPr id="7" name="Номер слайда 6">
             <a:extLst>
               <a:ext uri="{FF2B5EF4-FFF2-40B4-BE49-F238E27FC236}">
-                <a16:creationId xmlns="" xmlns:a16="http://schemas.microsoft.com/office/drawing/2014/main" id="{D74EA17A-D4D9-494E-BE29-1ADEC6502A6A}"/>
+                <a16:creationId xmlns:a16="http://schemas.microsoft.com/office/drawing/2014/main" xmlns="" id="{D74EA17A-D4D9-494E-BE29-1ADEC6502A6A}"/>
               </a:ext>
             </a:extLst>
           </p:cNvPr>
@@ -17712,7 +17717,7 @@
           <p:cNvPr id="2" name="Заголовок 1">
             <a:extLst>
               <a:ext uri="{FF2B5EF4-FFF2-40B4-BE49-F238E27FC236}">
-                <a16:creationId xmlns="" xmlns:a16="http://schemas.microsoft.com/office/drawing/2014/main" id="{F49B463B-25E4-4D8B-9C8B-7A482EB6BE3D}"/>
+                <a16:creationId xmlns:a16="http://schemas.microsoft.com/office/drawing/2014/main" xmlns="" id="{F49B463B-25E4-4D8B-9C8B-7A482EB6BE3D}"/>
               </a:ext>
             </a:extLst>
           </p:cNvPr>
@@ -17749,7 +17754,7 @@
           <p:cNvPr id="3" name="Рисунок 2">
             <a:extLst>
               <a:ext uri="{FF2B5EF4-FFF2-40B4-BE49-F238E27FC236}">
-                <a16:creationId xmlns="" xmlns:a16="http://schemas.microsoft.com/office/drawing/2014/main" id="{83F0F355-59FE-4038-8971-D3ED35E922E9}"/>
+                <a16:creationId xmlns:a16="http://schemas.microsoft.com/office/drawing/2014/main" xmlns="" id="{83F0F355-59FE-4038-8971-D3ED35E922E9}"/>
               </a:ext>
             </a:extLst>
           </p:cNvPr>
@@ -17816,7 +17821,7 @@
           <p:cNvPr id="4" name="Текст 3">
             <a:extLst>
               <a:ext uri="{FF2B5EF4-FFF2-40B4-BE49-F238E27FC236}">
-                <a16:creationId xmlns="" xmlns:a16="http://schemas.microsoft.com/office/drawing/2014/main" id="{FDFB660D-13A9-4F42-8C06-195206E03A22}"/>
+                <a16:creationId xmlns:a16="http://schemas.microsoft.com/office/drawing/2014/main" xmlns="" id="{FDFB660D-13A9-4F42-8C06-195206E03A22}"/>
               </a:ext>
             </a:extLst>
           </p:cNvPr>
@@ -17887,7 +17892,7 @@
           <p:cNvPr id="5" name="Дата 4">
             <a:extLst>
               <a:ext uri="{FF2B5EF4-FFF2-40B4-BE49-F238E27FC236}">
-                <a16:creationId xmlns="" xmlns:a16="http://schemas.microsoft.com/office/drawing/2014/main" id="{32D3507F-9B66-4576-B797-A56FB4D769EA}"/>
+                <a16:creationId xmlns:a16="http://schemas.microsoft.com/office/drawing/2014/main" xmlns="" id="{32D3507F-9B66-4576-B797-A56FB4D769EA}"/>
               </a:ext>
             </a:extLst>
           </p:cNvPr>
@@ -17912,7 +17917,7 @@
                 </a:solidFill>
               </a:rPr>
               <a:pPr/>
-              <a:t>11.12.2024</a:t>
+              <a:t>15.12.2024</a:t>
             </a:fld>
             <a:endParaRPr lang="ru-RU">
               <a:solidFill>
@@ -17929,7 +17934,7 @@
           <p:cNvPr id="6" name="Нижний колонтитул 5">
             <a:extLst>
               <a:ext uri="{FF2B5EF4-FFF2-40B4-BE49-F238E27FC236}">
-                <a16:creationId xmlns="" xmlns:a16="http://schemas.microsoft.com/office/drawing/2014/main" id="{33E1C823-22DA-4E16-9A64-EAE2690E2671}"/>
+                <a16:creationId xmlns:a16="http://schemas.microsoft.com/office/drawing/2014/main" xmlns="" id="{33E1C823-22DA-4E16-9A64-EAE2690E2671}"/>
               </a:ext>
             </a:extLst>
           </p:cNvPr>
@@ -17960,7 +17965,7 @@
           <p:cNvPr id="7" name="Номер слайда 6">
             <a:extLst>
               <a:ext uri="{FF2B5EF4-FFF2-40B4-BE49-F238E27FC236}">
-                <a16:creationId xmlns="" xmlns:a16="http://schemas.microsoft.com/office/drawing/2014/main" id="{84A46F45-E6EA-41A3-A4D8-184446A9274B}"/>
+                <a16:creationId xmlns:a16="http://schemas.microsoft.com/office/drawing/2014/main" xmlns="" id="{84A46F45-E6EA-41A3-A4D8-184446A9274B}"/>
               </a:ext>
             </a:extLst>
           </p:cNvPr>
@@ -18037,7 +18042,7 @@
           <p:cNvPr id="2" name="Заголовок 1">
             <a:extLst>
               <a:ext uri="{FF2B5EF4-FFF2-40B4-BE49-F238E27FC236}">
-                <a16:creationId xmlns="" xmlns:a16="http://schemas.microsoft.com/office/drawing/2014/main" id="{243B78D4-C247-4989-9592-AB577E18FDA5}"/>
+                <a16:creationId xmlns:a16="http://schemas.microsoft.com/office/drawing/2014/main" xmlns="" id="{243B78D4-C247-4989-9592-AB577E18FDA5}"/>
               </a:ext>
             </a:extLst>
           </p:cNvPr>
@@ -18075,7 +18080,7 @@
           <p:cNvPr id="3" name="Текст 2">
             <a:extLst>
               <a:ext uri="{FF2B5EF4-FFF2-40B4-BE49-F238E27FC236}">
-                <a16:creationId xmlns="" xmlns:a16="http://schemas.microsoft.com/office/drawing/2014/main" id="{17742553-4626-401E-AF53-15C1DA26BBDB}"/>
+                <a16:creationId xmlns:a16="http://schemas.microsoft.com/office/drawing/2014/main" xmlns="" id="{17742553-4626-401E-AF53-15C1DA26BBDB}"/>
               </a:ext>
             </a:extLst>
           </p:cNvPr>
@@ -18142,7 +18147,7 @@
           <p:cNvPr id="4" name="Дата 3">
             <a:extLst>
               <a:ext uri="{FF2B5EF4-FFF2-40B4-BE49-F238E27FC236}">
-                <a16:creationId xmlns="" xmlns:a16="http://schemas.microsoft.com/office/drawing/2014/main" id="{D8A844CB-4ED8-47A0-95EF-DB4C95A45D24}"/>
+                <a16:creationId xmlns:a16="http://schemas.microsoft.com/office/drawing/2014/main" xmlns="" id="{D8A844CB-4ED8-47A0-95EF-DB4C95A45D24}"/>
               </a:ext>
             </a:extLst>
           </p:cNvPr>
@@ -18185,7 +18190,7 @@
                 </a:solidFill>
               </a:rPr>
               <a:pPr/>
-              <a:t>11.12.2024</a:t>
+              <a:t>15.12.2024</a:t>
             </a:fld>
             <a:endParaRPr lang="ru-RU">
               <a:solidFill>
@@ -18202,7 +18207,7 @@
           <p:cNvPr id="5" name="Нижний колонтитул 4">
             <a:extLst>
               <a:ext uri="{FF2B5EF4-FFF2-40B4-BE49-F238E27FC236}">
-                <a16:creationId xmlns="" xmlns:a16="http://schemas.microsoft.com/office/drawing/2014/main" id="{3A87CA0C-1A68-435E-AB5C-9B9F54551A79}"/>
+                <a16:creationId xmlns:a16="http://schemas.microsoft.com/office/drawing/2014/main" xmlns="" id="{3A87CA0C-1A68-435E-AB5C-9B9F54551A79}"/>
               </a:ext>
             </a:extLst>
           </p:cNvPr>
@@ -18251,7 +18256,7 @@
           <p:cNvPr id="6" name="Номер слайда 5">
             <a:extLst>
               <a:ext uri="{FF2B5EF4-FFF2-40B4-BE49-F238E27FC236}">
-                <a16:creationId xmlns="" xmlns:a16="http://schemas.microsoft.com/office/drawing/2014/main" id="{2B9DBF42-534F-4F90-B20F-51F33D00942C}"/>
+                <a16:creationId xmlns:a16="http://schemas.microsoft.com/office/drawing/2014/main" xmlns="" id="{2B9DBF42-534F-4F90-B20F-51F33D00942C}"/>
               </a:ext>
             </a:extLst>
           </p:cNvPr>
@@ -18638,7 +18643,7 @@
           <p:cNvPr id="2" name="Заголовок 1">
             <a:extLst>
               <a:ext uri="{FF2B5EF4-FFF2-40B4-BE49-F238E27FC236}">
-                <a16:creationId xmlns="" xmlns:a16="http://schemas.microsoft.com/office/drawing/2014/main" id="{243B78D4-C247-4989-9592-AB577E18FDA5}"/>
+                <a16:creationId xmlns:a16="http://schemas.microsoft.com/office/drawing/2014/main" xmlns="" id="{243B78D4-C247-4989-9592-AB577E18FDA5}"/>
               </a:ext>
             </a:extLst>
           </p:cNvPr>
@@ -18676,7 +18681,7 @@
           <p:cNvPr id="3" name="Текст 2">
             <a:extLst>
               <a:ext uri="{FF2B5EF4-FFF2-40B4-BE49-F238E27FC236}">
-                <a16:creationId xmlns="" xmlns:a16="http://schemas.microsoft.com/office/drawing/2014/main" id="{17742553-4626-401E-AF53-15C1DA26BBDB}"/>
+                <a16:creationId xmlns:a16="http://schemas.microsoft.com/office/drawing/2014/main" xmlns="" id="{17742553-4626-401E-AF53-15C1DA26BBDB}"/>
               </a:ext>
             </a:extLst>
           </p:cNvPr>
@@ -18743,7 +18748,7 @@
           <p:cNvPr id="4" name="Дата 3">
             <a:extLst>
               <a:ext uri="{FF2B5EF4-FFF2-40B4-BE49-F238E27FC236}">
-                <a16:creationId xmlns="" xmlns:a16="http://schemas.microsoft.com/office/drawing/2014/main" id="{D8A844CB-4ED8-47A0-95EF-DB4C95A45D24}"/>
+                <a16:creationId xmlns:a16="http://schemas.microsoft.com/office/drawing/2014/main" xmlns="" id="{D8A844CB-4ED8-47A0-95EF-DB4C95A45D24}"/>
               </a:ext>
             </a:extLst>
           </p:cNvPr>
@@ -18786,7 +18791,7 @@
                 </a:solidFill>
               </a:rPr>
               <a:pPr/>
-              <a:t>11.12.2024</a:t>
+              <a:t>15.12.2024</a:t>
             </a:fld>
             <a:endParaRPr lang="ru-RU">
               <a:solidFill>
@@ -18803,7 +18808,7 @@
           <p:cNvPr id="5" name="Нижний колонтитул 4">
             <a:extLst>
               <a:ext uri="{FF2B5EF4-FFF2-40B4-BE49-F238E27FC236}">
-                <a16:creationId xmlns="" xmlns:a16="http://schemas.microsoft.com/office/drawing/2014/main" id="{3A87CA0C-1A68-435E-AB5C-9B9F54551A79}"/>
+                <a16:creationId xmlns:a16="http://schemas.microsoft.com/office/drawing/2014/main" xmlns="" id="{3A87CA0C-1A68-435E-AB5C-9B9F54551A79}"/>
               </a:ext>
             </a:extLst>
           </p:cNvPr>
@@ -18852,7 +18857,7 @@
           <p:cNvPr id="6" name="Номер слайда 5">
             <a:extLst>
               <a:ext uri="{FF2B5EF4-FFF2-40B4-BE49-F238E27FC236}">
-                <a16:creationId xmlns="" xmlns:a16="http://schemas.microsoft.com/office/drawing/2014/main" id="{2B9DBF42-534F-4F90-B20F-51F33D00942C}"/>
+                <a16:creationId xmlns:a16="http://schemas.microsoft.com/office/drawing/2014/main" xmlns="" id="{2B9DBF42-534F-4F90-B20F-51F33D00942C}"/>
               </a:ext>
             </a:extLst>
           </p:cNvPr>
@@ -19239,7 +19244,7 @@
           <p:cNvPr id="2" name="Заголовок 1">
             <a:extLst>
               <a:ext uri="{FF2B5EF4-FFF2-40B4-BE49-F238E27FC236}">
-                <a16:creationId xmlns="" xmlns:a16="http://schemas.microsoft.com/office/drawing/2014/main" id="{243B78D4-C247-4989-9592-AB577E18FDA5}"/>
+                <a16:creationId xmlns:a16="http://schemas.microsoft.com/office/drawing/2014/main" xmlns="" id="{243B78D4-C247-4989-9592-AB577E18FDA5}"/>
               </a:ext>
             </a:extLst>
           </p:cNvPr>
@@ -19277,7 +19282,7 @@
           <p:cNvPr id="3" name="Текст 2">
             <a:extLst>
               <a:ext uri="{FF2B5EF4-FFF2-40B4-BE49-F238E27FC236}">
-                <a16:creationId xmlns="" xmlns:a16="http://schemas.microsoft.com/office/drawing/2014/main" id="{17742553-4626-401E-AF53-15C1DA26BBDB}"/>
+                <a16:creationId xmlns:a16="http://schemas.microsoft.com/office/drawing/2014/main" xmlns="" id="{17742553-4626-401E-AF53-15C1DA26BBDB}"/>
               </a:ext>
             </a:extLst>
           </p:cNvPr>
@@ -19344,7 +19349,7 @@
           <p:cNvPr id="4" name="Дата 3">
             <a:extLst>
               <a:ext uri="{FF2B5EF4-FFF2-40B4-BE49-F238E27FC236}">
-                <a16:creationId xmlns="" xmlns:a16="http://schemas.microsoft.com/office/drawing/2014/main" id="{D8A844CB-4ED8-47A0-95EF-DB4C95A45D24}"/>
+                <a16:creationId xmlns:a16="http://schemas.microsoft.com/office/drawing/2014/main" xmlns="" id="{D8A844CB-4ED8-47A0-95EF-DB4C95A45D24}"/>
               </a:ext>
             </a:extLst>
           </p:cNvPr>
@@ -19387,7 +19392,7 @@
                 </a:solidFill>
               </a:rPr>
               <a:pPr/>
-              <a:t>11.12.2024</a:t>
+              <a:t>15.12.2024</a:t>
             </a:fld>
             <a:endParaRPr lang="ru-RU">
               <a:solidFill>
@@ -19404,7 +19409,7 @@
           <p:cNvPr id="5" name="Нижний колонтитул 4">
             <a:extLst>
               <a:ext uri="{FF2B5EF4-FFF2-40B4-BE49-F238E27FC236}">
-                <a16:creationId xmlns="" xmlns:a16="http://schemas.microsoft.com/office/drawing/2014/main" id="{3A87CA0C-1A68-435E-AB5C-9B9F54551A79}"/>
+                <a16:creationId xmlns:a16="http://schemas.microsoft.com/office/drawing/2014/main" xmlns="" id="{3A87CA0C-1A68-435E-AB5C-9B9F54551A79}"/>
               </a:ext>
             </a:extLst>
           </p:cNvPr>
@@ -19453,7 +19458,7 @@
           <p:cNvPr id="6" name="Номер слайда 5">
             <a:extLst>
               <a:ext uri="{FF2B5EF4-FFF2-40B4-BE49-F238E27FC236}">
-                <a16:creationId xmlns="" xmlns:a16="http://schemas.microsoft.com/office/drawing/2014/main" id="{2B9DBF42-534F-4F90-B20F-51F33D00942C}"/>
+                <a16:creationId xmlns:a16="http://schemas.microsoft.com/office/drawing/2014/main" xmlns="" id="{2B9DBF42-534F-4F90-B20F-51F33D00942C}"/>
               </a:ext>
             </a:extLst>
           </p:cNvPr>
@@ -19840,7 +19845,7 @@
           <p:cNvPr id="2" name="Заголовок 1">
             <a:extLst>
               <a:ext uri="{FF2B5EF4-FFF2-40B4-BE49-F238E27FC236}">
-                <a16:creationId xmlns="" xmlns:a16="http://schemas.microsoft.com/office/drawing/2014/main" id="{243B78D4-C247-4989-9592-AB577E18FDA5}"/>
+                <a16:creationId xmlns:a16="http://schemas.microsoft.com/office/drawing/2014/main" xmlns="" id="{243B78D4-C247-4989-9592-AB577E18FDA5}"/>
               </a:ext>
             </a:extLst>
           </p:cNvPr>
@@ -19878,7 +19883,7 @@
           <p:cNvPr id="3" name="Текст 2">
             <a:extLst>
               <a:ext uri="{FF2B5EF4-FFF2-40B4-BE49-F238E27FC236}">
-                <a16:creationId xmlns="" xmlns:a16="http://schemas.microsoft.com/office/drawing/2014/main" id="{17742553-4626-401E-AF53-15C1DA26BBDB}"/>
+                <a16:creationId xmlns:a16="http://schemas.microsoft.com/office/drawing/2014/main" xmlns="" id="{17742553-4626-401E-AF53-15C1DA26BBDB}"/>
               </a:ext>
             </a:extLst>
           </p:cNvPr>
@@ -19945,7 +19950,7 @@
           <p:cNvPr id="4" name="Дата 3">
             <a:extLst>
               <a:ext uri="{FF2B5EF4-FFF2-40B4-BE49-F238E27FC236}">
-                <a16:creationId xmlns="" xmlns:a16="http://schemas.microsoft.com/office/drawing/2014/main" id="{D8A844CB-4ED8-47A0-95EF-DB4C95A45D24}"/>
+                <a16:creationId xmlns:a16="http://schemas.microsoft.com/office/drawing/2014/main" xmlns="" id="{D8A844CB-4ED8-47A0-95EF-DB4C95A45D24}"/>
               </a:ext>
             </a:extLst>
           </p:cNvPr>
@@ -19988,7 +19993,7 @@
                 </a:solidFill>
               </a:rPr>
               <a:pPr/>
-              <a:t>11.12.2024</a:t>
+              <a:t>15.12.2024</a:t>
             </a:fld>
             <a:endParaRPr lang="ru-RU">
               <a:solidFill>
@@ -20005,7 +20010,7 @@
           <p:cNvPr id="5" name="Нижний колонтитул 4">
             <a:extLst>
               <a:ext uri="{FF2B5EF4-FFF2-40B4-BE49-F238E27FC236}">
-                <a16:creationId xmlns="" xmlns:a16="http://schemas.microsoft.com/office/drawing/2014/main" id="{3A87CA0C-1A68-435E-AB5C-9B9F54551A79}"/>
+                <a16:creationId xmlns:a16="http://schemas.microsoft.com/office/drawing/2014/main" xmlns="" id="{3A87CA0C-1A68-435E-AB5C-9B9F54551A79}"/>
               </a:ext>
             </a:extLst>
           </p:cNvPr>
@@ -20054,7 +20059,7 @@
           <p:cNvPr id="6" name="Номер слайда 5">
             <a:extLst>
               <a:ext uri="{FF2B5EF4-FFF2-40B4-BE49-F238E27FC236}">
-                <a16:creationId xmlns="" xmlns:a16="http://schemas.microsoft.com/office/drawing/2014/main" id="{2B9DBF42-534F-4F90-B20F-51F33D00942C}"/>
+                <a16:creationId xmlns:a16="http://schemas.microsoft.com/office/drawing/2014/main" xmlns="" id="{2B9DBF42-534F-4F90-B20F-51F33D00942C}"/>
               </a:ext>
             </a:extLst>
           </p:cNvPr>
@@ -20441,7 +20446,7 @@
           <p:cNvPr id="2" name="Заголовок 1">
             <a:extLst>
               <a:ext uri="{FF2B5EF4-FFF2-40B4-BE49-F238E27FC236}">
-                <a16:creationId xmlns="" xmlns:a16="http://schemas.microsoft.com/office/drawing/2014/main" id="{243B78D4-C247-4989-9592-AB577E18FDA5}"/>
+                <a16:creationId xmlns:a16="http://schemas.microsoft.com/office/drawing/2014/main" xmlns="" id="{243B78D4-C247-4989-9592-AB577E18FDA5}"/>
               </a:ext>
             </a:extLst>
           </p:cNvPr>
@@ -20479,7 +20484,7 @@
           <p:cNvPr id="3" name="Текст 2">
             <a:extLst>
               <a:ext uri="{FF2B5EF4-FFF2-40B4-BE49-F238E27FC236}">
-                <a16:creationId xmlns="" xmlns:a16="http://schemas.microsoft.com/office/drawing/2014/main" id="{17742553-4626-401E-AF53-15C1DA26BBDB}"/>
+                <a16:creationId xmlns:a16="http://schemas.microsoft.com/office/drawing/2014/main" xmlns="" id="{17742553-4626-401E-AF53-15C1DA26BBDB}"/>
               </a:ext>
             </a:extLst>
           </p:cNvPr>
@@ -20546,7 +20551,7 @@
           <p:cNvPr id="4" name="Дата 3">
             <a:extLst>
               <a:ext uri="{FF2B5EF4-FFF2-40B4-BE49-F238E27FC236}">
-                <a16:creationId xmlns="" xmlns:a16="http://schemas.microsoft.com/office/drawing/2014/main" id="{D8A844CB-4ED8-47A0-95EF-DB4C95A45D24}"/>
+                <a16:creationId xmlns:a16="http://schemas.microsoft.com/office/drawing/2014/main" xmlns="" id="{D8A844CB-4ED8-47A0-95EF-DB4C95A45D24}"/>
               </a:ext>
             </a:extLst>
           </p:cNvPr>
@@ -20589,7 +20594,7 @@
                 </a:solidFill>
               </a:rPr>
               <a:pPr/>
-              <a:t>11.12.2024</a:t>
+              <a:t>15.12.2024</a:t>
             </a:fld>
             <a:endParaRPr lang="ru-RU">
               <a:solidFill>
@@ -20606,7 +20611,7 @@
           <p:cNvPr id="5" name="Нижний колонтитул 4">
             <a:extLst>
               <a:ext uri="{FF2B5EF4-FFF2-40B4-BE49-F238E27FC236}">
-                <a16:creationId xmlns="" xmlns:a16="http://schemas.microsoft.com/office/drawing/2014/main" id="{3A87CA0C-1A68-435E-AB5C-9B9F54551A79}"/>
+                <a16:creationId xmlns:a16="http://schemas.microsoft.com/office/drawing/2014/main" xmlns="" id="{3A87CA0C-1A68-435E-AB5C-9B9F54551A79}"/>
               </a:ext>
             </a:extLst>
           </p:cNvPr>
@@ -20655,7 +20660,7 @@
           <p:cNvPr id="6" name="Номер слайда 5">
             <a:extLst>
               <a:ext uri="{FF2B5EF4-FFF2-40B4-BE49-F238E27FC236}">
-                <a16:creationId xmlns="" xmlns:a16="http://schemas.microsoft.com/office/drawing/2014/main" id="{2B9DBF42-534F-4F90-B20F-51F33D00942C}"/>
+                <a16:creationId xmlns:a16="http://schemas.microsoft.com/office/drawing/2014/main" xmlns="" id="{2B9DBF42-534F-4F90-B20F-51F33D00942C}"/>
               </a:ext>
             </a:extLst>
           </p:cNvPr>
@@ -21042,7 +21047,7 @@
           <p:cNvPr id="2" name="Заголовок 1">
             <a:extLst>
               <a:ext uri="{FF2B5EF4-FFF2-40B4-BE49-F238E27FC236}">
-                <a16:creationId xmlns="" xmlns:a16="http://schemas.microsoft.com/office/drawing/2014/main" id="{243B78D4-C247-4989-9592-AB577E18FDA5}"/>
+                <a16:creationId xmlns:a16="http://schemas.microsoft.com/office/drawing/2014/main" xmlns="" id="{243B78D4-C247-4989-9592-AB577E18FDA5}"/>
               </a:ext>
             </a:extLst>
           </p:cNvPr>
@@ -21080,7 +21085,7 @@
           <p:cNvPr id="3" name="Текст 2">
             <a:extLst>
               <a:ext uri="{FF2B5EF4-FFF2-40B4-BE49-F238E27FC236}">
-                <a16:creationId xmlns="" xmlns:a16="http://schemas.microsoft.com/office/drawing/2014/main" id="{17742553-4626-401E-AF53-15C1DA26BBDB}"/>
+                <a16:creationId xmlns:a16="http://schemas.microsoft.com/office/drawing/2014/main" xmlns="" id="{17742553-4626-401E-AF53-15C1DA26BBDB}"/>
               </a:ext>
             </a:extLst>
           </p:cNvPr>
@@ -21147,7 +21152,7 @@
           <p:cNvPr id="4" name="Дата 3">
             <a:extLst>
               <a:ext uri="{FF2B5EF4-FFF2-40B4-BE49-F238E27FC236}">
-                <a16:creationId xmlns="" xmlns:a16="http://schemas.microsoft.com/office/drawing/2014/main" id="{D8A844CB-4ED8-47A0-95EF-DB4C95A45D24}"/>
+                <a16:creationId xmlns:a16="http://schemas.microsoft.com/office/drawing/2014/main" xmlns="" id="{D8A844CB-4ED8-47A0-95EF-DB4C95A45D24}"/>
               </a:ext>
             </a:extLst>
           </p:cNvPr>
@@ -21190,7 +21195,7 @@
                 </a:solidFill>
               </a:rPr>
               <a:pPr/>
-              <a:t>11.12.2024</a:t>
+              <a:t>15.12.2024</a:t>
             </a:fld>
             <a:endParaRPr lang="ru-RU">
               <a:solidFill>
@@ -21207,7 +21212,7 @@
           <p:cNvPr id="5" name="Нижний колонтитул 4">
             <a:extLst>
               <a:ext uri="{FF2B5EF4-FFF2-40B4-BE49-F238E27FC236}">
-                <a16:creationId xmlns="" xmlns:a16="http://schemas.microsoft.com/office/drawing/2014/main" id="{3A87CA0C-1A68-435E-AB5C-9B9F54551A79}"/>
+                <a16:creationId xmlns:a16="http://schemas.microsoft.com/office/drawing/2014/main" xmlns="" id="{3A87CA0C-1A68-435E-AB5C-9B9F54551A79}"/>
               </a:ext>
             </a:extLst>
           </p:cNvPr>
@@ -21256,7 +21261,7 @@
           <p:cNvPr id="6" name="Номер слайда 5">
             <a:extLst>
               <a:ext uri="{FF2B5EF4-FFF2-40B4-BE49-F238E27FC236}">
-                <a16:creationId xmlns="" xmlns:a16="http://schemas.microsoft.com/office/drawing/2014/main" id="{2B9DBF42-534F-4F90-B20F-51F33D00942C}"/>
+                <a16:creationId xmlns:a16="http://schemas.microsoft.com/office/drawing/2014/main" xmlns="" id="{2B9DBF42-534F-4F90-B20F-51F33D00942C}"/>
               </a:ext>
             </a:extLst>
           </p:cNvPr>
@@ -21638,7 +21643,7 @@
           <p:cNvPr id="2" name="Заголовок 1">
             <a:extLst>
               <a:ext uri="{FF2B5EF4-FFF2-40B4-BE49-F238E27FC236}">
-                <a16:creationId xmlns="" xmlns:a16="http://schemas.microsoft.com/office/drawing/2014/main" id="{B531AE04-D3A9-5578-F93F-95E4A841B292}"/>
+                <a16:creationId xmlns:a16="http://schemas.microsoft.com/office/drawing/2014/main" xmlns="" id="{B531AE04-D3A9-5578-F93F-95E4A841B292}"/>
               </a:ext>
             </a:extLst>
           </p:cNvPr>
@@ -21826,7 +21831,7 @@
           <p:cNvPr id="3" name="Подзаголовок 2">
             <a:extLst>
               <a:ext uri="{FF2B5EF4-FFF2-40B4-BE49-F238E27FC236}">
-                <a16:creationId xmlns="" xmlns:a16="http://schemas.microsoft.com/office/drawing/2014/main" id="{E8E98F58-9EA6-9269-BB44-ECA76773FA38}"/>
+                <a16:creationId xmlns:a16="http://schemas.microsoft.com/office/drawing/2014/main" xmlns="" id="{E8E98F58-9EA6-9269-BB44-ECA76773FA38}"/>
               </a:ext>
             </a:extLst>
           </p:cNvPr>
@@ -22003,7 +22008,7 @@
           <p:cNvPr id="9" name="Объект 2">
             <a:extLst>
               <a:ext uri="{FF2B5EF4-FFF2-40B4-BE49-F238E27FC236}">
-                <a16:creationId xmlns="" xmlns:a16="http://schemas.microsoft.com/office/drawing/2014/main" id="{7C8A66E5-DA64-5E45-9329-277479657BBB}"/>
+                <a16:creationId xmlns:a16="http://schemas.microsoft.com/office/drawing/2014/main" xmlns="" id="{7C8A66E5-DA64-5E45-9329-277479657BBB}"/>
               </a:ext>
             </a:extLst>
           </p:cNvPr>
@@ -22388,7 +22393,7 @@
           <p:cNvPr id="4" name="Номер слайда 3">
             <a:extLst>
               <a:ext uri="{FF2B5EF4-FFF2-40B4-BE49-F238E27FC236}">
-                <a16:creationId xmlns="" xmlns:a16="http://schemas.microsoft.com/office/drawing/2014/main" id="{95C5ACB6-71C6-6487-9FD6-0D4534DDAB71}"/>
+                <a16:creationId xmlns:a16="http://schemas.microsoft.com/office/drawing/2014/main" xmlns="" id="{95C5ACB6-71C6-6487-9FD6-0D4534DDAB71}"/>
               </a:ext>
             </a:extLst>
           </p:cNvPr>
@@ -22430,7 +22435,7 @@
           <p:cNvPr id="5" name="Объект 2">
             <a:extLst>
               <a:ext uri="{FF2B5EF4-FFF2-40B4-BE49-F238E27FC236}">
-                <a16:creationId xmlns="" xmlns:a16="http://schemas.microsoft.com/office/drawing/2014/main" id="{765C75ED-B07C-D49F-CB32-A9A28C0898CD}"/>
+                <a16:creationId xmlns:a16="http://schemas.microsoft.com/office/drawing/2014/main" xmlns="" id="{765C75ED-B07C-D49F-CB32-A9A28C0898CD}"/>
               </a:ext>
             </a:extLst>
           </p:cNvPr>
@@ -22878,17 +22883,7 @@
                 <a:latin typeface="Times New Roman" panose="02020603050405020304" pitchFamily="18" charset="0"/>
                 <a:cs typeface="Times New Roman" panose="02020603050405020304" pitchFamily="18" charset="0"/>
               </a:rPr>
-              <a:t>                                                     </a:t>
-            </a:r>
-            <a:r>
-              <a:rPr lang="ru-RU" dirty="0" smtClean="0">
-                <a:solidFill>
-                  <a:prstClr val="black"/>
-                </a:solidFill>
-                <a:latin typeface="Times New Roman" panose="02020603050405020304" pitchFamily="18" charset="0"/>
-                <a:cs typeface="Times New Roman" panose="02020603050405020304" pitchFamily="18" charset="0"/>
-              </a:rPr>
-              <a:t>  Рабочее пространство обычного пользователя</a:t>
+              <a:t>                                                       Рабочее пространство обычного пользователя</a:t>
             </a:r>
             <a:endParaRPr lang="ru-RU" dirty="0">
               <a:solidFill>
@@ -22905,7 +22900,7 @@
           <p:cNvPr id="7" name="Заголовок 1">
             <a:extLst>
               <a:ext uri="{FF2B5EF4-FFF2-40B4-BE49-F238E27FC236}">
-                <a16:creationId xmlns="" xmlns:a16="http://schemas.microsoft.com/office/drawing/2014/main" id="{618B7D0E-791D-C1BE-5F4F-B8EE160661EA}"/>
+                <a16:creationId xmlns:a16="http://schemas.microsoft.com/office/drawing/2014/main" xmlns="" id="{618B7D0E-791D-C1BE-5F4F-B8EE160661EA}"/>
               </a:ext>
             </a:extLst>
           </p:cNvPr>
@@ -23100,7 +23095,7 @@
           <p:cNvPr id="4" name="Номер слайда 3">
             <a:extLst>
               <a:ext uri="{FF2B5EF4-FFF2-40B4-BE49-F238E27FC236}">
-                <a16:creationId xmlns="" xmlns:a16="http://schemas.microsoft.com/office/drawing/2014/main" id="{95C5ACB6-71C6-6487-9FD6-0D4534DDAB71}"/>
+                <a16:creationId xmlns:a16="http://schemas.microsoft.com/office/drawing/2014/main" xmlns="" id="{95C5ACB6-71C6-6487-9FD6-0D4534DDAB71}"/>
               </a:ext>
             </a:extLst>
           </p:cNvPr>
@@ -23142,7 +23137,7 @@
           <p:cNvPr id="5" name="Объект 2">
             <a:extLst>
               <a:ext uri="{FF2B5EF4-FFF2-40B4-BE49-F238E27FC236}">
-                <a16:creationId xmlns="" xmlns:a16="http://schemas.microsoft.com/office/drawing/2014/main" id="{765C75ED-B07C-D49F-CB32-A9A28C0898CD}"/>
+                <a16:creationId xmlns:a16="http://schemas.microsoft.com/office/drawing/2014/main" xmlns="" id="{765C75ED-B07C-D49F-CB32-A9A28C0898CD}"/>
               </a:ext>
             </a:extLst>
           </p:cNvPr>
@@ -23590,37 +23585,7 @@
                 <a:latin typeface="Times New Roman" panose="02020603050405020304" pitchFamily="18" charset="0"/>
                 <a:cs typeface="Times New Roman" panose="02020603050405020304" pitchFamily="18" charset="0"/>
               </a:rPr>
-              <a:t>                                                       </a:t>
-            </a:r>
-            <a:r>
-              <a:rPr lang="ru-RU" dirty="0" smtClean="0">
-                <a:solidFill>
-                  <a:prstClr val="black"/>
-                </a:solidFill>
-                <a:latin typeface="Times New Roman" panose="02020603050405020304" pitchFamily="18" charset="0"/>
-                <a:cs typeface="Times New Roman" panose="02020603050405020304" pitchFamily="18" charset="0"/>
-              </a:rPr>
-              <a:t>      Рабочее </a:t>
-            </a:r>
-            <a:r>
-              <a:rPr lang="ru-RU" dirty="0" smtClean="0">
-                <a:solidFill>
-                  <a:prstClr val="black"/>
-                </a:solidFill>
-                <a:latin typeface="Times New Roman" panose="02020603050405020304" pitchFamily="18" charset="0"/>
-                <a:cs typeface="Times New Roman" panose="02020603050405020304" pitchFamily="18" charset="0"/>
-              </a:rPr>
-              <a:t>пространство </a:t>
-            </a:r>
-            <a:r>
-              <a:rPr lang="ru-RU" dirty="0" smtClean="0">
-                <a:solidFill>
-                  <a:prstClr val="black"/>
-                </a:solidFill>
-                <a:latin typeface="Times New Roman" panose="02020603050405020304" pitchFamily="18" charset="0"/>
-                <a:cs typeface="Times New Roman" panose="02020603050405020304" pitchFamily="18" charset="0"/>
-              </a:rPr>
-              <a:t>администратора</a:t>
+              <a:t>                                                             Рабочее пространство администратора</a:t>
             </a:r>
             <a:endParaRPr lang="ru-RU" dirty="0">
               <a:solidFill>
@@ -23637,7 +23602,7 @@
           <p:cNvPr id="7" name="Заголовок 1">
             <a:extLst>
               <a:ext uri="{FF2B5EF4-FFF2-40B4-BE49-F238E27FC236}">
-                <a16:creationId xmlns="" xmlns:a16="http://schemas.microsoft.com/office/drawing/2014/main" id="{618B7D0E-791D-C1BE-5F4F-B8EE160661EA}"/>
+                <a16:creationId xmlns:a16="http://schemas.microsoft.com/office/drawing/2014/main" xmlns="" id="{618B7D0E-791D-C1BE-5F4F-B8EE160661EA}"/>
               </a:ext>
             </a:extLst>
           </p:cNvPr>
@@ -23832,7 +23797,7 @@
           <p:cNvPr id="4" name="Номер слайда 3">
             <a:extLst>
               <a:ext uri="{FF2B5EF4-FFF2-40B4-BE49-F238E27FC236}">
-                <a16:creationId xmlns="" xmlns:a16="http://schemas.microsoft.com/office/drawing/2014/main" id="{95C5ACB6-71C6-6487-9FD6-0D4534DDAB71}"/>
+                <a16:creationId xmlns:a16="http://schemas.microsoft.com/office/drawing/2014/main" xmlns="" id="{95C5ACB6-71C6-6487-9FD6-0D4534DDAB71}"/>
               </a:ext>
             </a:extLst>
           </p:cNvPr>
@@ -23874,7 +23839,7 @@
           <p:cNvPr id="5" name="Объект 2">
             <a:extLst>
               <a:ext uri="{FF2B5EF4-FFF2-40B4-BE49-F238E27FC236}">
-                <a16:creationId xmlns="" xmlns:a16="http://schemas.microsoft.com/office/drawing/2014/main" id="{765C75ED-B07C-D49F-CB32-A9A28C0898CD}"/>
+                <a16:creationId xmlns:a16="http://schemas.microsoft.com/office/drawing/2014/main" xmlns="" id="{765C75ED-B07C-D49F-CB32-A9A28C0898CD}"/>
               </a:ext>
             </a:extLst>
           </p:cNvPr>
@@ -24289,26 +24254,16 @@
                 <a:latin typeface="Times New Roman" panose="02020603050405020304" pitchFamily="18" charset="0"/>
                 <a:cs typeface="Times New Roman" panose="02020603050405020304" pitchFamily="18" charset="0"/>
               </a:rPr>
-              <a:t>                                                        </a:t>
-            </a:r>
-            <a:r>
-              <a:rPr lang="ru-RU" dirty="0" smtClean="0">
+              <a:t>                                                        Форма </a:t>
+            </a:r>
+            <a:r>
+              <a:rPr lang="ru-RU" dirty="0">
                 <a:solidFill>
                   <a:prstClr val="black"/>
                 </a:solidFill>
                 <a:latin typeface="Times New Roman" panose="02020603050405020304" pitchFamily="18" charset="0"/>
                 <a:cs typeface="Times New Roman" panose="02020603050405020304" pitchFamily="18" charset="0"/>
               </a:rPr>
-              <a:t>Форма </a:t>
-            </a:r>
-            <a:r>
-              <a:rPr lang="ru-RU" dirty="0">
-                <a:solidFill>
-                  <a:prstClr val="black"/>
-                </a:solidFill>
-                <a:latin typeface="Times New Roman" panose="02020603050405020304" pitchFamily="18" charset="0"/>
-                <a:cs typeface="Times New Roman" panose="02020603050405020304" pitchFamily="18" charset="0"/>
-              </a:rPr>
               <a:t>просмотра и редактирования таблицы ПО</a:t>
             </a:r>
           </a:p>
@@ -24319,7 +24274,7 @@
           <p:cNvPr id="7" name="Заголовок 1">
             <a:extLst>
               <a:ext uri="{FF2B5EF4-FFF2-40B4-BE49-F238E27FC236}">
-                <a16:creationId xmlns="" xmlns:a16="http://schemas.microsoft.com/office/drawing/2014/main" id="{618B7D0E-791D-C1BE-5F4F-B8EE160661EA}"/>
+                <a16:creationId xmlns:a16="http://schemas.microsoft.com/office/drawing/2014/main" xmlns="" id="{618B7D0E-791D-C1BE-5F4F-B8EE160661EA}"/>
               </a:ext>
             </a:extLst>
           </p:cNvPr>
@@ -24514,7 +24469,7 @@
           <p:cNvPr id="2" name="Номер слайда 1">
             <a:extLst>
               <a:ext uri="{FF2B5EF4-FFF2-40B4-BE49-F238E27FC236}">
-                <a16:creationId xmlns="" xmlns:a16="http://schemas.microsoft.com/office/drawing/2014/main" id="{4082DD8F-D089-4FB9-BA1A-FACAEC9B102E}"/>
+                <a16:creationId xmlns:a16="http://schemas.microsoft.com/office/drawing/2014/main" xmlns="" id="{4082DD8F-D089-4FB9-BA1A-FACAEC9B102E}"/>
               </a:ext>
             </a:extLst>
           </p:cNvPr>
@@ -24556,7 +24511,7 @@
           <p:cNvPr id="3" name="TextBox 2">
             <a:extLst>
               <a:ext uri="{FF2B5EF4-FFF2-40B4-BE49-F238E27FC236}">
-                <a16:creationId xmlns="" xmlns:a16="http://schemas.microsoft.com/office/drawing/2014/main" id="{44C0D7A1-A29D-4866-A54E-3916DBEE059E}"/>
+                <a16:creationId xmlns:a16="http://schemas.microsoft.com/office/drawing/2014/main" xmlns="" id="{44C0D7A1-A29D-4866-A54E-3916DBEE059E}"/>
               </a:ext>
             </a:extLst>
           </p:cNvPr>
@@ -24632,7 +24587,7 @@
           <p:cNvPr id="2" name="Заголовок 1">
             <a:extLst>
               <a:ext uri="{FF2B5EF4-FFF2-40B4-BE49-F238E27FC236}">
-                <a16:creationId xmlns="" xmlns:a16="http://schemas.microsoft.com/office/drawing/2014/main" id="{88E7FDEF-EB7A-5341-20ED-EF9DC2B025A4}"/>
+                <a16:creationId xmlns:a16="http://schemas.microsoft.com/office/drawing/2014/main" xmlns="" id="{88E7FDEF-EB7A-5341-20ED-EF9DC2B025A4}"/>
               </a:ext>
             </a:extLst>
           </p:cNvPr>
@@ -24691,7 +24646,7 @@
           <p:cNvPr id="3" name="Объект 2">
             <a:extLst>
               <a:ext uri="{FF2B5EF4-FFF2-40B4-BE49-F238E27FC236}">
-                <a16:creationId xmlns="" xmlns:a16="http://schemas.microsoft.com/office/drawing/2014/main" id="{9ECA18E8-A5F5-278E-C176-8B462D80C8DF}"/>
+                <a16:creationId xmlns:a16="http://schemas.microsoft.com/office/drawing/2014/main" xmlns="" id="{9ECA18E8-A5F5-278E-C176-8B462D80C8DF}"/>
               </a:ext>
             </a:extLst>
           </p:cNvPr>
@@ -24704,8 +24659,8 @@
         </p:nvSpPr>
         <p:spPr>
           <a:xfrm>
-            <a:off x="719610" y="961661"/>
-            <a:ext cx="10634189" cy="4432460"/>
+            <a:off x="719610" y="961660"/>
+            <a:ext cx="10634189" cy="4853923"/>
           </a:xfrm>
         </p:spPr>
         <p:txBody>
@@ -24718,14 +24673,14 @@
               <a:buNone/>
             </a:pPr>
             <a:r>
-              <a:rPr lang="ru-RU" sz="1800" dirty="0">
+              <a:rPr lang="ru-RU" sz="2400" dirty="0">
                 <a:latin typeface="Times New Roman" panose="02020603050405020304" pitchFamily="18" charset="0"/>
                 <a:cs typeface="Times New Roman" panose="02020603050405020304" pitchFamily="18" charset="0"/>
               </a:rPr>
               <a:t>Целью данной работы является разработка концепции автоматизированной информационной системы учета программного обеспечения для учебной организации. В рамках исследования будут рассмотрены основные функции и модули системы, а также предложены рекомендации по ее внедрению и эксплуатации</a:t>
             </a:r>
             <a:r>
-              <a:rPr lang="ru-RU" sz="1800" dirty="0" smtClean="0">
+              <a:rPr lang="ru-RU" sz="2400" dirty="0" smtClean="0">
                 <a:latin typeface="Times New Roman" panose="02020603050405020304" pitchFamily="18" charset="0"/>
                 <a:cs typeface="Times New Roman" panose="02020603050405020304" pitchFamily="18" charset="0"/>
               </a:rPr>
@@ -24737,14 +24692,14 @@
               <a:buNone/>
             </a:pPr>
             <a:r>
-              <a:rPr lang="ru-RU" sz="1800" dirty="0" smtClean="0">
+              <a:rPr lang="ru-RU" sz="2400" dirty="0" smtClean="0">
                 <a:latin typeface="Times New Roman" panose="02020603050405020304" pitchFamily="18" charset="0"/>
                 <a:cs typeface="Times New Roman" panose="02020603050405020304" pitchFamily="18" charset="0"/>
               </a:rPr>
               <a:t>Задачи </a:t>
             </a:r>
             <a:r>
-              <a:rPr lang="ru-RU" sz="1800" dirty="0">
+              <a:rPr lang="ru-RU" sz="2400" dirty="0">
                 <a:latin typeface="Times New Roman" panose="02020603050405020304" pitchFamily="18" charset="0"/>
                 <a:cs typeface="Times New Roman" panose="02020603050405020304" pitchFamily="18" charset="0"/>
               </a:rPr>
@@ -24754,20 +24709,20 @@
           <a:p>
             <a:pPr lvl="0"/>
             <a:r>
-              <a:rPr lang="ru-RU" sz="1800" dirty="0">
+              <a:rPr lang="ru-RU" sz="2400" dirty="0">
                 <a:latin typeface="Times New Roman" panose="02020603050405020304" pitchFamily="18" charset="0"/>
                 <a:cs typeface="Times New Roman" panose="02020603050405020304" pitchFamily="18" charset="0"/>
               </a:rPr>
               <a:t>Изучение основных принципов </a:t>
             </a:r>
             <a:r>
-              <a:rPr lang="ru-RU" sz="1800" dirty="0" smtClean="0">
+              <a:rPr lang="ru-RU" sz="2400" dirty="0" smtClean="0">
                 <a:latin typeface="Times New Roman" panose="02020603050405020304" pitchFamily="18" charset="0"/>
                 <a:cs typeface="Times New Roman" panose="02020603050405020304" pitchFamily="18" charset="0"/>
               </a:rPr>
               <a:t>разработки автоматизированных информационных систем</a:t>
             </a:r>
-            <a:endParaRPr lang="ru-RU" sz="1800" dirty="0">
+            <a:endParaRPr lang="ru-RU" sz="2400" dirty="0">
               <a:latin typeface="Times New Roman" panose="02020603050405020304" pitchFamily="18" charset="0"/>
               <a:cs typeface="Times New Roman" panose="02020603050405020304" pitchFamily="18" charset="0"/>
             </a:endParaRPr>
@@ -24775,13 +24730,13 @@
           <a:p>
             <a:pPr lvl="0"/>
             <a:r>
-              <a:rPr lang="ru-RU" sz="1800" dirty="0" smtClean="0">
+              <a:rPr lang="ru-RU" sz="2400" dirty="0" smtClean="0">
                 <a:latin typeface="Times New Roman" panose="02020603050405020304" pitchFamily="18" charset="0"/>
                 <a:cs typeface="Times New Roman" panose="02020603050405020304" pitchFamily="18" charset="0"/>
               </a:rPr>
               <a:t>Проектирование базы данных</a:t>
             </a:r>
-            <a:endParaRPr lang="ru-RU" sz="1800" dirty="0">
+            <a:endParaRPr lang="ru-RU" sz="2400" dirty="0">
               <a:latin typeface="Times New Roman" panose="02020603050405020304" pitchFamily="18" charset="0"/>
               <a:cs typeface="Times New Roman" panose="02020603050405020304" pitchFamily="18" charset="0"/>
             </a:endParaRPr>
@@ -24789,20 +24744,20 @@
           <a:p>
             <a:pPr lvl="0"/>
             <a:r>
-              <a:rPr lang="ru-RU" sz="1800" dirty="0" smtClean="0">
+              <a:rPr lang="ru-RU" sz="2400" dirty="0" smtClean="0">
                 <a:latin typeface="Times New Roman" panose="02020603050405020304" pitchFamily="18" charset="0"/>
                 <a:cs typeface="Times New Roman" panose="02020603050405020304" pitchFamily="18" charset="0"/>
               </a:rPr>
               <a:t>Разработка интерфейса пользователя</a:t>
             </a:r>
-            <a:endParaRPr lang="ru-RU" sz="1800" dirty="0">
+            <a:endParaRPr lang="ru-RU" sz="2400" dirty="0">
               <a:latin typeface="Times New Roman" panose="02020603050405020304" pitchFamily="18" charset="0"/>
               <a:cs typeface="Times New Roman" panose="02020603050405020304" pitchFamily="18" charset="0"/>
             </a:endParaRPr>
           </a:p>
           <a:p>
             <a:r>
-              <a:rPr lang="ru-RU" sz="1800" dirty="0" smtClean="0">
+              <a:rPr lang="ru-RU" sz="2400" dirty="0" smtClean="0">
                 <a:latin typeface="Times New Roman" panose="02020603050405020304" pitchFamily="18" charset="0"/>
                 <a:cs typeface="Times New Roman" panose="02020603050405020304" pitchFamily="18" charset="0"/>
               </a:rPr>
@@ -24811,7 +24766,7 @@
           </a:p>
           <a:p>
             <a:r>
-              <a:rPr lang="ru-RU" sz="1800" dirty="0" smtClean="0">
+              <a:rPr lang="ru-RU" sz="2400" dirty="0" smtClean="0">
                 <a:solidFill>
                   <a:schemeClr val="tx1"/>
                 </a:solidFill>
@@ -24820,7 +24775,7 @@
               </a:rPr>
               <a:t>Тестирование системы</a:t>
             </a:r>
-            <a:endParaRPr lang="ru-RU" sz="1800" dirty="0">
+            <a:endParaRPr lang="ru-RU" sz="2400" dirty="0">
               <a:solidFill>
                 <a:schemeClr val="tx1"/>
               </a:solidFill>
@@ -24835,7 +24790,7 @@
           <p:cNvPr id="4" name="Номер слайда 3">
             <a:extLst>
               <a:ext uri="{FF2B5EF4-FFF2-40B4-BE49-F238E27FC236}">
-                <a16:creationId xmlns="" xmlns:a16="http://schemas.microsoft.com/office/drawing/2014/main" id="{E72B451D-C10C-6539-6642-7FE7D6654545}"/>
+                <a16:creationId xmlns:a16="http://schemas.microsoft.com/office/drawing/2014/main" xmlns="" id="{E72B451D-C10C-6539-6642-7FE7D6654545}"/>
               </a:ext>
             </a:extLst>
           </p:cNvPr>
@@ -24914,7 +24869,7 @@
           <p:cNvPr id="2" name="Заголовок 1">
             <a:extLst>
               <a:ext uri="{FF2B5EF4-FFF2-40B4-BE49-F238E27FC236}">
-                <a16:creationId xmlns="" xmlns:a16="http://schemas.microsoft.com/office/drawing/2014/main" id="{88E7FDEF-EB7A-5341-20ED-EF9DC2B025A4}"/>
+                <a16:creationId xmlns:a16="http://schemas.microsoft.com/office/drawing/2014/main" xmlns="" id="{88E7FDEF-EB7A-5341-20ED-EF9DC2B025A4}"/>
               </a:ext>
             </a:extLst>
           </p:cNvPr>
@@ -24960,7 +24915,7 @@
           <p:cNvPr id="3" name="Объект 2">
             <a:extLst>
               <a:ext uri="{FF2B5EF4-FFF2-40B4-BE49-F238E27FC236}">
-                <a16:creationId xmlns="" xmlns:a16="http://schemas.microsoft.com/office/drawing/2014/main" id="{9ECA18E8-A5F5-278E-C176-8B462D80C8DF}"/>
+                <a16:creationId xmlns:a16="http://schemas.microsoft.com/office/drawing/2014/main" xmlns="" id="{9ECA18E8-A5F5-278E-C176-8B462D80C8DF}"/>
               </a:ext>
             </a:extLst>
           </p:cNvPr>
@@ -24973,8 +24928,8 @@
         </p:nvSpPr>
         <p:spPr>
           <a:xfrm>
-            <a:off x="719610" y="961661"/>
-            <a:ext cx="10634189" cy="4432460"/>
+            <a:off x="719610" y="961660"/>
+            <a:ext cx="10634189" cy="5320267"/>
           </a:xfrm>
         </p:spPr>
         <p:txBody>
@@ -24987,7 +24942,7 @@
               <a:buNone/>
             </a:pPr>
             <a:r>
-              <a:rPr lang="ru-RU" sz="1800" dirty="0">
+              <a:rPr lang="ru-RU" sz="2000" dirty="0">
                 <a:latin typeface="Times New Roman" panose="02020603050405020304" pitchFamily="18" charset="0"/>
                 <a:cs typeface="Times New Roman" panose="02020603050405020304" pitchFamily="18" charset="0"/>
               </a:rPr>
@@ -25000,7 +24955,7 @@
               <a:buAutoNum type="arabicPeriod"/>
             </a:pPr>
             <a:r>
-              <a:rPr lang="ru-RU" sz="1800" dirty="0"/>
+              <a:rPr lang="ru-RU" sz="2000" dirty="0"/>
               <a:t>Программа используется в учебной организации, в распоряжении которой имеется множество компьютеров, предназначенных для учебного процесса и работы сотрудников организации</a:t>
             </a:r>
           </a:p>
@@ -25010,7 +24965,7 @@
               <a:buAutoNum type="arabicPeriod"/>
             </a:pPr>
             <a:r>
-              <a:rPr lang="ru-RU" sz="1800" dirty="0"/>
+              <a:rPr lang="ru-RU" sz="2000" dirty="0"/>
               <a:t>Компьютеры могут входить в состав компьютерных классов или использоваться сотрудниками единолично</a:t>
             </a:r>
           </a:p>
@@ -25020,15 +24975,15 @@
               <a:buAutoNum type="arabicPeriod"/>
             </a:pPr>
             <a:r>
-              <a:rPr lang="ru-RU" sz="1800" dirty="0"/>
+              <a:rPr lang="ru-RU" sz="2000" dirty="0"/>
               <a:t>Необходимо хранить информацию о том, на каком компьютере установлено какое-либо программное обеспечение, характеристики программного обеспечения (вид лицензии, ключ, при необходимости и т.д.),  характеристики компьютера (аппаратные характеристики, расположение, номер, </a:t>
             </a:r>
             <a:r>
-              <a:rPr lang="en-US" sz="1800" dirty="0"/>
+              <a:rPr lang="en-US" sz="2000" dirty="0"/>
               <a:t>IP</a:t>
             </a:r>
             <a:r>
-              <a:rPr lang="ru-RU" sz="1800" dirty="0"/>
+              <a:rPr lang="ru-RU" sz="2000" dirty="0"/>
               <a:t>-адрес</a:t>
             </a:r>
           </a:p>
@@ -25038,15 +24993,15 @@
               <a:buAutoNum type="arabicPeriod"/>
             </a:pPr>
             <a:r>
-              <a:rPr lang="ru-RU" sz="1800" dirty="0"/>
+              <a:rPr lang="ru-RU" sz="2000" dirty="0"/>
               <a:t>Должны генерироваться отчеты об установленном ПО </a:t>
             </a:r>
             <a:r>
-              <a:rPr lang="ru-RU" sz="1800" dirty="0" err="1"/>
+              <a:rPr lang="ru-RU" sz="2000" dirty="0" err="1"/>
               <a:t>по</a:t>
             </a:r>
             <a:r>
-              <a:rPr lang="ru-RU" sz="1800" dirty="0"/>
+              <a:rPr lang="ru-RU" sz="2000" dirty="0"/>
               <a:t> аудиториям, по предназначению, по категории ПО</a:t>
             </a:r>
           </a:p>
@@ -25056,7 +25011,7 @@
               <a:buAutoNum type="arabicPeriod"/>
             </a:pPr>
             <a:r>
-              <a:rPr lang="ru-RU" sz="1800" dirty="0"/>
+              <a:rPr lang="ru-RU" sz="2000" dirty="0"/>
               <a:t>В БД предусмотреть хранение изображений (минимум в одном поле) в соответствии с тематикой курсовой работы</a:t>
             </a:r>
           </a:p>
@@ -25066,7 +25021,7 @@
               <a:buAutoNum type="arabicPeriod"/>
             </a:pPr>
             <a:r>
-              <a:rPr lang="ru-RU" sz="1800" dirty="0"/>
+              <a:rPr lang="ru-RU" sz="2000" dirty="0"/>
               <a:t>В БД должны быть реализованы хранимые процедуры и/или триггеры</a:t>
             </a:r>
           </a:p>
@@ -25076,10 +25031,10 @@
               <a:buAutoNum type="arabicPeriod"/>
             </a:pPr>
             <a:r>
-              <a:rPr lang="ru-RU" sz="1800" dirty="0"/>
+              <a:rPr lang="ru-RU" sz="2000" dirty="0"/>
               <a:t>В БД должно быть занесено суммарно не менее 50 записей</a:t>
             </a:r>
-            <a:endParaRPr lang="ru-RU" sz="1800" dirty="0">
+            <a:endParaRPr lang="ru-RU" sz="2000" dirty="0">
               <a:latin typeface="Times New Roman" panose="02020603050405020304" pitchFamily="18" charset="0"/>
               <a:cs typeface="Times New Roman" panose="02020603050405020304" pitchFamily="18" charset="0"/>
             </a:endParaRPr>
@@ -25091,7 +25046,7 @@
           <p:cNvPr id="4" name="Номер слайда 3">
             <a:extLst>
               <a:ext uri="{FF2B5EF4-FFF2-40B4-BE49-F238E27FC236}">
-                <a16:creationId xmlns="" xmlns:a16="http://schemas.microsoft.com/office/drawing/2014/main" id="{E72B451D-C10C-6539-6642-7FE7D6654545}"/>
+                <a16:creationId xmlns:a16="http://schemas.microsoft.com/office/drawing/2014/main" xmlns="" id="{E72B451D-C10C-6539-6642-7FE7D6654545}"/>
               </a:ext>
             </a:extLst>
           </p:cNvPr>
@@ -25170,7 +25125,7 @@
           <p:cNvPr id="2" name="Заголовок 1">
             <a:extLst>
               <a:ext uri="{FF2B5EF4-FFF2-40B4-BE49-F238E27FC236}">
-                <a16:creationId xmlns="" xmlns:a16="http://schemas.microsoft.com/office/drawing/2014/main" id="{6C775F90-E462-27C9-934C-98ADEE1EB8A6}"/>
+                <a16:creationId xmlns:a16="http://schemas.microsoft.com/office/drawing/2014/main" xmlns="" id="{6C775F90-E462-27C9-934C-98ADEE1EB8A6}"/>
               </a:ext>
             </a:extLst>
           </p:cNvPr>
@@ -25219,7 +25174,7 @@
           <p:cNvPr id="3" name="Объект 2">
             <a:extLst>
               <a:ext uri="{FF2B5EF4-FFF2-40B4-BE49-F238E27FC236}">
-                <a16:creationId xmlns="" xmlns:a16="http://schemas.microsoft.com/office/drawing/2014/main" id="{3939ADB1-F985-1288-8632-00F93643871E}"/>
+                <a16:creationId xmlns:a16="http://schemas.microsoft.com/office/drawing/2014/main" xmlns="" id="{3939ADB1-F985-1288-8632-00F93643871E}"/>
               </a:ext>
             </a:extLst>
           </p:cNvPr>
@@ -25423,7 +25378,7 @@
           <p:cNvPr id="5" name="Номер слайда 4">
             <a:extLst>
               <a:ext uri="{FF2B5EF4-FFF2-40B4-BE49-F238E27FC236}">
-                <a16:creationId xmlns="" xmlns:a16="http://schemas.microsoft.com/office/drawing/2014/main" id="{972AF9AE-4D0D-8B14-AD3A-06F79195118D}"/>
+                <a16:creationId xmlns:a16="http://schemas.microsoft.com/office/drawing/2014/main" xmlns="" id="{972AF9AE-4D0D-8B14-AD3A-06F79195118D}"/>
               </a:ext>
             </a:extLst>
           </p:cNvPr>
@@ -25526,7 +25481,7 @@
           <p:cNvPr id="2" name="Заголовок 1">
             <a:extLst>
               <a:ext uri="{FF2B5EF4-FFF2-40B4-BE49-F238E27FC236}">
-                <a16:creationId xmlns="" xmlns:a16="http://schemas.microsoft.com/office/drawing/2014/main" id="{6C775F90-E462-27C9-934C-98ADEE1EB8A6}"/>
+                <a16:creationId xmlns:a16="http://schemas.microsoft.com/office/drawing/2014/main" xmlns="" id="{6C775F90-E462-27C9-934C-98ADEE1EB8A6}"/>
               </a:ext>
             </a:extLst>
           </p:cNvPr>
@@ -25575,7 +25530,7 @@
           <p:cNvPr id="5" name="Номер слайда 4">
             <a:extLst>
               <a:ext uri="{FF2B5EF4-FFF2-40B4-BE49-F238E27FC236}">
-                <a16:creationId xmlns="" xmlns:a16="http://schemas.microsoft.com/office/drawing/2014/main" id="{972AF9AE-4D0D-8B14-AD3A-06F79195118D}"/>
+                <a16:creationId xmlns:a16="http://schemas.microsoft.com/office/drawing/2014/main" xmlns="" id="{972AF9AE-4D0D-8B14-AD3A-06F79195118D}"/>
               </a:ext>
             </a:extLst>
           </p:cNvPr>
@@ -25798,7 +25753,7 @@
           <p:cNvPr id="2" name="Заголовок 1">
             <a:extLst>
               <a:ext uri="{FF2B5EF4-FFF2-40B4-BE49-F238E27FC236}">
-                <a16:creationId xmlns="" xmlns:a16="http://schemas.microsoft.com/office/drawing/2014/main" id="{6C775F90-E462-27C9-934C-98ADEE1EB8A6}"/>
+                <a16:creationId xmlns:a16="http://schemas.microsoft.com/office/drawing/2014/main" xmlns="" id="{6C775F90-E462-27C9-934C-98ADEE1EB8A6}"/>
               </a:ext>
             </a:extLst>
           </p:cNvPr>
@@ -25847,7 +25802,7 @@
           <p:cNvPr id="5" name="Номер слайда 4">
             <a:extLst>
               <a:ext uri="{FF2B5EF4-FFF2-40B4-BE49-F238E27FC236}">
-                <a16:creationId xmlns="" xmlns:a16="http://schemas.microsoft.com/office/drawing/2014/main" id="{972AF9AE-4D0D-8B14-AD3A-06F79195118D}"/>
+                <a16:creationId xmlns:a16="http://schemas.microsoft.com/office/drawing/2014/main" xmlns="" id="{972AF9AE-4D0D-8B14-AD3A-06F79195118D}"/>
               </a:ext>
             </a:extLst>
           </p:cNvPr>
@@ -25902,7 +25857,7 @@
         </p:spPr>
         <p:txBody>
           <a:bodyPr>
-            <a:normAutofit fontScale="92500" lnSpcReduction="10000"/>
+            <a:normAutofit/>
           </a:bodyPr>
           <a:lstStyle/>
           <a:p>
@@ -25946,30 +25901,6 @@
               <a:buNone/>
             </a:pPr>
             <a:endParaRPr lang="en-US" dirty="0"/>
-          </a:p>
-          <a:p>
-            <a:pPr marL="0" indent="0" algn="ctr">
-              <a:buNone/>
-            </a:pPr>
-            <a:endParaRPr lang="ru-RU" dirty="0"/>
-          </a:p>
-          <a:p>
-            <a:pPr marL="0" indent="0" algn="ctr">
-              <a:buNone/>
-            </a:pPr>
-            <a:endParaRPr lang="ru-RU" sz="1800" dirty="0" smtClean="0">
-              <a:latin typeface="Times New Roman" panose="02020603050405020304" pitchFamily="18" charset="0"/>
-              <a:cs typeface="Times New Roman" panose="02020603050405020304" pitchFamily="18" charset="0"/>
-            </a:endParaRPr>
-          </a:p>
-          <a:p>
-            <a:pPr marL="0" indent="0" algn="ctr">
-              <a:buNone/>
-            </a:pPr>
-            <a:endParaRPr lang="ru-RU" sz="1800" dirty="0">
-              <a:latin typeface="Times New Roman" panose="02020603050405020304" pitchFamily="18" charset="0"/>
-              <a:cs typeface="Times New Roman" panose="02020603050405020304" pitchFamily="18" charset="0"/>
-            </a:endParaRPr>
           </a:p>
           <a:p>
             <a:pPr marL="0" indent="0" algn="ctr">
@@ -26067,7 +25998,7 @@
           <p:cNvPr id="2" name="Заголовок 1">
             <a:extLst>
               <a:ext uri="{FF2B5EF4-FFF2-40B4-BE49-F238E27FC236}">
-                <a16:creationId xmlns="" xmlns:a16="http://schemas.microsoft.com/office/drawing/2014/main" id="{6C775F90-E462-27C9-934C-98ADEE1EB8A6}"/>
+                <a16:creationId xmlns:a16="http://schemas.microsoft.com/office/drawing/2014/main" xmlns="" id="{6C775F90-E462-27C9-934C-98ADEE1EB8A6}"/>
               </a:ext>
             </a:extLst>
           </p:cNvPr>
@@ -26116,7 +26047,7 @@
           <p:cNvPr id="5" name="Номер слайда 4">
             <a:extLst>
               <a:ext uri="{FF2B5EF4-FFF2-40B4-BE49-F238E27FC236}">
-                <a16:creationId xmlns="" xmlns:a16="http://schemas.microsoft.com/office/drawing/2014/main" id="{972AF9AE-4D0D-8B14-AD3A-06F79195118D}"/>
+                <a16:creationId xmlns:a16="http://schemas.microsoft.com/office/drawing/2014/main" xmlns="" id="{972AF9AE-4D0D-8B14-AD3A-06F79195118D}"/>
               </a:ext>
             </a:extLst>
           </p:cNvPr>
@@ -26339,7 +26270,7 @@
           <p:cNvPr id="2" name="Заголовок 1">
             <a:extLst>
               <a:ext uri="{FF2B5EF4-FFF2-40B4-BE49-F238E27FC236}">
-                <a16:creationId xmlns="" xmlns:a16="http://schemas.microsoft.com/office/drawing/2014/main" id="{6C775F90-E462-27C9-934C-98ADEE1EB8A6}"/>
+                <a16:creationId xmlns:a16="http://schemas.microsoft.com/office/drawing/2014/main" xmlns="" id="{6C775F90-E462-27C9-934C-98ADEE1EB8A6}"/>
               </a:ext>
             </a:extLst>
           </p:cNvPr>
@@ -26408,7 +26339,7 @@
           <p:cNvPr id="5" name="Номер слайда 4">
             <a:extLst>
               <a:ext uri="{FF2B5EF4-FFF2-40B4-BE49-F238E27FC236}">
-                <a16:creationId xmlns="" xmlns:a16="http://schemas.microsoft.com/office/drawing/2014/main" id="{972AF9AE-4D0D-8B14-AD3A-06F79195118D}"/>
+                <a16:creationId xmlns:a16="http://schemas.microsoft.com/office/drawing/2014/main" xmlns="" id="{972AF9AE-4D0D-8B14-AD3A-06F79195118D}"/>
               </a:ext>
             </a:extLst>
           </p:cNvPr>
@@ -27504,7 +27435,7 @@
           <p:cNvPr id="4" name="Номер слайда 3">
             <a:extLst>
               <a:ext uri="{FF2B5EF4-FFF2-40B4-BE49-F238E27FC236}">
-                <a16:creationId xmlns="" xmlns:a16="http://schemas.microsoft.com/office/drawing/2014/main" id="{95C5ACB6-71C6-6487-9FD6-0D4534DDAB71}"/>
+                <a16:creationId xmlns:a16="http://schemas.microsoft.com/office/drawing/2014/main" xmlns="" id="{95C5ACB6-71C6-6487-9FD6-0D4534DDAB71}"/>
               </a:ext>
             </a:extLst>
           </p:cNvPr>
@@ -27546,7 +27477,7 @@
           <p:cNvPr id="5" name="Объект 2">
             <a:extLst>
               <a:ext uri="{FF2B5EF4-FFF2-40B4-BE49-F238E27FC236}">
-                <a16:creationId xmlns="" xmlns:a16="http://schemas.microsoft.com/office/drawing/2014/main" id="{765C75ED-B07C-D49F-CB32-A9A28C0898CD}"/>
+                <a16:creationId xmlns:a16="http://schemas.microsoft.com/office/drawing/2014/main" xmlns="" id="{765C75ED-B07C-D49F-CB32-A9A28C0898CD}"/>
               </a:ext>
             </a:extLst>
           </p:cNvPr>
@@ -27906,7 +27837,7 @@
               <a:buFont typeface="Wingdings 3" charset="2"/>
               <a:buNone/>
             </a:pPr>
-            <a:endParaRPr lang="ru-RU" dirty="0" smtClean="0">
+            <a:endParaRPr lang="ru-RU" dirty="0">
               <a:solidFill>
                 <a:prstClr val="black"/>
               </a:solidFill>
@@ -27965,7 +27896,7 @@
           <p:cNvPr id="7" name="Заголовок 1">
             <a:extLst>
               <a:ext uri="{FF2B5EF4-FFF2-40B4-BE49-F238E27FC236}">
-                <a16:creationId xmlns="" xmlns:a16="http://schemas.microsoft.com/office/drawing/2014/main" id="{618B7D0E-791D-C1BE-5F4F-B8EE160661EA}"/>
+                <a16:creationId xmlns:a16="http://schemas.microsoft.com/office/drawing/2014/main" xmlns="" id="{618B7D0E-791D-C1BE-5F4F-B8EE160661EA}"/>
               </a:ext>
             </a:extLst>
           </p:cNvPr>
